--- a/docs/diagrams/ModelComponentClassDiagram.pptx
+++ b/docs/diagrams/ModelComponentClassDiagram.pptx
@@ -208,7 +208,7 @@
           <a:p>
             <a:fld id="{F5CC4B3F-88C1-4FFA-B1B6-F41C21DC6924}" type="datetimeFigureOut">
               <a:rPr lang="en-US" smtClean="0"/>
-              <a:t>1/1/18</a:t>
+              <a:t>4/7/2018</a:t>
             </a:fld>
             <a:endParaRPr lang="en-US"/>
           </a:p>
@@ -272,38 +272,37 @@
           <a:p>
             <a:pPr lvl="0"/>
             <a:r>
-              <a:rPr lang="en-US" smtClean="0"/>
+              <a:rPr lang="en-US"/>
               <a:t>Click to edit Master text styles</a:t>
             </a:r>
           </a:p>
           <a:p>
             <a:pPr lvl="1"/>
             <a:r>
-              <a:rPr lang="en-US" smtClean="0"/>
+              <a:rPr lang="en-US"/>
               <a:t>Second level</a:t>
             </a:r>
           </a:p>
           <a:p>
             <a:pPr lvl="2"/>
             <a:r>
-              <a:rPr lang="en-US" smtClean="0"/>
+              <a:rPr lang="en-US"/>
               <a:t>Third level</a:t>
             </a:r>
           </a:p>
           <a:p>
             <a:pPr lvl="3"/>
             <a:r>
-              <a:rPr lang="en-US" smtClean="0"/>
+              <a:rPr lang="en-US"/>
               <a:t>Fourth level</a:t>
             </a:r>
           </a:p>
           <a:p>
             <a:pPr lvl="4"/>
             <a:r>
-              <a:rPr lang="en-US" smtClean="0"/>
+              <a:rPr lang="en-US"/>
               <a:t>Fifth level</a:t>
             </a:r>
-            <a:endParaRPr lang="en-US"/>
           </a:p>
         </p:txBody>
       </p:sp>
@@ -514,10 +513,9 @@
           <a:lstStyle/>
           <a:p>
             <a:r>
-              <a:rPr lang="en-US" smtClean="0"/>
+              <a:rPr lang="en-US"/>
               <a:t>Click to edit Master title style</a:t>
             </a:r>
-            <a:endParaRPr lang="en-US"/>
           </a:p>
         </p:txBody>
       </p:sp>
@@ -633,10 +631,9 @@
           </a:lstStyle>
           <a:p>
             <a:r>
-              <a:rPr lang="en-US" smtClean="0"/>
+              <a:rPr lang="en-US"/>
               <a:t>Click to edit Master subtitle style</a:t>
             </a:r>
-            <a:endParaRPr lang="en-US"/>
           </a:p>
         </p:txBody>
       </p:sp>
@@ -657,7 +654,7 @@
           <a:p>
             <a:fld id="{78C97017-6FC3-485B-9764-EAC9E56C1D49}" type="datetimeFigureOut">
               <a:rPr lang="en-US" smtClean="0"/>
-              <a:t>1/1/18</a:t>
+              <a:t>4/7/2018</a:t>
             </a:fld>
             <a:endParaRPr lang="en-US"/>
           </a:p>
@@ -751,10 +748,9 @@
           <a:lstStyle/>
           <a:p>
             <a:r>
-              <a:rPr lang="en-US" smtClean="0"/>
+              <a:rPr lang="en-US"/>
               <a:t>Click to edit Master title style</a:t>
             </a:r>
-            <a:endParaRPr lang="en-US"/>
           </a:p>
         </p:txBody>
       </p:sp>
@@ -775,38 +771,37 @@
           <a:p>
             <a:pPr lvl="0"/>
             <a:r>
-              <a:rPr lang="en-US" smtClean="0"/>
+              <a:rPr lang="en-US"/>
               <a:t>Click to edit Master text styles</a:t>
             </a:r>
           </a:p>
           <a:p>
             <a:pPr lvl="1"/>
             <a:r>
-              <a:rPr lang="en-US" smtClean="0"/>
+              <a:rPr lang="en-US"/>
               <a:t>Second level</a:t>
             </a:r>
           </a:p>
           <a:p>
             <a:pPr lvl="2"/>
             <a:r>
-              <a:rPr lang="en-US" smtClean="0"/>
+              <a:rPr lang="en-US"/>
               <a:t>Third level</a:t>
             </a:r>
           </a:p>
           <a:p>
             <a:pPr lvl="3"/>
             <a:r>
-              <a:rPr lang="en-US" smtClean="0"/>
+              <a:rPr lang="en-US"/>
               <a:t>Fourth level</a:t>
             </a:r>
           </a:p>
           <a:p>
             <a:pPr lvl="4"/>
             <a:r>
-              <a:rPr lang="en-US" smtClean="0"/>
+              <a:rPr lang="en-US"/>
               <a:t>Fifth level</a:t>
             </a:r>
-            <a:endParaRPr lang="en-US"/>
           </a:p>
         </p:txBody>
       </p:sp>
@@ -827,7 +822,7 @@
           <a:p>
             <a:fld id="{78C97017-6FC3-485B-9764-EAC9E56C1D49}" type="datetimeFigureOut">
               <a:rPr lang="en-US" smtClean="0"/>
-              <a:t>1/1/18</a:t>
+              <a:t>4/7/2018</a:t>
             </a:fld>
             <a:endParaRPr lang="en-US"/>
           </a:p>
@@ -926,10 +921,9 @@
           <a:lstStyle/>
           <a:p>
             <a:r>
-              <a:rPr lang="en-US" smtClean="0"/>
+              <a:rPr lang="en-US"/>
               <a:t>Click to edit Master title style</a:t>
             </a:r>
-            <a:endParaRPr lang="en-US"/>
           </a:p>
         </p:txBody>
       </p:sp>
@@ -955,38 +949,37 @@
           <a:p>
             <a:pPr lvl="0"/>
             <a:r>
-              <a:rPr lang="en-US" smtClean="0"/>
+              <a:rPr lang="en-US"/>
               <a:t>Click to edit Master text styles</a:t>
             </a:r>
           </a:p>
           <a:p>
             <a:pPr lvl="1"/>
             <a:r>
-              <a:rPr lang="en-US" smtClean="0"/>
+              <a:rPr lang="en-US"/>
               <a:t>Second level</a:t>
             </a:r>
           </a:p>
           <a:p>
             <a:pPr lvl="2"/>
             <a:r>
-              <a:rPr lang="en-US" smtClean="0"/>
+              <a:rPr lang="en-US"/>
               <a:t>Third level</a:t>
             </a:r>
           </a:p>
           <a:p>
             <a:pPr lvl="3"/>
             <a:r>
-              <a:rPr lang="en-US" smtClean="0"/>
+              <a:rPr lang="en-US"/>
               <a:t>Fourth level</a:t>
             </a:r>
           </a:p>
           <a:p>
             <a:pPr lvl="4"/>
             <a:r>
-              <a:rPr lang="en-US" smtClean="0"/>
+              <a:rPr lang="en-US"/>
               <a:t>Fifth level</a:t>
             </a:r>
-            <a:endParaRPr lang="en-US"/>
           </a:p>
         </p:txBody>
       </p:sp>
@@ -1007,7 +1000,7 @@
           <a:p>
             <a:fld id="{78C97017-6FC3-485B-9764-EAC9E56C1D49}" type="datetimeFigureOut">
               <a:rPr lang="en-US" smtClean="0"/>
-              <a:t>1/1/18</a:t>
+              <a:t>4/7/2018</a:t>
             </a:fld>
             <a:endParaRPr lang="en-US"/>
           </a:p>
@@ -1101,10 +1094,9 @@
           <a:lstStyle/>
           <a:p>
             <a:r>
-              <a:rPr lang="en-US" smtClean="0"/>
+              <a:rPr lang="en-US"/>
               <a:t>Click to edit Master title style</a:t>
             </a:r>
-            <a:endParaRPr lang="en-US"/>
           </a:p>
         </p:txBody>
       </p:sp>
@@ -1125,38 +1117,37 @@
           <a:p>
             <a:pPr lvl="0"/>
             <a:r>
-              <a:rPr lang="en-US" smtClean="0"/>
+              <a:rPr lang="en-US"/>
               <a:t>Click to edit Master text styles</a:t>
             </a:r>
           </a:p>
           <a:p>
             <a:pPr lvl="1"/>
             <a:r>
-              <a:rPr lang="en-US" smtClean="0"/>
+              <a:rPr lang="en-US"/>
               <a:t>Second level</a:t>
             </a:r>
           </a:p>
           <a:p>
             <a:pPr lvl="2"/>
             <a:r>
-              <a:rPr lang="en-US" smtClean="0"/>
+              <a:rPr lang="en-US"/>
               <a:t>Third level</a:t>
             </a:r>
           </a:p>
           <a:p>
             <a:pPr lvl="3"/>
             <a:r>
-              <a:rPr lang="en-US" smtClean="0"/>
+              <a:rPr lang="en-US"/>
               <a:t>Fourth level</a:t>
             </a:r>
           </a:p>
           <a:p>
             <a:pPr lvl="4"/>
             <a:r>
-              <a:rPr lang="en-US" smtClean="0"/>
+              <a:rPr lang="en-US"/>
               <a:t>Fifth level</a:t>
             </a:r>
-            <a:endParaRPr lang="en-US"/>
           </a:p>
         </p:txBody>
       </p:sp>
@@ -1177,7 +1168,7 @@
           <a:p>
             <a:fld id="{78C97017-6FC3-485B-9764-EAC9E56C1D49}" type="datetimeFigureOut">
               <a:rPr lang="en-US" smtClean="0"/>
-              <a:t>1/1/18</a:t>
+              <a:t>4/7/2018</a:t>
             </a:fld>
             <a:endParaRPr lang="en-US"/>
           </a:p>
@@ -1280,10 +1271,9 @@
           </a:lstStyle>
           <a:p>
             <a:r>
-              <a:rPr lang="en-US" smtClean="0"/>
+              <a:rPr lang="en-US"/>
               <a:t>Click to edit Master title style</a:t>
             </a:r>
-            <a:endParaRPr lang="en-US"/>
           </a:p>
         </p:txBody>
       </p:sp>
@@ -1400,7 +1390,7 @@
           <a:p>
             <a:pPr lvl="0"/>
             <a:r>
-              <a:rPr lang="en-US" smtClean="0"/>
+              <a:rPr lang="en-US"/>
               <a:t>Click to edit Master text styles</a:t>
             </a:r>
           </a:p>
@@ -1423,7 +1413,7 @@
           <a:p>
             <a:fld id="{78C97017-6FC3-485B-9764-EAC9E56C1D49}" type="datetimeFigureOut">
               <a:rPr lang="en-US" smtClean="0"/>
-              <a:t>1/1/18</a:t>
+              <a:t>4/7/2018</a:t>
             </a:fld>
             <a:endParaRPr lang="en-US"/>
           </a:p>
@@ -1517,10 +1507,9 @@
           <a:lstStyle/>
           <a:p>
             <a:r>
-              <a:rPr lang="en-US" smtClean="0"/>
+              <a:rPr lang="en-US"/>
               <a:t>Click to edit Master title style</a:t>
             </a:r>
-            <a:endParaRPr lang="en-US"/>
           </a:p>
         </p:txBody>
       </p:sp>
@@ -1574,38 +1563,37 @@
           <a:p>
             <a:pPr lvl="0"/>
             <a:r>
-              <a:rPr lang="en-US" smtClean="0"/>
+              <a:rPr lang="en-US"/>
               <a:t>Click to edit Master text styles</a:t>
             </a:r>
           </a:p>
           <a:p>
             <a:pPr lvl="1"/>
             <a:r>
-              <a:rPr lang="en-US" smtClean="0"/>
+              <a:rPr lang="en-US"/>
               <a:t>Second level</a:t>
             </a:r>
           </a:p>
           <a:p>
             <a:pPr lvl="2"/>
             <a:r>
-              <a:rPr lang="en-US" smtClean="0"/>
+              <a:rPr lang="en-US"/>
               <a:t>Third level</a:t>
             </a:r>
           </a:p>
           <a:p>
             <a:pPr lvl="3"/>
             <a:r>
-              <a:rPr lang="en-US" smtClean="0"/>
+              <a:rPr lang="en-US"/>
               <a:t>Fourth level</a:t>
             </a:r>
           </a:p>
           <a:p>
             <a:pPr lvl="4"/>
             <a:r>
-              <a:rPr lang="en-US" smtClean="0"/>
+              <a:rPr lang="en-US"/>
               <a:t>Fifth level</a:t>
             </a:r>
-            <a:endParaRPr lang="en-US"/>
           </a:p>
         </p:txBody>
       </p:sp>
@@ -1659,38 +1647,37 @@
           <a:p>
             <a:pPr lvl="0"/>
             <a:r>
-              <a:rPr lang="en-US" smtClean="0"/>
+              <a:rPr lang="en-US"/>
               <a:t>Click to edit Master text styles</a:t>
             </a:r>
           </a:p>
           <a:p>
             <a:pPr lvl="1"/>
             <a:r>
-              <a:rPr lang="en-US" smtClean="0"/>
+              <a:rPr lang="en-US"/>
               <a:t>Second level</a:t>
             </a:r>
           </a:p>
           <a:p>
             <a:pPr lvl="2"/>
             <a:r>
-              <a:rPr lang="en-US" smtClean="0"/>
+              <a:rPr lang="en-US"/>
               <a:t>Third level</a:t>
             </a:r>
           </a:p>
           <a:p>
             <a:pPr lvl="3"/>
             <a:r>
-              <a:rPr lang="en-US" smtClean="0"/>
+              <a:rPr lang="en-US"/>
               <a:t>Fourth level</a:t>
             </a:r>
           </a:p>
           <a:p>
             <a:pPr lvl="4"/>
             <a:r>
-              <a:rPr lang="en-US" smtClean="0"/>
+              <a:rPr lang="en-US"/>
               <a:t>Fifth level</a:t>
             </a:r>
-            <a:endParaRPr lang="en-US"/>
           </a:p>
         </p:txBody>
       </p:sp>
@@ -1711,7 +1698,7 @@
           <a:p>
             <a:fld id="{78C97017-6FC3-485B-9764-EAC9E56C1D49}" type="datetimeFigureOut">
               <a:rPr lang="en-US" smtClean="0"/>
-              <a:t>1/1/18</a:t>
+              <a:t>4/7/2018</a:t>
             </a:fld>
             <a:endParaRPr lang="en-US"/>
           </a:p>
@@ -1809,10 +1796,9 @@
           </a:lstStyle>
           <a:p>
             <a:r>
-              <a:rPr lang="en-US" smtClean="0"/>
+              <a:rPr lang="en-US"/>
               <a:t>Click to edit Master title style</a:t>
             </a:r>
-            <a:endParaRPr lang="en-US"/>
           </a:p>
         </p:txBody>
       </p:sp>
@@ -1875,7 +1861,7 @@
           <a:p>
             <a:pPr lvl="0"/>
             <a:r>
-              <a:rPr lang="en-US" smtClean="0"/>
+              <a:rPr lang="en-US"/>
               <a:t>Click to edit Master text styles</a:t>
             </a:r>
           </a:p>
@@ -1931,38 +1917,37 @@
           <a:p>
             <a:pPr lvl="0"/>
             <a:r>
-              <a:rPr lang="en-US" smtClean="0"/>
+              <a:rPr lang="en-US"/>
               <a:t>Click to edit Master text styles</a:t>
             </a:r>
           </a:p>
           <a:p>
             <a:pPr lvl="1"/>
             <a:r>
-              <a:rPr lang="en-US" smtClean="0"/>
+              <a:rPr lang="en-US"/>
               <a:t>Second level</a:t>
             </a:r>
           </a:p>
           <a:p>
             <a:pPr lvl="2"/>
             <a:r>
-              <a:rPr lang="en-US" smtClean="0"/>
+              <a:rPr lang="en-US"/>
               <a:t>Third level</a:t>
             </a:r>
           </a:p>
           <a:p>
             <a:pPr lvl="3"/>
             <a:r>
-              <a:rPr lang="en-US" smtClean="0"/>
+              <a:rPr lang="en-US"/>
               <a:t>Fourth level</a:t>
             </a:r>
           </a:p>
           <a:p>
             <a:pPr lvl="4"/>
             <a:r>
-              <a:rPr lang="en-US" smtClean="0"/>
+              <a:rPr lang="en-US"/>
               <a:t>Fifth level</a:t>
             </a:r>
-            <a:endParaRPr lang="en-US"/>
           </a:p>
         </p:txBody>
       </p:sp>
@@ -2025,7 +2010,7 @@
           <a:p>
             <a:pPr lvl="0"/>
             <a:r>
-              <a:rPr lang="en-US" smtClean="0"/>
+              <a:rPr lang="en-US"/>
               <a:t>Click to edit Master text styles</a:t>
             </a:r>
           </a:p>
@@ -2081,38 +2066,37 @@
           <a:p>
             <a:pPr lvl="0"/>
             <a:r>
-              <a:rPr lang="en-US" smtClean="0"/>
+              <a:rPr lang="en-US"/>
               <a:t>Click to edit Master text styles</a:t>
             </a:r>
           </a:p>
           <a:p>
             <a:pPr lvl="1"/>
             <a:r>
-              <a:rPr lang="en-US" smtClean="0"/>
+              <a:rPr lang="en-US"/>
               <a:t>Second level</a:t>
             </a:r>
           </a:p>
           <a:p>
             <a:pPr lvl="2"/>
             <a:r>
-              <a:rPr lang="en-US" smtClean="0"/>
+              <a:rPr lang="en-US"/>
               <a:t>Third level</a:t>
             </a:r>
           </a:p>
           <a:p>
             <a:pPr lvl="3"/>
             <a:r>
-              <a:rPr lang="en-US" smtClean="0"/>
+              <a:rPr lang="en-US"/>
               <a:t>Fourth level</a:t>
             </a:r>
           </a:p>
           <a:p>
             <a:pPr lvl="4"/>
             <a:r>
-              <a:rPr lang="en-US" smtClean="0"/>
+              <a:rPr lang="en-US"/>
               <a:t>Fifth level</a:t>
             </a:r>
-            <a:endParaRPr lang="en-US"/>
           </a:p>
         </p:txBody>
       </p:sp>
@@ -2133,7 +2117,7 @@
           <a:p>
             <a:fld id="{78C97017-6FC3-485B-9764-EAC9E56C1D49}" type="datetimeFigureOut">
               <a:rPr lang="en-US" smtClean="0"/>
-              <a:t>1/1/18</a:t>
+              <a:t>4/7/2018</a:t>
             </a:fld>
             <a:endParaRPr lang="en-US"/>
           </a:p>
@@ -2227,10 +2211,9 @@
           <a:lstStyle/>
           <a:p>
             <a:r>
-              <a:rPr lang="en-US" smtClean="0"/>
+              <a:rPr lang="en-US"/>
               <a:t>Click to edit Master title style</a:t>
             </a:r>
-            <a:endParaRPr lang="en-US"/>
           </a:p>
         </p:txBody>
       </p:sp>
@@ -2251,7 +2234,7 @@
           <a:p>
             <a:fld id="{78C97017-6FC3-485B-9764-EAC9E56C1D49}" type="datetimeFigureOut">
               <a:rPr lang="en-US" smtClean="0"/>
-              <a:t>1/1/18</a:t>
+              <a:t>4/7/2018</a:t>
             </a:fld>
             <a:endParaRPr lang="en-US"/>
           </a:p>
@@ -2346,7 +2329,7 @@
           <a:p>
             <a:fld id="{78C97017-6FC3-485B-9764-EAC9E56C1D49}" type="datetimeFigureOut">
               <a:rPr lang="en-US" smtClean="0"/>
-              <a:t>1/1/18</a:t>
+              <a:t>4/7/2018</a:t>
             </a:fld>
             <a:endParaRPr lang="en-US"/>
           </a:p>
@@ -2449,10 +2432,9 @@
           </a:lstStyle>
           <a:p>
             <a:r>
-              <a:rPr lang="en-US" smtClean="0"/>
+              <a:rPr lang="en-US"/>
               <a:t>Click to edit Master title style</a:t>
             </a:r>
-            <a:endParaRPr lang="en-US"/>
           </a:p>
         </p:txBody>
       </p:sp>
@@ -2506,38 +2488,37 @@
           <a:p>
             <a:pPr lvl="0"/>
             <a:r>
-              <a:rPr lang="en-US" smtClean="0"/>
+              <a:rPr lang="en-US"/>
               <a:t>Click to edit Master text styles</a:t>
             </a:r>
           </a:p>
           <a:p>
             <a:pPr lvl="1"/>
             <a:r>
-              <a:rPr lang="en-US" smtClean="0"/>
+              <a:rPr lang="en-US"/>
               <a:t>Second level</a:t>
             </a:r>
           </a:p>
           <a:p>
             <a:pPr lvl="2"/>
             <a:r>
-              <a:rPr lang="en-US" smtClean="0"/>
+              <a:rPr lang="en-US"/>
               <a:t>Third level</a:t>
             </a:r>
           </a:p>
           <a:p>
             <a:pPr lvl="3"/>
             <a:r>
-              <a:rPr lang="en-US" smtClean="0"/>
+              <a:rPr lang="en-US"/>
               <a:t>Fourth level</a:t>
             </a:r>
           </a:p>
           <a:p>
             <a:pPr lvl="4"/>
             <a:r>
-              <a:rPr lang="en-US" smtClean="0"/>
+              <a:rPr lang="en-US"/>
               <a:t>Fifth level</a:t>
             </a:r>
-            <a:endParaRPr lang="en-US"/>
           </a:p>
         </p:txBody>
       </p:sp>
@@ -2600,7 +2581,7 @@
           <a:p>
             <a:pPr lvl="0"/>
             <a:r>
-              <a:rPr lang="en-US" smtClean="0"/>
+              <a:rPr lang="en-US"/>
               <a:t>Click to edit Master text styles</a:t>
             </a:r>
           </a:p>
@@ -2623,7 +2604,7 @@
           <a:p>
             <a:fld id="{78C97017-6FC3-485B-9764-EAC9E56C1D49}" type="datetimeFigureOut">
               <a:rPr lang="en-US" smtClean="0"/>
-              <a:t>1/1/18</a:t>
+              <a:t>4/7/2018</a:t>
             </a:fld>
             <a:endParaRPr lang="en-US"/>
           </a:p>
@@ -2726,10 +2707,9 @@
           </a:lstStyle>
           <a:p>
             <a:r>
-              <a:rPr lang="en-US" smtClean="0"/>
+              <a:rPr lang="en-US"/>
               <a:t>Click to edit Master title style</a:t>
             </a:r>
-            <a:endParaRPr lang="en-US"/>
           </a:p>
         </p:txBody>
       </p:sp>
@@ -2853,7 +2833,7 @@
           <a:p>
             <a:pPr lvl="0"/>
             <a:r>
-              <a:rPr lang="en-US" smtClean="0"/>
+              <a:rPr lang="en-US"/>
               <a:t>Click to edit Master text styles</a:t>
             </a:r>
           </a:p>
@@ -2876,7 +2856,7 @@
           <a:p>
             <a:fld id="{78C97017-6FC3-485B-9764-EAC9E56C1D49}" type="datetimeFigureOut">
               <a:rPr lang="en-US" smtClean="0"/>
-              <a:t>1/1/18</a:t>
+              <a:t>4/7/2018</a:t>
             </a:fld>
             <a:endParaRPr lang="en-US"/>
           </a:p>
@@ -2985,10 +2965,9 @@
           <a:lstStyle/>
           <a:p>
             <a:r>
-              <a:rPr lang="en-US" smtClean="0"/>
+              <a:rPr lang="en-US"/>
               <a:t>Click to edit Master title style</a:t>
             </a:r>
-            <a:endParaRPr lang="en-US"/>
           </a:p>
         </p:txBody>
       </p:sp>
@@ -3019,38 +2998,37 @@
           <a:p>
             <a:pPr lvl="0"/>
             <a:r>
-              <a:rPr lang="en-US" smtClean="0"/>
+              <a:rPr lang="en-US"/>
               <a:t>Click to edit Master text styles</a:t>
             </a:r>
           </a:p>
           <a:p>
             <a:pPr lvl="1"/>
             <a:r>
-              <a:rPr lang="en-US" smtClean="0"/>
+              <a:rPr lang="en-US"/>
               <a:t>Second level</a:t>
             </a:r>
           </a:p>
           <a:p>
             <a:pPr lvl="2"/>
             <a:r>
-              <a:rPr lang="en-US" smtClean="0"/>
+              <a:rPr lang="en-US"/>
               <a:t>Third level</a:t>
             </a:r>
           </a:p>
           <a:p>
             <a:pPr lvl="3"/>
             <a:r>
-              <a:rPr lang="en-US" smtClean="0"/>
+              <a:rPr lang="en-US"/>
               <a:t>Fourth level</a:t>
             </a:r>
           </a:p>
           <a:p>
             <a:pPr lvl="4"/>
             <a:r>
-              <a:rPr lang="en-US" smtClean="0"/>
+              <a:rPr lang="en-US"/>
               <a:t>Fifth level</a:t>
             </a:r>
-            <a:endParaRPr lang="en-US"/>
           </a:p>
         </p:txBody>
       </p:sp>
@@ -3089,7 +3067,7 @@
           <a:p>
             <a:fld id="{78C97017-6FC3-485B-9764-EAC9E56C1D49}" type="datetimeFigureOut">
               <a:rPr lang="en-US" smtClean="0"/>
-              <a:t>1/1/18</a:t>
+              <a:t>4/7/2018</a:t>
             </a:fld>
             <a:endParaRPr lang="en-US"/>
           </a:p>
@@ -3472,8 +3450,8 @@
         </p:nvSpPr>
         <p:spPr>
           <a:xfrm>
-            <a:off x="1119865" y="1727200"/>
-            <a:ext cx="7490735" cy="2997200"/>
+            <a:off x="363779" y="497940"/>
+            <a:ext cx="8416442" cy="5493536"/>
           </a:xfrm>
           <a:prstGeom prst="roundRect">
             <a:avLst>
@@ -3510,7 +3488,7 @@
           <a:lstStyle/>
           <a:p>
             <a:r>
-              <a:rPr lang="en-US" sz="1200" b="1" dirty="0" smtClean="0">
+              <a:rPr lang="en-US" sz="1200" b="1" dirty="0">
                 <a:solidFill>
                   <a:srgbClr val="7030A0"/>
                 </a:solidFill>
@@ -3533,7 +3511,7 @@
         </p:nvSpPr>
         <p:spPr>
           <a:xfrm>
-            <a:off x="2877180" y="3158440"/>
+            <a:off x="2481467" y="2312596"/>
             <a:ext cx="1093635" cy="346760"/>
           </a:xfrm>
           <a:prstGeom prst="rect">
@@ -3569,7 +3547,7 @@
           <a:p>
             <a:pPr algn="ctr"/>
             <a:r>
-              <a:rPr lang="en-US" sz="1050" dirty="0" err="1" smtClean="0">
+              <a:rPr lang="en-US" sz="1050" dirty="0" err="1">
                 <a:solidFill>
                   <a:schemeClr val="bg1"/>
                 </a:solidFill>
@@ -3592,7 +3570,7 @@
         </p:nvSpPr>
         <p:spPr>
           <a:xfrm rot="16200000">
-            <a:off x="1683963" y="2868687"/>
+            <a:off x="1288250" y="2022843"/>
             <a:ext cx="1093635" cy="346760"/>
           </a:xfrm>
           <a:prstGeom prst="rect">
@@ -3628,7 +3606,7 @@
           <a:p>
             <a:pPr algn="ctr"/>
             <a:r>
-              <a:rPr lang="en-US" sz="1050" dirty="0" err="1" smtClean="0">
+              <a:rPr lang="en-US" sz="1050" dirty="0" err="1">
                 <a:solidFill>
                   <a:schemeClr val="bg1"/>
                 </a:solidFill>
@@ -3643,50 +3621,6 @@
           </a:p>
         </p:txBody>
       </p:sp>
-      <p:cxnSp>
-        <p:nvCxnSpPr>
-          <p:cNvPr id="107" name="Elbow Connector 106"/>
-          <p:cNvCxnSpPr>
-            <a:stCxn id="9" idx="1"/>
-          </p:cNvCxnSpPr>
-          <p:nvPr/>
-        </p:nvCxnSpPr>
-        <p:spPr>
-          <a:xfrm rot="5400000" flipH="1" flipV="1">
-            <a:off x="4360065" y="1080909"/>
-            <a:ext cx="378691" cy="4637261"/>
-          </a:xfrm>
-          <a:prstGeom prst="bentConnector4">
-            <a:avLst>
-              <a:gd name="adj1" fmla="val -101829"/>
-              <a:gd name="adj2" fmla="val 99976"/>
-            </a:avLst>
-          </a:prstGeom>
-          <a:ln w="19050">
-            <a:solidFill>
-              <a:srgbClr val="7030A0"/>
-            </a:solidFill>
-            <a:prstDash val="solid"/>
-            <a:headEnd type="none" w="med" len="med"/>
-            <a:tailEnd type="arrow" w="med" len="med"/>
-          </a:ln>
-          <a:effectLst/>
-        </p:spPr>
-        <p:style>
-          <a:lnRef idx="1">
-            <a:schemeClr val="accent2"/>
-          </a:lnRef>
-          <a:fillRef idx="2">
-            <a:schemeClr val="accent2"/>
-          </a:fillRef>
-          <a:effectRef idx="1">
-            <a:schemeClr val="accent2"/>
-          </a:effectRef>
-          <a:fontRef idx="minor">
-            <a:schemeClr val="dk1"/>
-          </a:fontRef>
-        </p:style>
-      </p:cxnSp>
       <p:sp>
         <p:nvSpPr>
           <p:cNvPr id="119" name="Rectangle 62"/>
@@ -3695,7 +3629,7 @@
         </p:nvSpPr>
         <p:spPr>
           <a:xfrm rot="16200000">
-            <a:off x="956202" y="2861202"/>
+            <a:off x="560489" y="2015358"/>
             <a:ext cx="1093635" cy="346760"/>
           </a:xfrm>
           <a:prstGeom prst="rect">
@@ -3742,7 +3676,7 @@
           <a:p>
             <a:pPr algn="ctr"/>
             <a:r>
-              <a:rPr lang="en-US" sz="1050" dirty="0" smtClean="0">
+              <a:rPr lang="en-US" sz="1050" dirty="0">
                 <a:solidFill>
                   <a:schemeClr val="bg1"/>
                 </a:solidFill>
@@ -3765,7 +3699,7 @@
         </p:nvSpPr>
         <p:spPr>
           <a:xfrm rot="16200000">
-            <a:off x="1626910" y="2952291"/>
+            <a:off x="1231197" y="2106447"/>
             <a:ext cx="270504" cy="175523"/>
           </a:xfrm>
           <a:prstGeom prst="triangle">
@@ -3808,15 +3742,15 @@
         <p:nvCxnSpPr>
           <p:cNvPr id="58" name="Straight Arrow Connector 57"/>
           <p:cNvCxnSpPr>
-            <a:stCxn id="42" idx="3"/>
+            <a:cxnSpLocks/>
             <a:endCxn id="2" idx="1"/>
           </p:cNvCxnSpPr>
           <p:nvPr/>
         </p:nvCxnSpPr>
         <p:spPr>
           <a:xfrm>
-            <a:off x="2656370" y="3326536"/>
-            <a:ext cx="220810" cy="5284"/>
+            <a:off x="2014231" y="2485976"/>
+            <a:ext cx="467236" cy="0"/>
           </a:xfrm>
           <a:prstGeom prst="straightConnector1">
             <a:avLst/>
@@ -3848,12 +3782,14 @@
       <p:cxnSp>
         <p:nvCxnSpPr>
           <p:cNvPr id="75" name="Elbow Connector 122"/>
-          <p:cNvCxnSpPr/>
+          <p:cNvCxnSpPr>
+            <a:cxnSpLocks/>
+          </p:cNvCxnSpPr>
           <p:nvPr/>
         </p:nvCxnSpPr>
         <p:spPr>
           <a:xfrm>
-            <a:off x="910091" y="3040053"/>
+            <a:off x="514378" y="2194209"/>
             <a:ext cx="419548" cy="2860"/>
           </a:xfrm>
           <a:prstGeom prst="bentConnector3">
@@ -3898,7 +3834,7 @@
         </p:nvCxnSpPr>
         <p:spPr>
           <a:xfrm flipV="1">
-            <a:off x="1849924" y="3040052"/>
+            <a:off x="1454211" y="2194208"/>
             <a:ext cx="216105" cy="1"/>
           </a:xfrm>
           <a:prstGeom prst="line">
@@ -3931,19 +3867,174 @@
       </p:cxnSp>
       <p:sp>
         <p:nvSpPr>
-          <p:cNvPr id="42" name="Flowchart: Decision 96"/>
+          <p:cNvPr id="46" name="Rectangle 8"/>
           <p:cNvSpPr/>
           <p:nvPr/>
         </p:nvSpPr>
         <p:spPr>
           <a:xfrm>
-            <a:off x="2420322" y="3239846"/>
+            <a:off x="2483777" y="1781576"/>
+            <a:ext cx="1093635" cy="346760"/>
+          </a:xfrm>
+          <a:prstGeom prst="rect">
+            <a:avLst/>
+          </a:prstGeom>
+          <a:ln w="19050">
+            <a:solidFill>
+              <a:srgbClr val="7030A0"/>
+            </a:solidFill>
+          </a:ln>
+          <a:effectLst/>
+        </p:spPr>
+        <p:style>
+          <a:lnRef idx="1">
+            <a:schemeClr val="accent4"/>
+          </a:lnRef>
+          <a:fillRef idx="2">
+            <a:schemeClr val="accent4"/>
+          </a:fillRef>
+          <a:effectRef idx="1">
+            <a:schemeClr val="accent4"/>
+          </a:effectRef>
+          <a:fontRef idx="minor">
+            <a:schemeClr val="dk1"/>
+          </a:fontRef>
+        </p:style>
+        <p:txBody>
+          <a:bodyPr rtlCol="0" anchor="ctr"/>
+          <a:lstStyle/>
+          <a:p>
+            <a:pPr algn="ctr"/>
+            <a:r>
+              <a:rPr lang="en-US" sz="1050" dirty="0" err="1">
+                <a:solidFill>
+                  <a:srgbClr val="7030A0"/>
+                </a:solidFill>
+              </a:rPr>
+              <a:t>AddressBook</a:t>
+            </a:r>
+            <a:endParaRPr lang="en-SG" sz="1050" dirty="0">
+              <a:solidFill>
+                <a:srgbClr val="7030A0"/>
+              </a:solidFill>
+            </a:endParaRPr>
+          </a:p>
+        </p:txBody>
+      </p:sp>
+      <p:cxnSp>
+        <p:nvCxnSpPr>
+          <p:cNvPr id="47" name="Straight Arrow Connector 46"/>
+          <p:cNvCxnSpPr>
+            <a:cxnSpLocks/>
+            <a:endCxn id="46" idx="1"/>
+          </p:cNvCxnSpPr>
+          <p:nvPr/>
+        </p:nvCxnSpPr>
+        <p:spPr>
+          <a:xfrm flipV="1">
+            <a:off x="2007327" y="1954956"/>
+            <a:ext cx="476450" cy="6235"/>
+          </a:xfrm>
+          <a:prstGeom prst="straightConnector1">
+            <a:avLst/>
+          </a:prstGeom>
+          <a:ln w="19050">
+            <a:solidFill>
+              <a:srgbClr val="7030A0"/>
+            </a:solidFill>
+            <a:headEnd type="none" w="med" len="med"/>
+            <a:tailEnd type="arrow" w="med" len="med"/>
+          </a:ln>
+          <a:effectLst/>
+        </p:spPr>
+        <p:style>
+          <a:lnRef idx="1">
+            <a:schemeClr val="accent2"/>
+          </a:lnRef>
+          <a:fillRef idx="2">
+            <a:schemeClr val="accent2"/>
+          </a:fillRef>
+          <a:effectRef idx="1">
+            <a:schemeClr val="accent2"/>
+          </a:effectRef>
+          <a:fontRef idx="minor">
+            <a:schemeClr val="dk1"/>
+          </a:fontRef>
+        </p:style>
+      </p:cxnSp>
+      <p:sp>
+        <p:nvSpPr>
+          <p:cNvPr id="49" name="Rectangle 8"/>
+          <p:cNvSpPr/>
+          <p:nvPr/>
+        </p:nvSpPr>
+        <p:spPr>
+          <a:xfrm>
+            <a:off x="4170276" y="1997335"/>
+            <a:ext cx="1156969" cy="346760"/>
+          </a:xfrm>
+          <a:prstGeom prst="rect">
+            <a:avLst/>
+          </a:prstGeom>
+          <a:ln w="19050">
+            <a:solidFill>
+              <a:srgbClr val="7030A0"/>
+            </a:solidFill>
+          </a:ln>
+          <a:effectLst/>
+        </p:spPr>
+        <p:style>
+          <a:lnRef idx="1">
+            <a:schemeClr val="accent4"/>
+          </a:lnRef>
+          <a:fillRef idx="2">
+            <a:schemeClr val="accent4"/>
+          </a:fillRef>
+          <a:effectRef idx="1">
+            <a:schemeClr val="accent4"/>
+          </a:effectRef>
+          <a:fontRef idx="minor">
+            <a:schemeClr val="dk1"/>
+          </a:fontRef>
+        </p:style>
+        <p:txBody>
+          <a:bodyPr rtlCol="0" anchor="ctr"/>
+          <a:lstStyle/>
+          <a:p>
+            <a:pPr algn="ctr"/>
+            <a:r>
+              <a:rPr lang="en-US" sz="1050" dirty="0" err="1">
+                <a:solidFill>
+                  <a:srgbClr val="7030A0"/>
+                </a:solidFill>
+              </a:rPr>
+              <a:t>UniquePersonList</a:t>
+            </a:r>
+            <a:endParaRPr lang="en-SG" sz="1050" dirty="0">
+              <a:solidFill>
+                <a:srgbClr val="7030A0"/>
+              </a:solidFill>
+            </a:endParaRPr>
+          </a:p>
+        </p:txBody>
+      </p:sp>
+      <p:sp>
+        <p:nvSpPr>
+          <p:cNvPr id="51" name="Flowchart: Decision 96"/>
+          <p:cNvSpPr/>
+          <p:nvPr/>
+        </p:nvSpPr>
+        <p:spPr>
+          <a:xfrm>
+            <a:off x="3588590" y="1828147"/>
             <a:ext cx="236048" cy="173380"/>
           </a:xfrm>
           <a:prstGeom prst="flowChartDecision">
             <a:avLst/>
           </a:prstGeom>
-          <a:noFill/>
+          <a:solidFill>
+            <a:srgbClr val="7030A0"/>
+          </a:solidFill>
           <a:ln w="19050">
             <a:solidFill>
               <a:srgbClr val="7030A0"/>
@@ -3974,16 +4065,59 @@
           </a:p>
         </p:txBody>
       </p:sp>
-      <p:sp>
-        <p:nvSpPr>
-          <p:cNvPr id="46" name="Rectangle 8"/>
+      <p:cxnSp>
+        <p:nvCxnSpPr>
+          <p:cNvPr id="30" name="Elbow Connector 29"/>
+          <p:cNvCxnSpPr>
+            <a:cxnSpLocks/>
+            <a:endCxn id="49" idx="1"/>
+          </p:cNvCxnSpPr>
+          <p:nvPr/>
+        </p:nvCxnSpPr>
+        <p:spPr>
+          <a:xfrm>
+            <a:off x="3850331" y="1914648"/>
+            <a:ext cx="319945" cy="256067"/>
+          </a:xfrm>
+          <a:prstGeom prst="bentConnector3">
+            <a:avLst>
+              <a:gd name="adj1" fmla="val 50000"/>
+            </a:avLst>
+          </a:prstGeom>
+          <a:ln w="19050">
+            <a:solidFill>
+              <a:srgbClr val="7030A0"/>
+            </a:solidFill>
+            <a:headEnd type="none" w="med" len="med"/>
+            <a:tailEnd type="arrow" w="med" len="med"/>
+          </a:ln>
+          <a:effectLst/>
+        </p:spPr>
+        <p:style>
+          <a:lnRef idx="1">
+            <a:schemeClr val="accent2"/>
+          </a:lnRef>
+          <a:fillRef idx="2">
+            <a:schemeClr val="accent2"/>
+          </a:fillRef>
+          <a:effectRef idx="1">
+            <a:schemeClr val="accent2"/>
+          </a:effectRef>
+          <a:fontRef idx="minor">
+            <a:schemeClr val="dk1"/>
+          </a:fontRef>
+        </p:style>
+      </p:cxnSp>
+      <p:sp>
+        <p:nvSpPr>
+          <p:cNvPr id="57" name="Rectangle 8"/>
           <p:cNvSpPr/>
           <p:nvPr/>
         </p:nvSpPr>
         <p:spPr>
           <a:xfrm>
-            <a:off x="2879490" y="2627420"/>
-            <a:ext cx="1093635" cy="346760"/>
+            <a:off x="4466476" y="1431124"/>
+            <a:ext cx="1245741" cy="346760"/>
           </a:xfrm>
           <a:prstGeom prst="rect">
             <a:avLst/>
@@ -4015,12 +4149,12 @@
           <a:p>
             <a:pPr algn="ctr"/>
             <a:r>
-              <a:rPr lang="en-US" sz="1050" dirty="0" err="1" smtClean="0">
+              <a:rPr lang="en-US" sz="1050" dirty="0" err="1">
                 <a:solidFill>
                   <a:srgbClr val="7030A0"/>
                 </a:solidFill>
               </a:rPr>
-              <a:t>AddressBook</a:t>
+              <a:t>UniqueTagList</a:t>
             </a:r>
             <a:endParaRPr lang="en-SG" sz="1050" dirty="0">
               <a:solidFill>
@@ -4032,20 +4166,23 @@
       </p:sp>
       <p:cxnSp>
         <p:nvCxnSpPr>
-          <p:cNvPr id="47" name="Straight Arrow Connector 46"/>
+          <p:cNvPr id="59" name="Elbow Connector 58"/>
           <p:cNvCxnSpPr>
-            <a:stCxn id="48" idx="3"/>
-            <a:endCxn id="46" idx="1"/>
+            <a:cxnSpLocks/>
+            <a:stCxn id="51" idx="3"/>
+            <a:endCxn id="57" idx="1"/>
           </p:cNvCxnSpPr>
           <p:nvPr/>
         </p:nvCxnSpPr>
         <p:spPr>
-          <a:xfrm>
-            <a:off x="2658680" y="2795516"/>
-            <a:ext cx="220810" cy="5284"/>
-          </a:xfrm>
-          <a:prstGeom prst="straightConnector1">
-            <a:avLst/>
+          <a:xfrm flipV="1">
+            <a:off x="3824638" y="1604504"/>
+            <a:ext cx="641838" cy="310333"/>
+          </a:xfrm>
+          <a:prstGeom prst="bentConnector3">
+            <a:avLst>
+              <a:gd name="adj1" fmla="val 50000"/>
+            </a:avLst>
           </a:prstGeom>
           <a:ln w="19050">
             <a:solidFill>
@@ -4073,19 +4210,231 @@
       </p:cxnSp>
       <p:sp>
         <p:nvSpPr>
-          <p:cNvPr id="48" name="Flowchart: Decision 96"/>
+          <p:cNvPr id="62" name="Rectangle 8"/>
           <p:cNvSpPr/>
           <p:nvPr/>
         </p:nvSpPr>
         <p:spPr>
           <a:xfrm>
-            <a:off x="2422632" y="2708826"/>
+            <a:off x="5971345" y="1993330"/>
+            <a:ext cx="708186" cy="363730"/>
+          </a:xfrm>
+          <a:prstGeom prst="rect">
+            <a:avLst/>
+          </a:prstGeom>
+          <a:ln w="19050">
+            <a:solidFill>
+              <a:srgbClr val="7030A0"/>
+            </a:solidFill>
+          </a:ln>
+          <a:effectLst/>
+        </p:spPr>
+        <p:style>
+          <a:lnRef idx="1">
+            <a:schemeClr val="accent4"/>
+          </a:lnRef>
+          <a:fillRef idx="2">
+            <a:schemeClr val="accent4"/>
+          </a:fillRef>
+          <a:effectRef idx="1">
+            <a:schemeClr val="accent4"/>
+          </a:effectRef>
+          <a:fontRef idx="minor">
+            <a:schemeClr val="dk1"/>
+          </a:fontRef>
+        </p:style>
+        <p:txBody>
+          <a:bodyPr rtlCol="0" anchor="ctr"/>
+          <a:lstStyle/>
+          <a:p>
+            <a:pPr algn="ctr"/>
+            <a:r>
+              <a:rPr lang="en-US" sz="1050" dirty="0">
+                <a:solidFill>
+                  <a:srgbClr val="7030A0"/>
+                </a:solidFill>
+              </a:rPr>
+              <a:t>Person</a:t>
+            </a:r>
+            <a:endParaRPr lang="en-SG" sz="1050" dirty="0">
+              <a:solidFill>
+                <a:srgbClr val="7030A0"/>
+              </a:solidFill>
+            </a:endParaRPr>
+          </a:p>
+        </p:txBody>
+      </p:sp>
+      <p:sp>
+        <p:nvSpPr>
+          <p:cNvPr id="67" name="Rectangle 8"/>
+          <p:cNvSpPr/>
+          <p:nvPr/>
+        </p:nvSpPr>
+        <p:spPr>
+          <a:xfrm>
+            <a:off x="5286524" y="816888"/>
+            <a:ext cx="483700" cy="346760"/>
+          </a:xfrm>
+          <a:prstGeom prst="rect">
+            <a:avLst/>
+          </a:prstGeom>
+          <a:ln w="19050">
+            <a:solidFill>
+              <a:srgbClr val="7030A0"/>
+            </a:solidFill>
+          </a:ln>
+          <a:effectLst/>
+        </p:spPr>
+        <p:style>
+          <a:lnRef idx="1">
+            <a:schemeClr val="accent4"/>
+          </a:lnRef>
+          <a:fillRef idx="2">
+            <a:schemeClr val="accent4"/>
+          </a:fillRef>
+          <a:effectRef idx="1">
+            <a:schemeClr val="accent4"/>
+          </a:effectRef>
+          <a:fontRef idx="minor">
+            <a:schemeClr val="dk1"/>
+          </a:fontRef>
+        </p:style>
+        <p:txBody>
+          <a:bodyPr rtlCol="0" anchor="ctr"/>
+          <a:lstStyle/>
+          <a:p>
+            <a:pPr algn="ctr"/>
+            <a:r>
+              <a:rPr lang="en-US" sz="1050" dirty="0">
+                <a:solidFill>
+                  <a:srgbClr val="7030A0"/>
+                </a:solidFill>
+              </a:rPr>
+              <a:t>Tag</a:t>
+            </a:r>
+            <a:endParaRPr lang="en-SG" sz="1050" dirty="0">
+              <a:solidFill>
+                <a:srgbClr val="7030A0"/>
+              </a:solidFill>
+            </a:endParaRPr>
+          </a:p>
+        </p:txBody>
+      </p:sp>
+      <p:cxnSp>
+        <p:nvCxnSpPr>
+          <p:cNvPr id="69" name="Elbow Connector 68"/>
+          <p:cNvCxnSpPr>
+            <a:cxnSpLocks/>
+            <a:stCxn id="57" idx="0"/>
+            <a:endCxn id="67" idx="1"/>
+          </p:cNvCxnSpPr>
+          <p:nvPr/>
+        </p:nvCxnSpPr>
+        <p:spPr>
+          <a:xfrm rot="5400000" flipH="1" flipV="1">
+            <a:off x="4967507" y="1112108"/>
+            <a:ext cx="440856" cy="197177"/>
+          </a:xfrm>
+          <a:prstGeom prst="bentConnector2">
+            <a:avLst/>
+          </a:prstGeom>
+          <a:ln w="19050">
+            <a:solidFill>
+              <a:srgbClr val="7030A0"/>
+            </a:solidFill>
+            <a:headEnd type="none" w="med" len="med"/>
+            <a:tailEnd type="arrow" w="med" len="med"/>
+          </a:ln>
+          <a:effectLst/>
+        </p:spPr>
+        <p:style>
+          <a:lnRef idx="1">
+            <a:schemeClr val="accent2"/>
+          </a:lnRef>
+          <a:fillRef idx="2">
+            <a:schemeClr val="accent2"/>
+          </a:fillRef>
+          <a:effectRef idx="1">
+            <a:schemeClr val="accent2"/>
+          </a:effectRef>
+          <a:fontRef idx="minor">
+            <a:schemeClr val="dk1"/>
+          </a:fontRef>
+        </p:style>
+      </p:cxnSp>
+      <p:sp>
+        <p:nvSpPr>
+          <p:cNvPr id="76" name="Rectangle 8"/>
+          <p:cNvSpPr/>
+          <p:nvPr/>
+        </p:nvSpPr>
+        <p:spPr>
+          <a:xfrm>
+            <a:off x="7198958" y="747395"/>
+            <a:ext cx="708186" cy="285783"/>
+          </a:xfrm>
+          <a:prstGeom prst="rect">
+            <a:avLst/>
+          </a:prstGeom>
+          <a:ln w="19050">
+            <a:solidFill>
+              <a:srgbClr val="7030A0"/>
+            </a:solidFill>
+          </a:ln>
+          <a:effectLst/>
+        </p:spPr>
+        <p:style>
+          <a:lnRef idx="1">
+            <a:schemeClr val="accent4"/>
+          </a:lnRef>
+          <a:fillRef idx="2">
+            <a:schemeClr val="accent4"/>
+          </a:fillRef>
+          <a:effectRef idx="1">
+            <a:schemeClr val="accent4"/>
+          </a:effectRef>
+          <a:fontRef idx="minor">
+            <a:schemeClr val="dk1"/>
+          </a:fontRef>
+        </p:style>
+        <p:txBody>
+          <a:bodyPr rtlCol="0" anchor="ctr"/>
+          <a:lstStyle/>
+          <a:p>
+            <a:pPr algn="ctr"/>
+            <a:r>
+              <a:rPr lang="en-US" sz="1050" dirty="0">
+                <a:solidFill>
+                  <a:srgbClr val="7030A0"/>
+                </a:solidFill>
+              </a:rPr>
+              <a:t>Name</a:t>
+            </a:r>
+            <a:endParaRPr lang="en-SG" sz="1050" dirty="0">
+              <a:solidFill>
+                <a:srgbClr val="7030A0"/>
+              </a:solidFill>
+            </a:endParaRPr>
+          </a:p>
+        </p:txBody>
+      </p:sp>
+      <p:sp>
+        <p:nvSpPr>
+          <p:cNvPr id="78" name="Flowchart: Decision 96"/>
+          <p:cNvSpPr/>
+          <p:nvPr/>
+        </p:nvSpPr>
+        <p:spPr>
+          <a:xfrm>
+            <a:off x="6691851" y="1993347"/>
             <a:ext cx="236048" cy="173380"/>
           </a:xfrm>
           <a:prstGeom prst="flowChartDecision">
             <a:avLst/>
           </a:prstGeom>
-          <a:noFill/>
+          <a:solidFill>
+            <a:srgbClr val="7030A0"/>
+          </a:solidFill>
           <a:ln w="19050">
             <a:solidFill>
               <a:srgbClr val="7030A0"/>
@@ -4116,16 +4465,57 @@
           </a:p>
         </p:txBody>
       </p:sp>
-      <p:sp>
-        <p:nvSpPr>
-          <p:cNvPr id="49" name="Rectangle 8"/>
+      <p:cxnSp>
+        <p:nvCxnSpPr>
+          <p:cNvPr id="79" name="Elbow Connector 78"/>
+          <p:cNvCxnSpPr>
+            <a:stCxn id="78" idx="3"/>
+            <a:endCxn id="76" idx="1"/>
+          </p:cNvCxnSpPr>
+          <p:nvPr/>
+        </p:nvCxnSpPr>
+        <p:spPr>
+          <a:xfrm flipV="1">
+            <a:off x="6927899" y="890287"/>
+            <a:ext cx="271059" cy="1189750"/>
+          </a:xfrm>
+          <a:prstGeom prst="bentConnector3">
+            <a:avLst/>
+          </a:prstGeom>
+          <a:ln w="19050">
+            <a:solidFill>
+              <a:srgbClr val="7030A0"/>
+            </a:solidFill>
+            <a:headEnd type="none" w="med" len="med"/>
+            <a:tailEnd type="arrow" w="med" len="med"/>
+          </a:ln>
+          <a:effectLst/>
+        </p:spPr>
+        <p:style>
+          <a:lnRef idx="1">
+            <a:schemeClr val="accent2"/>
+          </a:lnRef>
+          <a:fillRef idx="2">
+            <a:schemeClr val="accent2"/>
+          </a:fillRef>
+          <a:effectRef idx="1">
+            <a:schemeClr val="accent2"/>
+          </a:effectRef>
+          <a:fontRef idx="minor">
+            <a:schemeClr val="dk1"/>
+          </a:fontRef>
+        </p:style>
+      </p:cxnSp>
+      <p:sp>
+        <p:nvSpPr>
+          <p:cNvPr id="80" name="Rectangle 8"/>
           <p:cNvSpPr/>
           <p:nvPr/>
         </p:nvSpPr>
         <p:spPr>
           <a:xfrm>
-            <a:off x="4487017" y="2847371"/>
-            <a:ext cx="1156969" cy="346760"/>
+            <a:off x="7198958" y="1070373"/>
+            <a:ext cx="708186" cy="285783"/>
           </a:xfrm>
           <a:prstGeom prst="rect">
             <a:avLst/>
@@ -4157,12 +4547,12 @@
           <a:p>
             <a:pPr algn="ctr"/>
             <a:r>
-              <a:rPr lang="en-US" sz="1050" dirty="0" err="1" smtClean="0">
+              <a:rPr lang="en-US" sz="1050" dirty="0">
                 <a:solidFill>
                   <a:srgbClr val="7030A0"/>
                 </a:solidFill>
               </a:rPr>
-              <a:t>UniquePersonList</a:t>
+              <a:t>Phone</a:t>
             </a:r>
             <a:endParaRPr lang="en-SG" sz="1050" dirty="0">
               <a:solidFill>
@@ -4172,15 +4562,973 @@
           </a:p>
         </p:txBody>
       </p:sp>
-      <p:sp>
-        <p:nvSpPr>
-          <p:cNvPr id="51" name="Flowchart: Decision 96"/>
+      <p:cxnSp>
+        <p:nvCxnSpPr>
+          <p:cNvPr id="81" name="Elbow Connector 80"/>
+          <p:cNvCxnSpPr>
+            <a:stCxn id="78" idx="3"/>
+            <a:endCxn id="80" idx="1"/>
+          </p:cNvCxnSpPr>
+          <p:nvPr/>
+        </p:nvCxnSpPr>
+        <p:spPr>
+          <a:xfrm flipV="1">
+            <a:off x="6927899" y="1213265"/>
+            <a:ext cx="271059" cy="866772"/>
+          </a:xfrm>
+          <a:prstGeom prst="bentConnector3">
+            <a:avLst/>
+          </a:prstGeom>
+          <a:ln w="19050">
+            <a:solidFill>
+              <a:srgbClr val="7030A0"/>
+            </a:solidFill>
+            <a:headEnd type="none" w="med" len="med"/>
+            <a:tailEnd type="arrow" w="med" len="med"/>
+          </a:ln>
+          <a:effectLst/>
+        </p:spPr>
+        <p:style>
+          <a:lnRef idx="1">
+            <a:schemeClr val="accent2"/>
+          </a:lnRef>
+          <a:fillRef idx="2">
+            <a:schemeClr val="accent2"/>
+          </a:fillRef>
+          <a:effectRef idx="1">
+            <a:schemeClr val="accent2"/>
+          </a:effectRef>
+          <a:fontRef idx="minor">
+            <a:schemeClr val="dk1"/>
+          </a:fontRef>
+        </p:style>
+      </p:cxnSp>
+      <p:sp>
+        <p:nvSpPr>
+          <p:cNvPr id="83" name="Rectangle 8"/>
           <p:cNvSpPr/>
           <p:nvPr/>
         </p:nvSpPr>
         <p:spPr>
           <a:xfrm>
-            <a:off x="3984303" y="2673991"/>
+            <a:off x="7198958" y="1393351"/>
+            <a:ext cx="708186" cy="285783"/>
+          </a:xfrm>
+          <a:prstGeom prst="rect">
+            <a:avLst/>
+          </a:prstGeom>
+          <a:ln w="19050">
+            <a:solidFill>
+              <a:srgbClr val="7030A0"/>
+            </a:solidFill>
+          </a:ln>
+          <a:effectLst/>
+        </p:spPr>
+        <p:style>
+          <a:lnRef idx="1">
+            <a:schemeClr val="accent4"/>
+          </a:lnRef>
+          <a:fillRef idx="2">
+            <a:schemeClr val="accent4"/>
+          </a:fillRef>
+          <a:effectRef idx="1">
+            <a:schemeClr val="accent4"/>
+          </a:effectRef>
+          <a:fontRef idx="minor">
+            <a:schemeClr val="dk1"/>
+          </a:fontRef>
+        </p:style>
+        <p:txBody>
+          <a:bodyPr rtlCol="0" anchor="ctr"/>
+          <a:lstStyle/>
+          <a:p>
+            <a:pPr algn="ctr"/>
+            <a:r>
+              <a:rPr lang="en-US" sz="1050" dirty="0">
+                <a:solidFill>
+                  <a:srgbClr val="7030A0"/>
+                </a:solidFill>
+              </a:rPr>
+              <a:t>Email</a:t>
+            </a:r>
+            <a:endParaRPr lang="en-SG" sz="1050" dirty="0">
+              <a:solidFill>
+                <a:srgbClr val="7030A0"/>
+              </a:solidFill>
+            </a:endParaRPr>
+          </a:p>
+        </p:txBody>
+      </p:sp>
+      <p:cxnSp>
+        <p:nvCxnSpPr>
+          <p:cNvPr id="84" name="Elbow Connector 83"/>
+          <p:cNvCxnSpPr>
+            <a:stCxn id="78" idx="3"/>
+            <a:endCxn id="83" idx="1"/>
+          </p:cNvCxnSpPr>
+          <p:nvPr/>
+        </p:nvCxnSpPr>
+        <p:spPr>
+          <a:xfrm flipV="1">
+            <a:off x="6927899" y="1536243"/>
+            <a:ext cx="271059" cy="543794"/>
+          </a:xfrm>
+          <a:prstGeom prst="bentConnector3">
+            <a:avLst/>
+          </a:prstGeom>
+          <a:ln w="19050">
+            <a:solidFill>
+              <a:srgbClr val="7030A0"/>
+            </a:solidFill>
+            <a:headEnd type="none" w="med" len="med"/>
+            <a:tailEnd type="arrow" w="med" len="med"/>
+          </a:ln>
+          <a:effectLst/>
+        </p:spPr>
+        <p:style>
+          <a:lnRef idx="1">
+            <a:schemeClr val="accent2"/>
+          </a:lnRef>
+          <a:fillRef idx="2">
+            <a:schemeClr val="accent2"/>
+          </a:fillRef>
+          <a:effectRef idx="1">
+            <a:schemeClr val="accent2"/>
+          </a:effectRef>
+          <a:fontRef idx="minor">
+            <a:schemeClr val="dk1"/>
+          </a:fontRef>
+        </p:style>
+      </p:cxnSp>
+      <p:sp>
+        <p:nvSpPr>
+          <p:cNvPr id="85" name="Rectangle 8"/>
+          <p:cNvSpPr/>
+          <p:nvPr/>
+        </p:nvSpPr>
+        <p:spPr>
+          <a:xfrm>
+            <a:off x="7198958" y="1716328"/>
+            <a:ext cx="708186" cy="285783"/>
+          </a:xfrm>
+          <a:prstGeom prst="rect">
+            <a:avLst/>
+          </a:prstGeom>
+          <a:ln w="19050">
+            <a:solidFill>
+              <a:srgbClr val="7030A0"/>
+            </a:solidFill>
+          </a:ln>
+          <a:effectLst/>
+        </p:spPr>
+        <p:style>
+          <a:lnRef idx="1">
+            <a:schemeClr val="accent4"/>
+          </a:lnRef>
+          <a:fillRef idx="2">
+            <a:schemeClr val="accent4"/>
+          </a:fillRef>
+          <a:effectRef idx="1">
+            <a:schemeClr val="accent4"/>
+          </a:effectRef>
+          <a:fontRef idx="minor">
+            <a:schemeClr val="dk1"/>
+          </a:fontRef>
+        </p:style>
+        <p:txBody>
+          <a:bodyPr rtlCol="0" anchor="ctr"/>
+          <a:lstStyle/>
+          <a:p>
+            <a:pPr algn="ctr"/>
+            <a:r>
+              <a:rPr lang="en-US" sz="1050" dirty="0">
+                <a:solidFill>
+                  <a:srgbClr val="7030A0"/>
+                </a:solidFill>
+              </a:rPr>
+              <a:t>Address</a:t>
+            </a:r>
+            <a:endParaRPr lang="en-SG" sz="1050" dirty="0">
+              <a:solidFill>
+                <a:srgbClr val="7030A0"/>
+              </a:solidFill>
+            </a:endParaRPr>
+          </a:p>
+        </p:txBody>
+      </p:sp>
+      <p:cxnSp>
+        <p:nvCxnSpPr>
+          <p:cNvPr id="86" name="Elbow Connector 85"/>
+          <p:cNvCxnSpPr>
+            <a:stCxn id="78" idx="3"/>
+            <a:endCxn id="85" idx="1"/>
+          </p:cNvCxnSpPr>
+          <p:nvPr/>
+        </p:nvCxnSpPr>
+        <p:spPr>
+          <a:xfrm flipV="1">
+            <a:off x="6927899" y="1859220"/>
+            <a:ext cx="271059" cy="220817"/>
+          </a:xfrm>
+          <a:prstGeom prst="bentConnector3">
+            <a:avLst/>
+          </a:prstGeom>
+          <a:ln w="19050">
+            <a:solidFill>
+              <a:srgbClr val="7030A0"/>
+            </a:solidFill>
+            <a:headEnd type="none" w="med" len="med"/>
+            <a:tailEnd type="arrow" w="med" len="med"/>
+          </a:ln>
+          <a:effectLst/>
+        </p:spPr>
+        <p:style>
+          <a:lnRef idx="1">
+            <a:schemeClr val="accent2"/>
+          </a:lnRef>
+          <a:fillRef idx="2">
+            <a:schemeClr val="accent2"/>
+          </a:fillRef>
+          <a:effectRef idx="1">
+            <a:schemeClr val="accent2"/>
+          </a:effectRef>
+          <a:fontRef idx="minor">
+            <a:schemeClr val="dk1"/>
+          </a:fontRef>
+        </p:style>
+      </p:cxnSp>
+      <p:cxnSp>
+        <p:nvCxnSpPr>
+          <p:cNvPr id="97" name="Elbow Connector 63"/>
+          <p:cNvCxnSpPr>
+            <a:stCxn id="99" idx="3"/>
+          </p:cNvCxnSpPr>
+          <p:nvPr/>
+        </p:nvCxnSpPr>
+        <p:spPr>
+          <a:xfrm rot="16200000" flipH="1">
+            <a:off x="2883608" y="1639587"/>
+            <a:ext cx="293825" cy="1"/>
+          </a:xfrm>
+          <a:prstGeom prst="bentConnector3">
+            <a:avLst>
+              <a:gd name="adj1" fmla="val 50000"/>
+            </a:avLst>
+          </a:prstGeom>
+          <a:ln w="19050">
+            <a:solidFill>
+              <a:srgbClr val="7030A0"/>
+            </a:solidFill>
+            <a:prstDash val="sysDot"/>
+            <a:headEnd type="none" w="med" len="med"/>
+            <a:tailEnd type="none" w="med" len="med"/>
+          </a:ln>
+          <a:effectLst/>
+        </p:spPr>
+        <p:style>
+          <a:lnRef idx="1">
+            <a:schemeClr val="accent2"/>
+          </a:lnRef>
+          <a:fillRef idx="2">
+            <a:schemeClr val="accent2"/>
+          </a:fillRef>
+          <a:effectRef idx="1">
+            <a:schemeClr val="accent2"/>
+          </a:effectRef>
+          <a:fontRef idx="minor">
+            <a:schemeClr val="dk1"/>
+          </a:fontRef>
+        </p:style>
+      </p:cxnSp>
+      <p:sp>
+        <p:nvSpPr>
+          <p:cNvPr id="99" name="Isosceles Triangle 102"/>
+          <p:cNvSpPr/>
+          <p:nvPr/>
+        </p:nvSpPr>
+        <p:spPr>
+          <a:xfrm rot="10800000" flipV="1">
+            <a:off x="2895268" y="1317153"/>
+            <a:ext cx="270504" cy="175523"/>
+          </a:xfrm>
+          <a:prstGeom prst="triangle">
+            <a:avLst/>
+          </a:prstGeom>
+          <a:ln w="19050">
+            <a:solidFill>
+              <a:srgbClr val="7030A0"/>
+            </a:solidFill>
+          </a:ln>
+          <a:effectLst/>
+        </p:spPr>
+        <p:style>
+          <a:lnRef idx="1">
+            <a:schemeClr val="accent4"/>
+          </a:lnRef>
+          <a:fillRef idx="2">
+            <a:schemeClr val="accent4"/>
+          </a:fillRef>
+          <a:effectRef idx="1">
+            <a:schemeClr val="accent4"/>
+          </a:effectRef>
+          <a:fontRef idx="minor">
+            <a:schemeClr val="dk1"/>
+          </a:fontRef>
+        </p:style>
+        <p:txBody>
+          <a:bodyPr rtlCol="0" anchor="ctr"/>
+          <a:lstStyle/>
+          <a:p>
+            <a:pPr algn="ctr"/>
+            <a:endParaRPr lang="en-SG" sz="1050" b="1">
+              <a:solidFill>
+                <a:srgbClr val="92D050"/>
+              </a:solidFill>
+            </a:endParaRPr>
+          </a:p>
+        </p:txBody>
+      </p:sp>
+      <p:sp>
+        <p:nvSpPr>
+          <p:cNvPr id="100" name="Rectangle 8"/>
+          <p:cNvSpPr/>
+          <p:nvPr/>
+        </p:nvSpPr>
+        <p:spPr>
+          <a:xfrm>
+            <a:off x="2264590" y="960626"/>
+            <a:ext cx="1539926" cy="346760"/>
+          </a:xfrm>
+          <a:prstGeom prst="rect">
+            <a:avLst/>
+          </a:prstGeom>
+          <a:ln w="19050">
+            <a:solidFill>
+              <a:srgbClr val="7030A0"/>
+            </a:solidFill>
+          </a:ln>
+          <a:effectLst/>
+        </p:spPr>
+        <p:style>
+          <a:lnRef idx="1">
+            <a:schemeClr val="accent4"/>
+          </a:lnRef>
+          <a:fillRef idx="2">
+            <a:schemeClr val="accent4"/>
+          </a:fillRef>
+          <a:effectRef idx="1">
+            <a:schemeClr val="accent4"/>
+          </a:effectRef>
+          <a:fontRef idx="minor">
+            <a:schemeClr val="dk1"/>
+          </a:fontRef>
+        </p:style>
+        <p:txBody>
+          <a:bodyPr rtlCol="0" anchor="ctr"/>
+          <a:lstStyle/>
+          <a:p>
+            <a:pPr algn="ctr"/>
+            <a:r>
+              <a:rPr lang="en-US" sz="1050" dirty="0">
+                <a:solidFill>
+                  <a:srgbClr val="7030A0"/>
+                </a:solidFill>
+              </a:rPr>
+              <a:t>&lt;&lt;interface&gt;&gt;</a:t>
+            </a:r>
+            <a:br>
+              <a:rPr lang="en-US" sz="1050" dirty="0">
+                <a:solidFill>
+                  <a:srgbClr val="7030A0"/>
+                </a:solidFill>
+              </a:rPr>
+            </a:br>
+            <a:r>
+              <a:rPr lang="en-US" sz="1050" dirty="0" err="1">
+                <a:solidFill>
+                  <a:srgbClr val="7030A0"/>
+                </a:solidFill>
+              </a:rPr>
+              <a:t>ReadOnlyAddressBook</a:t>
+            </a:r>
+            <a:endParaRPr lang="en-SG" sz="1050" dirty="0">
+              <a:solidFill>
+                <a:srgbClr val="7030A0"/>
+              </a:solidFill>
+            </a:endParaRPr>
+          </a:p>
+        </p:txBody>
+      </p:sp>
+      <p:sp>
+        <p:nvSpPr>
+          <p:cNvPr id="122" name="Rectangle 8"/>
+          <p:cNvSpPr/>
+          <p:nvPr/>
+        </p:nvSpPr>
+        <p:spPr>
+          <a:xfrm>
+            <a:off x="722225" y="3744021"/>
+            <a:ext cx="1066800" cy="346760"/>
+          </a:xfrm>
+          <a:prstGeom prst="rect">
+            <a:avLst/>
+          </a:prstGeom>
+          <a:ln w="19050">
+            <a:solidFill>
+              <a:srgbClr val="7030A0"/>
+            </a:solidFill>
+          </a:ln>
+          <a:effectLst/>
+        </p:spPr>
+        <p:style>
+          <a:lnRef idx="1">
+            <a:schemeClr val="accent4"/>
+          </a:lnRef>
+          <a:fillRef idx="2">
+            <a:schemeClr val="accent4"/>
+          </a:fillRef>
+          <a:effectRef idx="1">
+            <a:schemeClr val="accent4"/>
+          </a:effectRef>
+          <a:fontRef idx="minor">
+            <a:schemeClr val="dk1"/>
+          </a:fontRef>
+        </p:style>
+        <p:txBody>
+          <a:bodyPr rtlCol="0" anchor="ctr"/>
+          <a:lstStyle/>
+          <a:p>
+            <a:pPr algn="ctr"/>
+            <a:r>
+              <a:rPr lang="en-US" sz="1050" dirty="0">
+                <a:solidFill>
+                  <a:srgbClr val="7030A0"/>
+                </a:solidFill>
+              </a:rPr>
+              <a:t>&lt;&lt;interface&gt;&gt;</a:t>
+            </a:r>
+            <a:br>
+              <a:rPr lang="en-US" sz="1050">
+                <a:solidFill>
+                  <a:srgbClr val="7030A0"/>
+                </a:solidFill>
+              </a:rPr>
+            </a:br>
+            <a:r>
+              <a:rPr lang="en-US" sz="1050" dirty="0" err="1">
+                <a:solidFill>
+                  <a:srgbClr val="7030A0"/>
+                </a:solidFill>
+              </a:rPr>
+              <a:t>ObservableList</a:t>
+            </a:r>
+            <a:endParaRPr lang="en-SG" sz="1050" dirty="0">
+              <a:solidFill>
+                <a:srgbClr val="7030A0"/>
+              </a:solidFill>
+            </a:endParaRPr>
+          </a:p>
+        </p:txBody>
+      </p:sp>
+      <p:cxnSp>
+        <p:nvCxnSpPr>
+          <p:cNvPr id="124" name="Elbow Connector 122"/>
+          <p:cNvCxnSpPr>
+            <a:cxnSpLocks/>
+            <a:stCxn id="119" idx="1"/>
+            <a:endCxn id="122" idx="0"/>
+          </p:cNvCxnSpPr>
+          <p:nvPr/>
+        </p:nvCxnSpPr>
+        <p:spPr>
+          <a:xfrm rot="16200000" flipH="1">
+            <a:off x="677234" y="3165629"/>
+            <a:ext cx="1008465" cy="148318"/>
+          </a:xfrm>
+          <a:prstGeom prst="bentConnector3">
+            <a:avLst>
+              <a:gd name="adj1" fmla="val 50000"/>
+            </a:avLst>
+          </a:prstGeom>
+          <a:ln w="19050">
+            <a:solidFill>
+              <a:srgbClr val="7030A0"/>
+            </a:solidFill>
+            <a:prstDash val="sysDot"/>
+            <a:headEnd type="none" w="med" len="med"/>
+            <a:tailEnd type="arrow" w="med" len="med"/>
+          </a:ln>
+          <a:effectLst/>
+        </p:spPr>
+        <p:style>
+          <a:lnRef idx="1">
+            <a:schemeClr val="accent2"/>
+          </a:lnRef>
+          <a:fillRef idx="2">
+            <a:schemeClr val="accent2"/>
+          </a:fillRef>
+          <a:effectRef idx="1">
+            <a:schemeClr val="accent2"/>
+          </a:effectRef>
+          <a:fontRef idx="minor">
+            <a:schemeClr val="dk1"/>
+          </a:fontRef>
+        </p:style>
+      </p:cxnSp>
+      <p:cxnSp>
+        <p:nvCxnSpPr>
+          <p:cNvPr id="50" name="Elbow Connector 49"/>
+          <p:cNvCxnSpPr>
+            <a:cxnSpLocks/>
+            <a:stCxn id="62" idx="0"/>
+            <a:endCxn id="57" idx="3"/>
+          </p:cNvCxnSpPr>
+          <p:nvPr/>
+        </p:nvCxnSpPr>
+        <p:spPr>
+          <a:xfrm rot="16200000" flipV="1">
+            <a:off x="5824415" y="1492306"/>
+            <a:ext cx="388826" cy="613221"/>
+          </a:xfrm>
+          <a:prstGeom prst="bentConnector2">
+            <a:avLst/>
+          </a:prstGeom>
+          <a:ln w="19050">
+            <a:solidFill>
+              <a:srgbClr val="7030A0"/>
+            </a:solidFill>
+            <a:headEnd type="none" w="med" len="med"/>
+            <a:tailEnd type="arrow" w="med" len="med"/>
+          </a:ln>
+          <a:effectLst/>
+        </p:spPr>
+        <p:style>
+          <a:lnRef idx="1">
+            <a:schemeClr val="accent2"/>
+          </a:lnRef>
+          <a:fillRef idx="2">
+            <a:schemeClr val="accent2"/>
+          </a:fillRef>
+          <a:effectRef idx="1">
+            <a:schemeClr val="accent2"/>
+          </a:effectRef>
+          <a:fontRef idx="minor">
+            <a:schemeClr val="dk1"/>
+          </a:fontRef>
+        </p:style>
+      </p:cxnSp>
+      <p:sp>
+        <p:nvSpPr>
+          <p:cNvPr id="11" name="TextBox 10"/>
+          <p:cNvSpPr txBox="1"/>
+          <p:nvPr/>
+        </p:nvSpPr>
+        <p:spPr>
+          <a:xfrm>
+            <a:off x="4198610" y="1358194"/>
+            <a:ext cx="189257" cy="178683"/>
+          </a:xfrm>
+          <a:prstGeom prst="rect">
+            <a:avLst/>
+          </a:prstGeom>
+          <a:noFill/>
+        </p:spPr>
+        <p:txBody>
+          <a:bodyPr wrap="square" lIns="0" tIns="0" rIns="0" bIns="0" rtlCol="0">
+            <a:noAutofit/>
+          </a:bodyPr>
+          <a:lstStyle/>
+          <a:p>
+            <a:pPr algn="ctr"/>
+            <a:r>
+              <a:rPr lang="en-US" sz="1100" dirty="0">
+                <a:solidFill>
+                  <a:srgbClr val="7030A0"/>
+                </a:solidFill>
+              </a:rPr>
+              <a:t>1</a:t>
+            </a:r>
+            <a:endParaRPr lang="en-SG" sz="1100" dirty="0">
+              <a:solidFill>
+                <a:srgbClr val="7030A0"/>
+              </a:solidFill>
+            </a:endParaRPr>
+          </a:p>
+        </p:txBody>
+      </p:sp>
+      <p:sp>
+        <p:nvSpPr>
+          <p:cNvPr id="54" name="TextBox 53"/>
+          <p:cNvSpPr txBox="1"/>
+          <p:nvPr/>
+        </p:nvSpPr>
+        <p:spPr>
+          <a:xfrm>
+            <a:off x="4003119" y="1933564"/>
+            <a:ext cx="189257" cy="178683"/>
+          </a:xfrm>
+          <a:prstGeom prst="rect">
+            <a:avLst/>
+          </a:prstGeom>
+          <a:noFill/>
+        </p:spPr>
+        <p:txBody>
+          <a:bodyPr wrap="square" lIns="0" tIns="0" rIns="0" bIns="0" rtlCol="0">
+            <a:noAutofit/>
+          </a:bodyPr>
+          <a:lstStyle/>
+          <a:p>
+            <a:pPr algn="ctr"/>
+            <a:r>
+              <a:rPr lang="en-US" sz="1100" dirty="0">
+                <a:solidFill>
+                  <a:srgbClr val="7030A0"/>
+                </a:solidFill>
+              </a:rPr>
+              <a:t>1</a:t>
+            </a:r>
+            <a:endParaRPr lang="en-SG" sz="1100" dirty="0">
+              <a:solidFill>
+                <a:srgbClr val="7030A0"/>
+              </a:solidFill>
+            </a:endParaRPr>
+          </a:p>
+        </p:txBody>
+      </p:sp>
+      <p:sp>
+        <p:nvSpPr>
+          <p:cNvPr id="56" name="TextBox 55"/>
+          <p:cNvSpPr txBox="1"/>
+          <p:nvPr/>
+        </p:nvSpPr>
+        <p:spPr>
+          <a:xfrm>
+            <a:off x="5725357" y="1652072"/>
+            <a:ext cx="189257" cy="178683"/>
+          </a:xfrm>
+          <a:prstGeom prst="rect">
+            <a:avLst/>
+          </a:prstGeom>
+          <a:noFill/>
+        </p:spPr>
+        <p:txBody>
+          <a:bodyPr wrap="square" lIns="0" tIns="0" rIns="0" bIns="0" rtlCol="0">
+            <a:noAutofit/>
+          </a:bodyPr>
+          <a:lstStyle/>
+          <a:p>
+            <a:pPr algn="ctr"/>
+            <a:r>
+              <a:rPr lang="en-US" sz="1100" dirty="0">
+                <a:solidFill>
+                  <a:srgbClr val="7030A0"/>
+                </a:solidFill>
+              </a:rPr>
+              <a:t>1</a:t>
+            </a:r>
+            <a:endParaRPr lang="en-SG" sz="1100" dirty="0">
+              <a:solidFill>
+                <a:srgbClr val="7030A0"/>
+              </a:solidFill>
+            </a:endParaRPr>
+          </a:p>
+        </p:txBody>
+      </p:sp>
+      <p:sp>
+        <p:nvSpPr>
+          <p:cNvPr id="60" name="TextBox 59"/>
+          <p:cNvSpPr txBox="1"/>
+          <p:nvPr/>
+        </p:nvSpPr>
+        <p:spPr>
+          <a:xfrm>
+            <a:off x="5089346" y="817079"/>
+            <a:ext cx="189257" cy="178683"/>
+          </a:xfrm>
+          <a:prstGeom prst="rect">
+            <a:avLst/>
+          </a:prstGeom>
+          <a:noFill/>
+        </p:spPr>
+        <p:txBody>
+          <a:bodyPr wrap="square" lIns="0" tIns="0" rIns="0" bIns="0" rtlCol="0">
+            <a:noAutofit/>
+          </a:bodyPr>
+          <a:lstStyle/>
+          <a:p>
+            <a:pPr algn="ctr"/>
+            <a:r>
+              <a:rPr lang="en-US" sz="1100" dirty="0">
+                <a:solidFill>
+                  <a:srgbClr val="7030A0"/>
+                </a:solidFill>
+              </a:rPr>
+              <a:t>*</a:t>
+            </a:r>
+            <a:endParaRPr lang="en-SG" sz="1100" dirty="0">
+              <a:solidFill>
+                <a:srgbClr val="7030A0"/>
+              </a:solidFill>
+            </a:endParaRPr>
+          </a:p>
+        </p:txBody>
+      </p:sp>
+      <p:sp>
+        <p:nvSpPr>
+          <p:cNvPr id="61" name="TextBox 60"/>
+          <p:cNvSpPr txBox="1"/>
+          <p:nvPr/>
+        </p:nvSpPr>
+        <p:spPr>
+          <a:xfrm>
+            <a:off x="5792822" y="2248070"/>
+            <a:ext cx="189257" cy="178683"/>
+          </a:xfrm>
+          <a:prstGeom prst="rect">
+            <a:avLst/>
+          </a:prstGeom>
+          <a:noFill/>
+        </p:spPr>
+        <p:txBody>
+          <a:bodyPr wrap="square" lIns="0" tIns="0" rIns="0" bIns="0" rtlCol="0">
+            <a:noAutofit/>
+          </a:bodyPr>
+          <a:lstStyle/>
+          <a:p>
+            <a:pPr algn="ctr"/>
+            <a:r>
+              <a:rPr lang="en-US" sz="1100" dirty="0">
+                <a:solidFill>
+                  <a:srgbClr val="7030A0"/>
+                </a:solidFill>
+              </a:rPr>
+              <a:t>*</a:t>
+            </a:r>
+            <a:endParaRPr lang="en-SG" sz="1100" dirty="0">
+              <a:solidFill>
+                <a:srgbClr val="7030A0"/>
+              </a:solidFill>
+            </a:endParaRPr>
+          </a:p>
+        </p:txBody>
+      </p:sp>
+      <p:sp>
+        <p:nvSpPr>
+          <p:cNvPr id="65" name="TextBox 64"/>
+          <p:cNvSpPr txBox="1"/>
+          <p:nvPr/>
+        </p:nvSpPr>
+        <p:spPr>
+          <a:xfrm>
+            <a:off x="2292210" y="1718394"/>
+            <a:ext cx="189257" cy="178683"/>
+          </a:xfrm>
+          <a:prstGeom prst="rect">
+            <a:avLst/>
+          </a:prstGeom>
+          <a:noFill/>
+        </p:spPr>
+        <p:txBody>
+          <a:bodyPr wrap="square" lIns="0" tIns="0" rIns="0" bIns="0" rtlCol="0">
+            <a:noAutofit/>
+          </a:bodyPr>
+          <a:lstStyle/>
+          <a:p>
+            <a:pPr algn="ctr"/>
+            <a:r>
+              <a:rPr lang="en-US" sz="1100" dirty="0">
+                <a:solidFill>
+                  <a:srgbClr val="7030A0"/>
+                </a:solidFill>
+              </a:rPr>
+              <a:t>1</a:t>
+            </a:r>
+            <a:endParaRPr lang="en-SG" sz="1100" dirty="0">
+              <a:solidFill>
+                <a:srgbClr val="7030A0"/>
+              </a:solidFill>
+            </a:endParaRPr>
+          </a:p>
+        </p:txBody>
+      </p:sp>
+      <p:sp>
+        <p:nvSpPr>
+          <p:cNvPr id="66" name="TextBox 65"/>
+          <p:cNvSpPr txBox="1"/>
+          <p:nvPr/>
+        </p:nvSpPr>
+        <p:spPr>
+          <a:xfrm>
+            <a:off x="2260657" y="2540206"/>
+            <a:ext cx="189257" cy="178683"/>
+          </a:xfrm>
+          <a:prstGeom prst="rect">
+            <a:avLst/>
+          </a:prstGeom>
+          <a:noFill/>
+        </p:spPr>
+        <p:txBody>
+          <a:bodyPr wrap="square" lIns="0" tIns="0" rIns="0" bIns="0" rtlCol="0">
+            <a:noAutofit/>
+          </a:bodyPr>
+          <a:lstStyle/>
+          <a:p>
+            <a:pPr algn="ctr"/>
+            <a:r>
+              <a:rPr lang="en-US" sz="1100" dirty="0">
+                <a:solidFill>
+                  <a:srgbClr val="7030A0"/>
+                </a:solidFill>
+              </a:rPr>
+              <a:t>1</a:t>
+            </a:r>
+            <a:endParaRPr lang="en-SG" sz="1100" dirty="0">
+              <a:solidFill>
+                <a:srgbClr val="7030A0"/>
+              </a:solidFill>
+            </a:endParaRPr>
+          </a:p>
+        </p:txBody>
+      </p:sp>
+      <p:sp>
+        <p:nvSpPr>
+          <p:cNvPr id="52" name="Rectangle 8">
+            <a:extLst>
+              <a:ext uri="{FF2B5EF4-FFF2-40B4-BE49-F238E27FC236}">
+                <a16:creationId xmlns:a16="http://schemas.microsoft.com/office/drawing/2014/main" id="{2A6E4386-C8AF-4172-A34D-91F5305EED13}"/>
+              </a:ext>
+            </a:extLst>
+          </p:cNvPr>
+          <p:cNvSpPr/>
+          <p:nvPr/>
+        </p:nvSpPr>
+        <p:spPr>
+          <a:xfrm>
+            <a:off x="5988620" y="3689238"/>
+            <a:ext cx="916097" cy="346760"/>
+          </a:xfrm>
+          <a:prstGeom prst="rect">
+            <a:avLst/>
+          </a:prstGeom>
+          <a:ln w="19050">
+            <a:solidFill>
+              <a:srgbClr val="7030A0"/>
+            </a:solidFill>
+          </a:ln>
+          <a:effectLst/>
+        </p:spPr>
+        <p:style>
+          <a:lnRef idx="1">
+            <a:schemeClr val="accent4"/>
+          </a:lnRef>
+          <a:fillRef idx="2">
+            <a:schemeClr val="accent4"/>
+          </a:fillRef>
+          <a:effectRef idx="1">
+            <a:schemeClr val="accent4"/>
+          </a:effectRef>
+          <a:fontRef idx="minor">
+            <a:schemeClr val="dk1"/>
+          </a:fontRef>
+        </p:style>
+        <p:txBody>
+          <a:bodyPr rtlCol="0" anchor="ctr"/>
+          <a:lstStyle/>
+          <a:p>
+            <a:pPr algn="ctr"/>
+            <a:r>
+              <a:rPr lang="en-US" sz="1050" dirty="0">
+                <a:solidFill>
+                  <a:srgbClr val="7030A0"/>
+                </a:solidFill>
+              </a:rPr>
+              <a:t>Appointment</a:t>
+            </a:r>
+            <a:endParaRPr lang="en-SG" sz="1050" dirty="0">
+              <a:solidFill>
+                <a:srgbClr val="7030A0"/>
+              </a:solidFill>
+            </a:endParaRPr>
+          </a:p>
+        </p:txBody>
+      </p:sp>
+      <p:sp>
+        <p:nvSpPr>
+          <p:cNvPr id="71" name="Rectangle 8">
+            <a:extLst>
+              <a:ext uri="{FF2B5EF4-FFF2-40B4-BE49-F238E27FC236}">
+                <a16:creationId xmlns:a16="http://schemas.microsoft.com/office/drawing/2014/main" id="{8EE12763-7B31-420F-8703-90CF35F43BF3}"/>
+              </a:ext>
+            </a:extLst>
+          </p:cNvPr>
+          <p:cNvSpPr/>
+          <p:nvPr/>
+        </p:nvSpPr>
+        <p:spPr>
+          <a:xfrm>
+            <a:off x="7456813" y="3990872"/>
+            <a:ext cx="844340" cy="165480"/>
+          </a:xfrm>
+          <a:prstGeom prst="rect">
+            <a:avLst/>
+          </a:prstGeom>
+          <a:ln w="19050">
+            <a:solidFill>
+              <a:srgbClr val="7030A0"/>
+            </a:solidFill>
+          </a:ln>
+          <a:effectLst/>
+        </p:spPr>
+        <p:style>
+          <a:lnRef idx="1">
+            <a:schemeClr val="accent4"/>
+          </a:lnRef>
+          <a:fillRef idx="2">
+            <a:schemeClr val="accent4"/>
+          </a:fillRef>
+          <a:effectRef idx="1">
+            <a:schemeClr val="accent4"/>
+          </a:effectRef>
+          <a:fontRef idx="minor">
+            <a:schemeClr val="dk1"/>
+          </a:fontRef>
+        </p:style>
+        <p:txBody>
+          <a:bodyPr rtlCol="0" anchor="ctr"/>
+          <a:lstStyle/>
+          <a:p>
+            <a:pPr algn="ctr"/>
+            <a:r>
+              <a:rPr lang="en-US" sz="1050" dirty="0">
+                <a:solidFill>
+                  <a:srgbClr val="7030A0"/>
+                </a:solidFill>
+              </a:rPr>
+              <a:t>Date</a:t>
+            </a:r>
+            <a:endParaRPr lang="en-SG" sz="1050" dirty="0">
+              <a:solidFill>
+                <a:srgbClr val="7030A0"/>
+              </a:solidFill>
+            </a:endParaRPr>
+          </a:p>
+        </p:txBody>
+      </p:sp>
+      <p:sp>
+        <p:nvSpPr>
+          <p:cNvPr id="72" name="Flowchart: Decision 96">
+            <a:extLst>
+              <a:ext uri="{FF2B5EF4-FFF2-40B4-BE49-F238E27FC236}">
+                <a16:creationId xmlns:a16="http://schemas.microsoft.com/office/drawing/2014/main" id="{3D4C458D-DD0E-4CE8-ABEE-A39A3B55E31B}"/>
+              </a:ext>
+            </a:extLst>
+          </p:cNvPr>
+          <p:cNvSpPr/>
+          <p:nvPr/>
+        </p:nvSpPr>
+        <p:spPr>
+          <a:xfrm>
+            <a:off x="6930897" y="3803739"/>
             <a:ext cx="236048" cy="173380"/>
           </a:xfrm>
           <a:prstGeom prst="flowChartDecision">
@@ -4221,17 +5569,24 @@
       </p:sp>
       <p:cxnSp>
         <p:nvCxnSpPr>
-          <p:cNvPr id="30" name="Elbow Connector 29"/>
+          <p:cNvPr id="73" name="Elbow Connector 78">
+            <a:extLst>
+              <a:ext uri="{FF2B5EF4-FFF2-40B4-BE49-F238E27FC236}">
+                <a16:creationId xmlns:a16="http://schemas.microsoft.com/office/drawing/2014/main" id="{C87F6217-889A-4391-B31D-DF44DD21A78A}"/>
+              </a:ext>
+            </a:extLst>
+          </p:cNvPr>
           <p:cNvCxnSpPr>
-            <a:stCxn id="51" idx="3"/>
-            <a:endCxn id="49" idx="1"/>
+            <a:cxnSpLocks/>
+            <a:stCxn id="72" idx="3"/>
+            <a:endCxn id="71" idx="1"/>
           </p:cNvCxnSpPr>
           <p:nvPr/>
         </p:nvCxnSpPr>
         <p:spPr>
           <a:xfrm>
-            <a:off x="4220351" y="2760681"/>
-            <a:ext cx="266666" cy="260070"/>
+            <a:off x="7166945" y="3890429"/>
+            <a:ext cx="289868" cy="183183"/>
           </a:xfrm>
           <a:prstGeom prst="bentConnector3">
             <a:avLst/>
@@ -4262,14 +5617,20 @@
       </p:cxnSp>
       <p:sp>
         <p:nvSpPr>
-          <p:cNvPr id="57" name="Rectangle 8"/>
+          <p:cNvPr id="74" name="Rectangle 8">
+            <a:extLst>
+              <a:ext uri="{FF2B5EF4-FFF2-40B4-BE49-F238E27FC236}">
+                <a16:creationId xmlns:a16="http://schemas.microsoft.com/office/drawing/2014/main" id="{B8C5A3E4-6176-4600-A6A8-2AD5133461D9}"/>
+              </a:ext>
+            </a:extLst>
+          </p:cNvPr>
           <p:cNvSpPr/>
           <p:nvPr/>
         </p:nvSpPr>
         <p:spPr>
           <a:xfrm>
-            <a:off x="4477328" y="2280569"/>
-            <a:ext cx="1156969" cy="346760"/>
+            <a:off x="7451795" y="4196026"/>
+            <a:ext cx="836844" cy="165480"/>
           </a:xfrm>
           <a:prstGeom prst="rect">
             <a:avLst/>
@@ -4301,12 +5662,12 @@
           <a:p>
             <a:pPr algn="ctr"/>
             <a:r>
-              <a:rPr lang="en-US" sz="1050" dirty="0" err="1" smtClean="0">
+              <a:rPr lang="en-US" sz="1050" dirty="0">
                 <a:solidFill>
                   <a:srgbClr val="7030A0"/>
                 </a:solidFill>
               </a:rPr>
-              <a:t>UniqueTagList</a:t>
+              <a:t>Time</a:t>
             </a:r>
             <a:endParaRPr lang="en-SG" sz="1050" dirty="0">
               <a:solidFill>
@@ -4318,22 +5679,27 @@
       </p:sp>
       <p:cxnSp>
         <p:nvCxnSpPr>
-          <p:cNvPr id="59" name="Elbow Connector 58"/>
+          <p:cNvPr id="77" name="Elbow Connector 80">
+            <a:extLst>
+              <a:ext uri="{FF2B5EF4-FFF2-40B4-BE49-F238E27FC236}">
+                <a16:creationId xmlns:a16="http://schemas.microsoft.com/office/drawing/2014/main" id="{01814D05-2A16-4D11-A547-13B235EC8266}"/>
+              </a:ext>
+            </a:extLst>
+          </p:cNvPr>
           <p:cNvCxnSpPr>
-            <a:stCxn id="51" idx="3"/>
-            <a:endCxn id="57" idx="1"/>
+            <a:cxnSpLocks/>
+            <a:stCxn id="72" idx="3"/>
+            <a:endCxn id="74" idx="1"/>
           </p:cNvCxnSpPr>
           <p:nvPr/>
         </p:nvCxnSpPr>
         <p:spPr>
-          <a:xfrm flipV="1">
-            <a:off x="4220351" y="2453949"/>
-            <a:ext cx="256977" cy="306732"/>
+          <a:xfrm>
+            <a:off x="7166945" y="3890429"/>
+            <a:ext cx="284850" cy="388337"/>
           </a:xfrm>
           <a:prstGeom prst="bentConnector3">
-            <a:avLst>
-              <a:gd name="adj1" fmla="val 50000"/>
-            </a:avLst>
+            <a:avLst/>
           </a:prstGeom>
           <a:ln w="19050">
             <a:solidFill>
@@ -4361,14 +5727,20 @@
       </p:cxnSp>
       <p:sp>
         <p:nvSpPr>
-          <p:cNvPr id="62" name="Rectangle 8"/>
+          <p:cNvPr id="95" name="Rectangle 8">
+            <a:extLst>
+              <a:ext uri="{FF2B5EF4-FFF2-40B4-BE49-F238E27FC236}">
+                <a16:creationId xmlns:a16="http://schemas.microsoft.com/office/drawing/2014/main" id="{2B1A0AA0-303A-4218-AAEF-DC72F6271DD9}"/>
+              </a:ext>
+            </a:extLst>
+          </p:cNvPr>
           <p:cNvSpPr/>
           <p:nvPr/>
         </p:nvSpPr>
         <p:spPr>
           <a:xfrm>
-            <a:off x="6313677" y="2858066"/>
-            <a:ext cx="708186" cy="346760"/>
+            <a:off x="4192062" y="3704578"/>
+            <a:ext cx="1328067" cy="346760"/>
           </a:xfrm>
           <a:prstGeom prst="rect">
             <a:avLst/>
@@ -4400,12 +5772,12 @@
           <a:p>
             <a:pPr algn="ctr"/>
             <a:r>
-              <a:rPr lang="en-US" sz="1050" dirty="0" smtClean="0">
+              <a:rPr lang="en-US" sz="1050" dirty="0" err="1">
                 <a:solidFill>
                   <a:srgbClr val="7030A0"/>
                 </a:solidFill>
               </a:rPr>
-              <a:t>Person</a:t>
+              <a:t>UniqueAppointmentList</a:t>
             </a:r>
             <a:endParaRPr lang="en-SG" sz="1050" dirty="0">
               <a:solidFill>
@@ -4417,19 +5789,213 @@
       </p:sp>
       <p:sp>
         <p:nvSpPr>
-          <p:cNvPr id="63" name="Flowchart: Decision 96"/>
+          <p:cNvPr id="96" name="Rectangle 8">
+            <a:extLst>
+              <a:ext uri="{FF2B5EF4-FFF2-40B4-BE49-F238E27FC236}">
+                <a16:creationId xmlns:a16="http://schemas.microsoft.com/office/drawing/2014/main" id="{666A9AA3-4486-45C6-876B-782B2E799C24}"/>
+              </a:ext>
+            </a:extLst>
+          </p:cNvPr>
           <p:cNvSpPr/>
           <p:nvPr/>
         </p:nvSpPr>
         <p:spPr>
           <a:xfrm>
-            <a:off x="5643227" y="2943979"/>
+            <a:off x="5954030" y="4476854"/>
+            <a:ext cx="882637" cy="346760"/>
+          </a:xfrm>
+          <a:prstGeom prst="rect">
+            <a:avLst/>
+          </a:prstGeom>
+          <a:ln w="19050">
+            <a:solidFill>
+              <a:srgbClr val="7030A0"/>
+            </a:solidFill>
+          </a:ln>
+          <a:effectLst/>
+        </p:spPr>
+        <p:style>
+          <a:lnRef idx="1">
+            <a:schemeClr val="accent4"/>
+          </a:lnRef>
+          <a:fillRef idx="2">
+            <a:schemeClr val="accent4"/>
+          </a:fillRef>
+          <a:effectRef idx="1">
+            <a:schemeClr val="accent4"/>
+          </a:effectRef>
+          <a:fontRef idx="minor">
+            <a:schemeClr val="dk1"/>
+          </a:fontRef>
+        </p:style>
+        <p:txBody>
+          <a:bodyPr rtlCol="0" anchor="ctr"/>
+          <a:lstStyle/>
+          <a:p>
+            <a:pPr algn="ctr"/>
+            <a:r>
+              <a:rPr lang="en-US" sz="1050" dirty="0">
+                <a:solidFill>
+                  <a:srgbClr val="7030A0"/>
+                </a:solidFill>
+              </a:rPr>
+              <a:t>Pet</a:t>
+            </a:r>
+            <a:endParaRPr lang="en-SG" sz="1050" dirty="0">
+              <a:solidFill>
+                <a:srgbClr val="7030A0"/>
+              </a:solidFill>
+            </a:endParaRPr>
+          </a:p>
+        </p:txBody>
+      </p:sp>
+      <p:sp>
+        <p:nvSpPr>
+          <p:cNvPr id="108" name="Rectangle 8">
+            <a:extLst>
+              <a:ext uri="{FF2B5EF4-FFF2-40B4-BE49-F238E27FC236}">
+                <a16:creationId xmlns:a16="http://schemas.microsoft.com/office/drawing/2014/main" id="{63A2B6D4-2FEF-43D0-B047-506131E291E5}"/>
+              </a:ext>
+            </a:extLst>
+          </p:cNvPr>
+          <p:cNvSpPr/>
+          <p:nvPr/>
+        </p:nvSpPr>
+        <p:spPr>
+          <a:xfrm>
+            <a:off x="4190669" y="4470214"/>
+            <a:ext cx="1294607" cy="346760"/>
+          </a:xfrm>
+          <a:prstGeom prst="rect">
+            <a:avLst/>
+          </a:prstGeom>
+          <a:ln w="19050">
+            <a:solidFill>
+              <a:srgbClr val="7030A0"/>
+            </a:solidFill>
+          </a:ln>
+          <a:effectLst/>
+        </p:spPr>
+        <p:style>
+          <a:lnRef idx="1">
+            <a:schemeClr val="accent4"/>
+          </a:lnRef>
+          <a:fillRef idx="2">
+            <a:schemeClr val="accent4"/>
+          </a:fillRef>
+          <a:effectRef idx="1">
+            <a:schemeClr val="accent4"/>
+          </a:effectRef>
+          <a:fontRef idx="minor">
+            <a:schemeClr val="dk1"/>
+          </a:fontRef>
+        </p:style>
+        <p:txBody>
+          <a:bodyPr rtlCol="0" anchor="ctr"/>
+          <a:lstStyle/>
+          <a:p>
+            <a:pPr algn="ctr"/>
+            <a:r>
+              <a:rPr lang="en-US" sz="1050" dirty="0" err="1">
+                <a:solidFill>
+                  <a:srgbClr val="7030A0"/>
+                </a:solidFill>
+              </a:rPr>
+              <a:t>UniquePetList</a:t>
+            </a:r>
+            <a:endParaRPr lang="en-SG" sz="1050" dirty="0">
+              <a:solidFill>
+                <a:srgbClr val="7030A0"/>
+              </a:solidFill>
+            </a:endParaRPr>
+          </a:p>
+        </p:txBody>
+      </p:sp>
+      <p:sp>
+        <p:nvSpPr>
+          <p:cNvPr id="109" name="Rectangle 8">
+            <a:extLst>
+              <a:ext uri="{FF2B5EF4-FFF2-40B4-BE49-F238E27FC236}">
+                <a16:creationId xmlns:a16="http://schemas.microsoft.com/office/drawing/2014/main" id="{2D2A569F-2A0F-4332-9660-D14A45CF5D31}"/>
+              </a:ext>
+            </a:extLst>
+          </p:cNvPr>
+          <p:cNvSpPr/>
+          <p:nvPr/>
+        </p:nvSpPr>
+        <p:spPr>
+          <a:xfrm>
+            <a:off x="7484483" y="4533181"/>
+            <a:ext cx="803223" cy="285783"/>
+          </a:xfrm>
+          <a:prstGeom prst="rect">
+            <a:avLst/>
+          </a:prstGeom>
+          <a:ln w="19050">
+            <a:solidFill>
+              <a:srgbClr val="7030A0"/>
+            </a:solidFill>
+          </a:ln>
+          <a:effectLst/>
+        </p:spPr>
+        <p:style>
+          <a:lnRef idx="1">
+            <a:schemeClr val="accent4"/>
+          </a:lnRef>
+          <a:fillRef idx="2">
+            <a:schemeClr val="accent4"/>
+          </a:fillRef>
+          <a:effectRef idx="1">
+            <a:schemeClr val="accent4"/>
+          </a:effectRef>
+          <a:fontRef idx="minor">
+            <a:schemeClr val="dk1"/>
+          </a:fontRef>
+        </p:style>
+        <p:txBody>
+          <a:bodyPr rtlCol="0" anchor="ctr"/>
+          <a:lstStyle/>
+          <a:p>
+            <a:pPr algn="ctr"/>
+            <a:r>
+              <a:rPr lang="en-US" sz="1050" dirty="0" err="1">
+                <a:solidFill>
+                  <a:srgbClr val="7030A0"/>
+                </a:solidFill>
+              </a:rPr>
+              <a:t>PetName</a:t>
+            </a:r>
+            <a:endParaRPr lang="en-SG" sz="1050" dirty="0">
+              <a:solidFill>
+                <a:srgbClr val="7030A0"/>
+              </a:solidFill>
+            </a:endParaRPr>
+          </a:p>
+        </p:txBody>
+      </p:sp>
+      <p:sp>
+        <p:nvSpPr>
+          <p:cNvPr id="110" name="Flowchart: Decision 96">
+            <a:extLst>
+              <a:ext uri="{FF2B5EF4-FFF2-40B4-BE49-F238E27FC236}">
+                <a16:creationId xmlns:a16="http://schemas.microsoft.com/office/drawing/2014/main" id="{47E1D4D6-0429-4751-B240-47BF05CE85C0}"/>
+              </a:ext>
+            </a:extLst>
+          </p:cNvPr>
+          <p:cNvSpPr/>
+          <p:nvPr/>
+        </p:nvSpPr>
+        <p:spPr>
+          <a:xfrm>
+            <a:off x="6855484" y="4569237"/>
             <a:ext cx="236048" cy="173380"/>
           </a:xfrm>
           <a:prstGeom prst="flowChartDecision">
             <a:avLst/>
           </a:prstGeom>
-          <a:noFill/>
+          <a:solidFill>
+            <a:srgbClr val="7030A0"/>
+          </a:solidFill>
           <a:ln w="19050">
             <a:solidFill>
               <a:srgbClr val="7030A0"/>
@@ -4462,17 +6028,24 @@
       </p:sp>
       <p:cxnSp>
         <p:nvCxnSpPr>
-          <p:cNvPr id="64" name="Elbow Connector 63"/>
+          <p:cNvPr id="111" name="Elbow Connector 78">
+            <a:extLst>
+              <a:ext uri="{FF2B5EF4-FFF2-40B4-BE49-F238E27FC236}">
+                <a16:creationId xmlns:a16="http://schemas.microsoft.com/office/drawing/2014/main" id="{3F4DAB36-7A6B-4700-A30A-E63FF45282D0}"/>
+              </a:ext>
+            </a:extLst>
+          </p:cNvPr>
           <p:cNvCxnSpPr>
-            <a:stCxn id="63" idx="3"/>
-            <a:endCxn id="62" idx="1"/>
+            <a:cxnSpLocks/>
+            <a:stCxn id="110" idx="3"/>
+            <a:endCxn id="109" idx="1"/>
           </p:cNvCxnSpPr>
           <p:nvPr/>
         </p:nvCxnSpPr>
         <p:spPr>
           <a:xfrm>
-            <a:off x="5879275" y="3030669"/>
-            <a:ext cx="434402" cy="777"/>
+            <a:off x="7091532" y="4655927"/>
+            <a:ext cx="392951" cy="20146"/>
           </a:xfrm>
           <a:prstGeom prst="bentConnector3">
             <a:avLst/>
@@ -4503,14 +6076,20 @@
       </p:cxnSp>
       <p:sp>
         <p:nvSpPr>
-          <p:cNvPr id="67" name="Rectangle 8"/>
+          <p:cNvPr id="112" name="Rectangle 8">
+            <a:extLst>
+              <a:ext uri="{FF2B5EF4-FFF2-40B4-BE49-F238E27FC236}">
+                <a16:creationId xmlns:a16="http://schemas.microsoft.com/office/drawing/2014/main" id="{6B17B5F4-9E23-485E-AFB1-056AAD9553DD}"/>
+              </a:ext>
+            </a:extLst>
+          </p:cNvPr>
           <p:cNvSpPr/>
           <p:nvPr/>
         </p:nvSpPr>
         <p:spPr>
           <a:xfrm>
-            <a:off x="5336105" y="1809332"/>
-            <a:ext cx="483700" cy="346760"/>
+            <a:off x="7473790" y="4867302"/>
+            <a:ext cx="803224" cy="285783"/>
           </a:xfrm>
           <a:prstGeom prst="rect">
             <a:avLst/>
@@ -4542,12 +6121,12 @@
           <a:p>
             <a:pPr algn="ctr"/>
             <a:r>
-              <a:rPr lang="en-US" sz="1050" dirty="0" smtClean="0">
+              <a:rPr lang="en-US" sz="1050" dirty="0" err="1">
                 <a:solidFill>
                   <a:srgbClr val="7030A0"/>
                 </a:solidFill>
               </a:rPr>
-              <a:t>Tag</a:t>
+              <a:t>PetAge</a:t>
             </a:r>
             <a:endParaRPr lang="en-SG" sz="1050" dirty="0">
               <a:solidFill>
@@ -4557,66 +6136,28 @@
           </a:p>
         </p:txBody>
       </p:sp>
-      <p:sp>
-        <p:nvSpPr>
-          <p:cNvPr id="68" name="Flowchart: Decision 96"/>
-          <p:cNvSpPr/>
-          <p:nvPr/>
-        </p:nvSpPr>
-        <p:spPr>
-          <a:xfrm rot="16200000">
-            <a:off x="4921666" y="2066540"/>
-            <a:ext cx="236048" cy="173380"/>
-          </a:xfrm>
-          <a:prstGeom prst="flowChartDecision">
-            <a:avLst/>
-          </a:prstGeom>
-          <a:noFill/>
-          <a:ln w="19050">
-            <a:solidFill>
-              <a:srgbClr val="7030A0"/>
-            </a:solidFill>
-          </a:ln>
-          <a:effectLst/>
-        </p:spPr>
-        <p:style>
-          <a:lnRef idx="1">
-            <a:schemeClr val="accent6"/>
-          </a:lnRef>
-          <a:fillRef idx="2">
-            <a:schemeClr val="accent6"/>
-          </a:fillRef>
-          <a:effectRef idx="1">
-            <a:schemeClr val="accent6"/>
-          </a:effectRef>
-          <a:fontRef idx="minor">
-            <a:schemeClr val="dk1"/>
-          </a:fontRef>
-        </p:style>
-        <p:txBody>
-          <a:bodyPr rtlCol="0" anchor="ctr"/>
-          <a:lstStyle/>
-          <a:p>
-            <a:pPr algn="ctr"/>
-            <a:endParaRPr lang="en-US" sz="1050"/>
-          </a:p>
-        </p:txBody>
-      </p:sp>
       <p:cxnSp>
         <p:nvCxnSpPr>
-          <p:cNvPr id="69" name="Elbow Connector 68"/>
+          <p:cNvPr id="113" name="Elbow Connector 80">
+            <a:extLst>
+              <a:ext uri="{FF2B5EF4-FFF2-40B4-BE49-F238E27FC236}">
+                <a16:creationId xmlns:a16="http://schemas.microsoft.com/office/drawing/2014/main" id="{040C67BB-1269-45F6-81B6-F9F3EC041CBA}"/>
+              </a:ext>
+            </a:extLst>
+          </p:cNvPr>
           <p:cNvCxnSpPr>
-            <a:stCxn id="68" idx="3"/>
-            <a:endCxn id="67" idx="1"/>
+            <a:cxnSpLocks/>
+            <a:stCxn id="110" idx="3"/>
+            <a:endCxn id="112" idx="1"/>
           </p:cNvCxnSpPr>
           <p:nvPr/>
         </p:nvCxnSpPr>
         <p:spPr>
-          <a:xfrm rot="5400000" flipH="1" flipV="1">
-            <a:off x="5161650" y="1860752"/>
-            <a:ext cx="52494" cy="296415"/>
-          </a:xfrm>
-          <a:prstGeom prst="bentConnector2">
+          <a:xfrm>
+            <a:off x="7091532" y="4655927"/>
+            <a:ext cx="382258" cy="354267"/>
+          </a:xfrm>
+          <a:prstGeom prst="bentConnector3">
             <a:avLst/>
           </a:prstGeom>
           <a:ln w="19050">
@@ -4645,14 +6186,20 @@
       </p:cxnSp>
       <p:sp>
         <p:nvSpPr>
-          <p:cNvPr id="76" name="Rectangle 8"/>
+          <p:cNvPr id="115" name="Rectangle 8">
+            <a:extLst>
+              <a:ext uri="{FF2B5EF4-FFF2-40B4-BE49-F238E27FC236}">
+                <a16:creationId xmlns:a16="http://schemas.microsoft.com/office/drawing/2014/main" id="{A5F2D322-5188-4BED-BF75-7A3DCFA91AFC}"/>
+              </a:ext>
+            </a:extLst>
+          </p:cNvPr>
           <p:cNvSpPr/>
           <p:nvPr/>
         </p:nvSpPr>
         <p:spPr>
           <a:xfrm>
-            <a:off x="7712397" y="2564238"/>
-            <a:ext cx="708186" cy="285783"/>
+            <a:off x="7473789" y="5190280"/>
+            <a:ext cx="803225" cy="285783"/>
           </a:xfrm>
           <a:prstGeom prst="rect">
             <a:avLst/>
@@ -4684,12 +6231,12 @@
           <a:p>
             <a:pPr algn="ctr"/>
             <a:r>
-              <a:rPr lang="en-US" sz="1050" dirty="0" smtClean="0">
+              <a:rPr lang="en-US" sz="1050" dirty="0" err="1">
                 <a:solidFill>
                   <a:srgbClr val="7030A0"/>
                 </a:solidFill>
               </a:rPr>
-              <a:t>Name</a:t>
+              <a:t>PetGender</a:t>
             </a:r>
             <a:endParaRPr lang="en-SG" sz="1050" dirty="0">
               <a:solidFill>
@@ -4699,66 +6246,26 @@
           </a:p>
         </p:txBody>
       </p:sp>
-      <p:sp>
-        <p:nvSpPr>
-          <p:cNvPr id="78" name="Flowchart: Decision 96"/>
-          <p:cNvSpPr/>
-          <p:nvPr/>
-        </p:nvSpPr>
-        <p:spPr>
-          <a:xfrm>
-            <a:off x="7041947" y="2948201"/>
-            <a:ext cx="236048" cy="173380"/>
-          </a:xfrm>
-          <a:prstGeom prst="flowChartDecision">
-            <a:avLst/>
-          </a:prstGeom>
-          <a:solidFill>
-            <a:srgbClr val="7030A0"/>
-          </a:solidFill>
-          <a:ln w="19050">
-            <a:solidFill>
-              <a:srgbClr val="7030A0"/>
-            </a:solidFill>
-          </a:ln>
-          <a:effectLst/>
-        </p:spPr>
-        <p:style>
-          <a:lnRef idx="1">
-            <a:schemeClr val="accent6"/>
-          </a:lnRef>
-          <a:fillRef idx="2">
-            <a:schemeClr val="accent6"/>
-          </a:fillRef>
-          <a:effectRef idx="1">
-            <a:schemeClr val="accent6"/>
-          </a:effectRef>
-          <a:fontRef idx="minor">
-            <a:schemeClr val="dk1"/>
-          </a:fontRef>
-        </p:style>
-        <p:txBody>
-          <a:bodyPr rtlCol="0" anchor="ctr"/>
-          <a:lstStyle/>
-          <a:p>
-            <a:pPr algn="ctr"/>
-            <a:endParaRPr lang="en-US" sz="1050"/>
-          </a:p>
-        </p:txBody>
-      </p:sp>
       <p:cxnSp>
         <p:nvCxnSpPr>
-          <p:cNvPr id="79" name="Elbow Connector 78"/>
+          <p:cNvPr id="116" name="Elbow Connector 83">
+            <a:extLst>
+              <a:ext uri="{FF2B5EF4-FFF2-40B4-BE49-F238E27FC236}">
+                <a16:creationId xmlns:a16="http://schemas.microsoft.com/office/drawing/2014/main" id="{52B854FE-7C7A-44FE-BB38-72EB9301372F}"/>
+              </a:ext>
+            </a:extLst>
+          </p:cNvPr>
           <p:cNvCxnSpPr>
-            <a:stCxn id="78" idx="3"/>
-            <a:endCxn id="76" idx="1"/>
+            <a:cxnSpLocks/>
+            <a:stCxn id="110" idx="3"/>
+            <a:endCxn id="115" idx="1"/>
           </p:cNvCxnSpPr>
           <p:nvPr/>
         </p:nvCxnSpPr>
         <p:spPr>
-          <a:xfrm flipV="1">
-            <a:off x="7277995" y="2707130"/>
-            <a:ext cx="434402" cy="327761"/>
+          <a:xfrm>
+            <a:off x="7091532" y="4655927"/>
+            <a:ext cx="382257" cy="677245"/>
           </a:xfrm>
           <a:prstGeom prst="bentConnector3">
             <a:avLst/>
@@ -4789,14 +6296,20 @@
       </p:cxnSp>
       <p:sp>
         <p:nvSpPr>
-          <p:cNvPr id="80" name="Rectangle 8"/>
+          <p:cNvPr id="123" name="Rectangle 8">
+            <a:extLst>
+              <a:ext uri="{FF2B5EF4-FFF2-40B4-BE49-F238E27FC236}">
+                <a16:creationId xmlns:a16="http://schemas.microsoft.com/office/drawing/2014/main" id="{26BD67AA-8CD9-4FAD-9DAA-EF2324894786}"/>
+              </a:ext>
+            </a:extLst>
+          </p:cNvPr>
           <p:cNvSpPr/>
           <p:nvPr/>
         </p:nvSpPr>
         <p:spPr>
           <a:xfrm>
-            <a:off x="7712397" y="2887216"/>
-            <a:ext cx="708186" cy="285783"/>
+            <a:off x="7230042" y="2110300"/>
+            <a:ext cx="1003753" cy="346760"/>
           </a:xfrm>
           <a:prstGeom prst="rect">
             <a:avLst/>
@@ -4828,12 +6341,12 @@
           <a:p>
             <a:pPr algn="ctr"/>
             <a:r>
-              <a:rPr lang="en-US" sz="1050" dirty="0" smtClean="0">
+              <a:rPr lang="en-US" sz="1050" dirty="0">
                 <a:solidFill>
                   <a:srgbClr val="7030A0"/>
                 </a:solidFill>
               </a:rPr>
-              <a:t>Phone</a:t>
+              <a:t>Client</a:t>
             </a:r>
             <a:endParaRPr lang="en-SG" sz="1050" dirty="0">
               <a:solidFill>
@@ -4845,27 +6358,35 @@
       </p:sp>
       <p:cxnSp>
         <p:nvCxnSpPr>
-          <p:cNvPr id="81" name="Elbow Connector 80"/>
+          <p:cNvPr id="125" name="Elbow Connector 49">
+            <a:extLst>
+              <a:ext uri="{FF2B5EF4-FFF2-40B4-BE49-F238E27FC236}">
+                <a16:creationId xmlns:a16="http://schemas.microsoft.com/office/drawing/2014/main" id="{C1162E3D-5B7E-47D9-81D5-AA0E0F978027}"/>
+              </a:ext>
+            </a:extLst>
+          </p:cNvPr>
           <p:cNvCxnSpPr>
-            <a:stCxn id="78" idx="3"/>
-            <a:endCxn id="80" idx="1"/>
+            <a:cxnSpLocks/>
+            <a:stCxn id="123" idx="1"/>
           </p:cNvCxnSpPr>
           <p:nvPr/>
         </p:nvCxnSpPr>
         <p:spPr>
-          <a:xfrm flipV="1">
-            <a:off x="7277995" y="3030108"/>
-            <a:ext cx="434402" cy="4783"/>
+          <a:xfrm rot="10800000">
+            <a:off x="6685314" y="2277750"/>
+            <a:ext cx="544729" cy="5931"/>
           </a:xfrm>
           <a:prstGeom prst="bentConnector3">
-            <a:avLst/>
+            <a:avLst>
+              <a:gd name="adj1" fmla="val 50000"/>
+            </a:avLst>
           </a:prstGeom>
           <a:ln w="19050">
             <a:solidFill>
               <a:srgbClr val="7030A0"/>
             </a:solidFill>
             <a:headEnd type="none" w="med" len="med"/>
-            <a:tailEnd type="arrow" w="med" len="med"/>
+            <a:tailEnd type="triangle" w="lg" len="lg"/>
           </a:ln>
           <a:effectLst/>
         </p:spPr>
@@ -4886,14 +6407,20 @@
       </p:cxnSp>
       <p:sp>
         <p:nvSpPr>
-          <p:cNvPr id="83" name="Rectangle 8"/>
+          <p:cNvPr id="127" name="Rectangle 8">
+            <a:extLst>
+              <a:ext uri="{FF2B5EF4-FFF2-40B4-BE49-F238E27FC236}">
+                <a16:creationId xmlns:a16="http://schemas.microsoft.com/office/drawing/2014/main" id="{0A3C8625-5041-4D88-ACFA-C446B027EFFA}"/>
+              </a:ext>
+            </a:extLst>
+          </p:cNvPr>
           <p:cNvSpPr/>
           <p:nvPr/>
         </p:nvSpPr>
         <p:spPr>
           <a:xfrm>
-            <a:off x="7712397" y="3210194"/>
-            <a:ext cx="708186" cy="285783"/>
+            <a:off x="7240758" y="2517187"/>
+            <a:ext cx="1003753" cy="346760"/>
           </a:xfrm>
           <a:prstGeom prst="rect">
             <a:avLst/>
@@ -4925,12 +6452,12 @@
           <a:p>
             <a:pPr algn="ctr"/>
             <a:r>
-              <a:rPr lang="en-US" sz="1050" dirty="0" smtClean="0">
+              <a:rPr lang="en-US" sz="1050" dirty="0" err="1">
                 <a:solidFill>
                   <a:srgbClr val="7030A0"/>
                 </a:solidFill>
               </a:rPr>
-              <a:t>Email</a:t>
+              <a:t>VetTechnician</a:t>
             </a:r>
             <a:endParaRPr lang="en-SG" sz="1050" dirty="0">
               <a:solidFill>
@@ -4942,20 +6469,78 @@
       </p:sp>
       <p:cxnSp>
         <p:nvCxnSpPr>
-          <p:cNvPr id="84" name="Elbow Connector 83"/>
+          <p:cNvPr id="128" name="Elbow Connector 49">
+            <a:extLst>
+              <a:ext uri="{FF2B5EF4-FFF2-40B4-BE49-F238E27FC236}">
+                <a16:creationId xmlns:a16="http://schemas.microsoft.com/office/drawing/2014/main" id="{19D2427A-13CE-4DE9-9861-419D357939D6}"/>
+              </a:ext>
+            </a:extLst>
+          </p:cNvPr>
           <p:cNvCxnSpPr>
-            <a:stCxn id="78" idx="3"/>
-            <a:endCxn id="83" idx="1"/>
+            <a:cxnSpLocks/>
+            <a:stCxn id="127" idx="1"/>
           </p:cNvCxnSpPr>
           <p:nvPr/>
         </p:nvCxnSpPr>
         <p:spPr>
-          <a:xfrm>
-            <a:off x="7277995" y="3034891"/>
-            <a:ext cx="434402" cy="318195"/>
+          <a:xfrm rot="10800000">
+            <a:off x="6685314" y="2277745"/>
+            <a:ext cx="555445" cy="412822"/>
           </a:xfrm>
           <a:prstGeom prst="bentConnector3">
-            <a:avLst/>
+            <a:avLst>
+              <a:gd name="adj1" fmla="val 50000"/>
+            </a:avLst>
+          </a:prstGeom>
+          <a:ln w="19050">
+            <a:solidFill>
+              <a:srgbClr val="7030A0"/>
+            </a:solidFill>
+            <a:headEnd type="none" w="sm" len="sm"/>
+            <a:tailEnd type="triangle" w="lg" len="lg"/>
+          </a:ln>
+          <a:effectLst/>
+        </p:spPr>
+        <p:style>
+          <a:lnRef idx="1">
+            <a:schemeClr val="accent2"/>
+          </a:lnRef>
+          <a:fillRef idx="2">
+            <a:schemeClr val="accent2"/>
+          </a:fillRef>
+          <a:effectRef idx="1">
+            <a:schemeClr val="accent2"/>
+          </a:effectRef>
+          <a:fontRef idx="minor">
+            <a:schemeClr val="dk1"/>
+          </a:fontRef>
+        </p:style>
+      </p:cxnSp>
+      <p:cxnSp>
+        <p:nvCxnSpPr>
+          <p:cNvPr id="284" name="Elbow Connector 29">
+            <a:extLst>
+              <a:ext uri="{FF2B5EF4-FFF2-40B4-BE49-F238E27FC236}">
+                <a16:creationId xmlns:a16="http://schemas.microsoft.com/office/drawing/2014/main" id="{10438FCD-D99D-43A9-A170-88D799CA3769}"/>
+              </a:ext>
+            </a:extLst>
+          </p:cNvPr>
+          <p:cNvCxnSpPr>
+            <a:cxnSpLocks/>
+            <a:stCxn id="51" idx="3"/>
+            <a:endCxn id="95" idx="1"/>
+          </p:cNvCxnSpPr>
+          <p:nvPr/>
+        </p:nvCxnSpPr>
+        <p:spPr>
+          <a:xfrm>
+            <a:off x="3824638" y="1914837"/>
+            <a:ext cx="367424" cy="1963121"/>
+          </a:xfrm>
+          <a:prstGeom prst="bentConnector3">
+            <a:avLst>
+              <a:gd name="adj1" fmla="val 50000"/>
+            </a:avLst>
           </a:prstGeom>
           <a:ln w="19050">
             <a:solidFill>
@@ -4983,14 +6568,255 @@
       </p:cxnSp>
       <p:sp>
         <p:nvSpPr>
-          <p:cNvPr id="85" name="Rectangle 8"/>
+          <p:cNvPr id="290" name="TextBox 289">
+            <a:extLst>
+              <a:ext uri="{FF2B5EF4-FFF2-40B4-BE49-F238E27FC236}">
+                <a16:creationId xmlns:a16="http://schemas.microsoft.com/office/drawing/2014/main" id="{3E9D0015-6663-4DB5-B443-FE55C3DA7871}"/>
+              </a:ext>
+            </a:extLst>
+          </p:cNvPr>
+          <p:cNvSpPr txBox="1"/>
+          <p:nvPr/>
+        </p:nvSpPr>
+        <p:spPr>
+          <a:xfrm>
+            <a:off x="4038820" y="3629991"/>
+            <a:ext cx="189257" cy="178683"/>
+          </a:xfrm>
+          <a:prstGeom prst="rect">
+            <a:avLst/>
+          </a:prstGeom>
+          <a:noFill/>
+        </p:spPr>
+        <p:txBody>
+          <a:bodyPr wrap="square" lIns="0" tIns="0" rIns="0" bIns="0" rtlCol="0">
+            <a:noAutofit/>
+          </a:bodyPr>
+          <a:lstStyle/>
+          <a:p>
+            <a:pPr algn="ctr"/>
+            <a:r>
+              <a:rPr lang="en-US" sz="1100" dirty="0">
+                <a:solidFill>
+                  <a:srgbClr val="7030A0"/>
+                </a:solidFill>
+              </a:rPr>
+              <a:t>1</a:t>
+            </a:r>
+            <a:endParaRPr lang="en-SG" sz="1100" dirty="0">
+              <a:solidFill>
+                <a:srgbClr val="7030A0"/>
+              </a:solidFill>
+            </a:endParaRPr>
+          </a:p>
+        </p:txBody>
+      </p:sp>
+      <p:cxnSp>
+        <p:nvCxnSpPr>
+          <p:cNvPr id="291" name="Elbow Connector 29">
+            <a:extLst>
+              <a:ext uri="{FF2B5EF4-FFF2-40B4-BE49-F238E27FC236}">
+                <a16:creationId xmlns:a16="http://schemas.microsoft.com/office/drawing/2014/main" id="{1FD8A6AA-0CAC-47EF-869C-7858551B9086}"/>
+              </a:ext>
+            </a:extLst>
+          </p:cNvPr>
+          <p:cNvCxnSpPr>
+            <a:cxnSpLocks/>
+            <a:stCxn id="51" idx="3"/>
+            <a:endCxn id="108" idx="1"/>
+          </p:cNvCxnSpPr>
+          <p:nvPr/>
+        </p:nvCxnSpPr>
+        <p:spPr>
+          <a:xfrm>
+            <a:off x="3824638" y="1914837"/>
+            <a:ext cx="366031" cy="2728757"/>
+          </a:xfrm>
+          <a:prstGeom prst="bentConnector3">
+            <a:avLst>
+              <a:gd name="adj1" fmla="val 50000"/>
+            </a:avLst>
+          </a:prstGeom>
+          <a:ln w="19050">
+            <a:solidFill>
+              <a:srgbClr val="7030A0"/>
+            </a:solidFill>
+            <a:headEnd type="none" w="med" len="med"/>
+            <a:tailEnd type="arrow" w="med" len="med"/>
+          </a:ln>
+          <a:effectLst/>
+        </p:spPr>
+        <p:style>
+          <a:lnRef idx="1">
+            <a:schemeClr val="accent2"/>
+          </a:lnRef>
+          <a:fillRef idx="2">
+            <a:schemeClr val="accent2"/>
+          </a:fillRef>
+          <a:effectRef idx="1">
+            <a:schemeClr val="accent2"/>
+          </a:effectRef>
+          <a:fontRef idx="minor">
+            <a:schemeClr val="dk1"/>
+          </a:fontRef>
+        </p:style>
+      </p:cxnSp>
+      <p:cxnSp>
+        <p:nvCxnSpPr>
+          <p:cNvPr id="82" name="Elbow Connector 106">
+            <a:extLst>
+              <a:ext uri="{FF2B5EF4-FFF2-40B4-BE49-F238E27FC236}">
+                <a16:creationId xmlns:a16="http://schemas.microsoft.com/office/drawing/2014/main" id="{58A961EE-6CD3-4BF4-96BC-173367E3A406}"/>
+              </a:ext>
+            </a:extLst>
+          </p:cNvPr>
+          <p:cNvCxnSpPr>
+            <a:cxnSpLocks/>
+          </p:cNvCxnSpPr>
+          <p:nvPr/>
+        </p:nvCxnSpPr>
+        <p:spPr>
+          <a:xfrm rot="5400000" flipH="1" flipV="1">
+            <a:off x="3961681" y="248598"/>
+            <a:ext cx="378691" cy="4637261"/>
+          </a:xfrm>
+          <a:prstGeom prst="bentConnector4">
+            <a:avLst>
+              <a:gd name="adj1" fmla="val -42268"/>
+              <a:gd name="adj2" fmla="val 99976"/>
+            </a:avLst>
+          </a:prstGeom>
+          <a:ln w="19050">
+            <a:solidFill>
+              <a:srgbClr val="7030A0"/>
+            </a:solidFill>
+            <a:prstDash val="solid"/>
+            <a:headEnd type="none" w="med" len="med"/>
+            <a:tailEnd type="arrow" w="med" len="med"/>
+          </a:ln>
+          <a:effectLst/>
+        </p:spPr>
+        <p:style>
+          <a:lnRef idx="1">
+            <a:schemeClr val="accent2"/>
+          </a:lnRef>
+          <a:fillRef idx="2">
+            <a:schemeClr val="accent2"/>
+          </a:fillRef>
+          <a:effectRef idx="1">
+            <a:schemeClr val="accent2"/>
+          </a:effectRef>
+          <a:fontRef idx="minor">
+            <a:schemeClr val="dk1"/>
+          </a:fontRef>
+        </p:style>
+      </p:cxnSp>
+      <p:sp>
+        <p:nvSpPr>
+          <p:cNvPr id="87" name="TextBox 86">
+            <a:extLst>
+              <a:ext uri="{FF2B5EF4-FFF2-40B4-BE49-F238E27FC236}">
+                <a16:creationId xmlns:a16="http://schemas.microsoft.com/office/drawing/2014/main" id="{205FBB9F-69CA-47A5-8557-A5D7059584C8}"/>
+              </a:ext>
+            </a:extLst>
+          </p:cNvPr>
+          <p:cNvSpPr txBox="1"/>
+          <p:nvPr/>
+        </p:nvSpPr>
+        <p:spPr>
+          <a:xfrm rot="16200000">
+            <a:off x="6148470" y="2662929"/>
+            <a:ext cx="881018" cy="215444"/>
+          </a:xfrm>
+          <a:prstGeom prst="rect">
+            <a:avLst/>
+          </a:prstGeom>
+          <a:noFill/>
+        </p:spPr>
+        <p:txBody>
+          <a:bodyPr wrap="square" rtlCol="0">
+            <a:spAutoFit/>
+          </a:bodyPr>
+          <a:lstStyle/>
+          <a:p>
+            <a:pPr algn="r"/>
+            <a:r>
+              <a:rPr lang="en-US" sz="800" dirty="0">
+                <a:solidFill>
+                  <a:srgbClr val="7030A0"/>
+                </a:solidFill>
+              </a:rPr>
+              <a:t>filtered list</a:t>
+            </a:r>
+            <a:endParaRPr lang="en-SG" sz="800" dirty="0">
+              <a:solidFill>
+                <a:srgbClr val="7030A0"/>
+              </a:solidFill>
+            </a:endParaRPr>
+          </a:p>
+        </p:txBody>
+      </p:sp>
+      <p:sp>
+        <p:nvSpPr>
+          <p:cNvPr id="88" name="TextBox 87">
+            <a:extLst>
+              <a:ext uri="{FF2B5EF4-FFF2-40B4-BE49-F238E27FC236}">
+                <a16:creationId xmlns:a16="http://schemas.microsoft.com/office/drawing/2014/main" id="{30840EA7-4A8E-4DB6-B02D-A29193C542D2}"/>
+              </a:ext>
+            </a:extLst>
+          </p:cNvPr>
+          <p:cNvSpPr txBox="1"/>
+          <p:nvPr/>
+        </p:nvSpPr>
+        <p:spPr>
+          <a:xfrm>
+            <a:off x="6257412" y="2363766"/>
+            <a:ext cx="189257" cy="178683"/>
+          </a:xfrm>
+          <a:prstGeom prst="rect">
+            <a:avLst/>
+          </a:prstGeom>
+          <a:noFill/>
+        </p:spPr>
+        <p:txBody>
+          <a:bodyPr wrap="square" lIns="0" tIns="0" rIns="0" bIns="0" rtlCol="0">
+            <a:noAutofit/>
+          </a:bodyPr>
+          <a:lstStyle/>
+          <a:p>
+            <a:pPr algn="ctr"/>
+            <a:r>
+              <a:rPr lang="en-US" sz="1100" dirty="0">
+                <a:solidFill>
+                  <a:srgbClr val="7030A0"/>
+                </a:solidFill>
+              </a:rPr>
+              <a:t>1</a:t>
+            </a:r>
+            <a:endParaRPr lang="en-SG" sz="1100" dirty="0">
+              <a:solidFill>
+                <a:srgbClr val="7030A0"/>
+              </a:solidFill>
+            </a:endParaRPr>
+          </a:p>
+        </p:txBody>
+      </p:sp>
+      <p:sp>
+        <p:nvSpPr>
+          <p:cNvPr id="91" name="Rectangle 8">
+            <a:extLst>
+              <a:ext uri="{FF2B5EF4-FFF2-40B4-BE49-F238E27FC236}">
+                <a16:creationId xmlns:a16="http://schemas.microsoft.com/office/drawing/2014/main" id="{CF6763CD-DBB1-404C-965C-B580B1003DE6}"/>
+              </a:ext>
+            </a:extLst>
+          </p:cNvPr>
           <p:cNvSpPr/>
           <p:nvPr/>
         </p:nvSpPr>
         <p:spPr>
           <a:xfrm>
-            <a:off x="7712397" y="3533171"/>
-            <a:ext cx="708186" cy="285783"/>
+            <a:off x="4198610" y="4996985"/>
+            <a:ext cx="990600" cy="346760"/>
           </a:xfrm>
           <a:prstGeom prst="rect">
             <a:avLst/>
@@ -5022,12 +6848,12 @@
           <a:p>
             <a:pPr algn="ctr"/>
             <a:r>
-              <a:rPr lang="en-US" sz="1050" dirty="0" smtClean="0">
+              <a:rPr lang="en-US" sz="1050" dirty="0" err="1">
                 <a:solidFill>
                   <a:srgbClr val="7030A0"/>
                 </a:solidFill>
               </a:rPr>
-              <a:t>Address</a:t>
+              <a:t>ClientOwnPet</a:t>
             </a:r>
             <a:endParaRPr lang="en-SG" sz="1050" dirty="0">
               <a:solidFill>
@@ -5039,20 +6865,29 @@
       </p:sp>
       <p:cxnSp>
         <p:nvCxnSpPr>
-          <p:cNvPr id="86" name="Elbow Connector 85"/>
+          <p:cNvPr id="92" name="Elbow Connector 80">
+            <a:extLst>
+              <a:ext uri="{FF2B5EF4-FFF2-40B4-BE49-F238E27FC236}">
+                <a16:creationId xmlns:a16="http://schemas.microsoft.com/office/drawing/2014/main" id="{76F209EC-BDD9-4E94-A2C8-F77A68A92143}"/>
+              </a:ext>
+            </a:extLst>
+          </p:cNvPr>
           <p:cNvCxnSpPr>
-            <a:stCxn id="78" idx="3"/>
-            <a:endCxn id="85" idx="1"/>
+            <a:cxnSpLocks/>
+            <a:stCxn id="91" idx="2"/>
+            <a:endCxn id="96" idx="2"/>
           </p:cNvCxnSpPr>
           <p:nvPr/>
         </p:nvCxnSpPr>
         <p:spPr>
-          <a:xfrm>
-            <a:off x="7277995" y="3034891"/>
-            <a:ext cx="434402" cy="641172"/>
+          <a:xfrm rot="5400000" flipH="1" flipV="1">
+            <a:off x="5284563" y="4232960"/>
+            <a:ext cx="520131" cy="1701439"/>
           </a:xfrm>
           <a:prstGeom prst="bentConnector3">
-            <a:avLst/>
+            <a:avLst>
+              <a:gd name="adj1" fmla="val -43950"/>
+            </a:avLst>
           </a:prstGeom>
           <a:ln w="19050">
             <a:solidFill>
@@ -5080,29 +6915,37 @@
       </p:cxnSp>
       <p:cxnSp>
         <p:nvCxnSpPr>
-          <p:cNvPr id="97" name="Elbow Connector 63"/>
+          <p:cNvPr id="102" name="Elbow Connector 80">
+            <a:extLst>
+              <a:ext uri="{FF2B5EF4-FFF2-40B4-BE49-F238E27FC236}">
+                <a16:creationId xmlns:a16="http://schemas.microsoft.com/office/drawing/2014/main" id="{D302C09F-6430-4EC6-BE60-F9D82867195B}"/>
+              </a:ext>
+            </a:extLst>
+          </p:cNvPr>
           <p:cNvCxnSpPr>
-            <a:stCxn id="99" idx="3"/>
+            <a:cxnSpLocks/>
+            <a:stCxn id="91" idx="2"/>
+            <a:endCxn id="123" idx="3"/>
           </p:cNvCxnSpPr>
           <p:nvPr/>
         </p:nvCxnSpPr>
         <p:spPr>
-          <a:xfrm rot="16200000" flipH="1">
-            <a:off x="3279321" y="2485431"/>
-            <a:ext cx="293825" cy="1"/>
-          </a:xfrm>
-          <a:prstGeom prst="bentConnector3">
+          <a:xfrm rot="5400000" flipH="1" flipV="1">
+            <a:off x="4933819" y="2043770"/>
+            <a:ext cx="3060065" cy="3539885"/>
+          </a:xfrm>
+          <a:prstGeom prst="bentConnector4">
             <a:avLst>
-              <a:gd name="adj1" fmla="val 50000"/>
+              <a:gd name="adj1" fmla="val -7470"/>
+              <a:gd name="adj2" fmla="val 106458"/>
             </a:avLst>
           </a:prstGeom>
           <a:ln w="19050">
             <a:solidFill>
               <a:srgbClr val="7030A0"/>
             </a:solidFill>
-            <a:prstDash val="sysDot"/>
             <a:headEnd type="none" w="med" len="med"/>
-            <a:tailEnd type="none" w="med" len="med"/>
+            <a:tailEnd type="arrow" w="med" len="med"/>
           </a:ln>
           <a:effectLst/>
         </p:spPr>
@@ -5121,18 +6964,1097 @@
           </a:fontRef>
         </p:style>
       </p:cxnSp>
-      <p:sp>
-        <p:nvSpPr>
-          <p:cNvPr id="99" name="Isosceles Triangle 102"/>
+      <p:cxnSp>
+        <p:nvCxnSpPr>
+          <p:cNvPr id="103" name="Elbow Connector 29">
+            <a:extLst>
+              <a:ext uri="{FF2B5EF4-FFF2-40B4-BE49-F238E27FC236}">
+                <a16:creationId xmlns:a16="http://schemas.microsoft.com/office/drawing/2014/main" id="{0C86D3EB-AB9F-4176-95B3-C9952F9BB1BC}"/>
+              </a:ext>
+            </a:extLst>
+          </p:cNvPr>
+          <p:cNvCxnSpPr>
+            <a:cxnSpLocks/>
+            <a:stCxn id="51" idx="3"/>
+            <a:endCxn id="91" idx="1"/>
+          </p:cNvCxnSpPr>
+          <p:nvPr/>
+        </p:nvCxnSpPr>
+        <p:spPr>
+          <a:xfrm>
+            <a:off x="3824638" y="1914837"/>
+            <a:ext cx="373972" cy="3255528"/>
+          </a:xfrm>
+          <a:prstGeom prst="bentConnector3">
+            <a:avLst>
+              <a:gd name="adj1" fmla="val 50000"/>
+            </a:avLst>
+          </a:prstGeom>
+          <a:ln w="19050">
+            <a:solidFill>
+              <a:srgbClr val="7030A0"/>
+            </a:solidFill>
+            <a:headEnd type="none" w="med" len="med"/>
+            <a:tailEnd type="arrow" w="med" len="med"/>
+          </a:ln>
+          <a:effectLst/>
+        </p:spPr>
+        <p:style>
+          <a:lnRef idx="1">
+            <a:schemeClr val="accent2"/>
+          </a:lnRef>
+          <a:fillRef idx="2">
+            <a:schemeClr val="accent2"/>
+          </a:fillRef>
+          <a:effectRef idx="1">
+            <a:schemeClr val="accent2"/>
+          </a:effectRef>
+          <a:fontRef idx="minor">
+            <a:schemeClr val="dk1"/>
+          </a:fontRef>
+        </p:style>
+      </p:cxnSp>
+      <p:sp>
+        <p:nvSpPr>
+          <p:cNvPr id="106" name="TextBox 105">
+            <a:extLst>
+              <a:ext uri="{FF2B5EF4-FFF2-40B4-BE49-F238E27FC236}">
+                <a16:creationId xmlns:a16="http://schemas.microsoft.com/office/drawing/2014/main" id="{AA7871C9-EBEC-4FA4-A71D-18A7950227C2}"/>
+              </a:ext>
+            </a:extLst>
+          </p:cNvPr>
+          <p:cNvSpPr txBox="1"/>
+          <p:nvPr/>
+        </p:nvSpPr>
+        <p:spPr>
+          <a:xfrm>
+            <a:off x="4032221" y="4395628"/>
+            <a:ext cx="189257" cy="178683"/>
+          </a:xfrm>
+          <a:prstGeom prst="rect">
+            <a:avLst/>
+          </a:prstGeom>
+          <a:noFill/>
+        </p:spPr>
+        <p:txBody>
+          <a:bodyPr wrap="square" lIns="0" tIns="0" rIns="0" bIns="0" rtlCol="0">
+            <a:noAutofit/>
+          </a:bodyPr>
+          <a:lstStyle/>
+          <a:p>
+            <a:pPr algn="ctr"/>
+            <a:r>
+              <a:rPr lang="en-US" sz="1100" dirty="0">
+                <a:solidFill>
+                  <a:srgbClr val="7030A0"/>
+                </a:solidFill>
+              </a:rPr>
+              <a:t>1</a:t>
+            </a:r>
+            <a:endParaRPr lang="en-SG" sz="1100" dirty="0">
+              <a:solidFill>
+                <a:srgbClr val="7030A0"/>
+              </a:solidFill>
+            </a:endParaRPr>
+          </a:p>
+        </p:txBody>
+      </p:sp>
+      <p:sp>
+        <p:nvSpPr>
+          <p:cNvPr id="107" name="TextBox 106">
+            <a:extLst>
+              <a:ext uri="{FF2B5EF4-FFF2-40B4-BE49-F238E27FC236}">
+                <a16:creationId xmlns:a16="http://schemas.microsoft.com/office/drawing/2014/main" id="{FE701FB4-923C-4A2E-89C8-EA76AE8BA981}"/>
+              </a:ext>
+            </a:extLst>
+          </p:cNvPr>
+          <p:cNvSpPr txBox="1"/>
+          <p:nvPr/>
+        </p:nvSpPr>
+        <p:spPr>
+          <a:xfrm>
+            <a:off x="4015610" y="4957125"/>
+            <a:ext cx="189257" cy="178683"/>
+          </a:xfrm>
+          <a:prstGeom prst="rect">
+            <a:avLst/>
+          </a:prstGeom>
+          <a:noFill/>
+        </p:spPr>
+        <p:txBody>
+          <a:bodyPr wrap="square" lIns="0" tIns="0" rIns="0" bIns="0" rtlCol="0">
+            <a:noAutofit/>
+          </a:bodyPr>
+          <a:lstStyle/>
+          <a:p>
+            <a:pPr algn="ctr"/>
+            <a:r>
+              <a:rPr lang="en-US" sz="1100" dirty="0">
+                <a:solidFill>
+                  <a:srgbClr val="7030A0"/>
+                </a:solidFill>
+              </a:rPr>
+              <a:t>*</a:t>
+            </a:r>
+            <a:endParaRPr lang="en-SG" sz="1100" dirty="0">
+              <a:solidFill>
+                <a:srgbClr val="7030A0"/>
+              </a:solidFill>
+            </a:endParaRPr>
+          </a:p>
+        </p:txBody>
+      </p:sp>
+      <p:sp>
+        <p:nvSpPr>
+          <p:cNvPr id="114" name="TextBox 113">
+            <a:extLst>
+              <a:ext uri="{FF2B5EF4-FFF2-40B4-BE49-F238E27FC236}">
+                <a16:creationId xmlns:a16="http://schemas.microsoft.com/office/drawing/2014/main" id="{A848EA23-DEE5-4CD9-A1DA-1E9CCD3C68D7}"/>
+              </a:ext>
+            </a:extLst>
+          </p:cNvPr>
+          <p:cNvSpPr txBox="1"/>
+          <p:nvPr/>
+        </p:nvSpPr>
+        <p:spPr>
+          <a:xfrm>
+            <a:off x="6186263" y="4857560"/>
+            <a:ext cx="189257" cy="178683"/>
+          </a:xfrm>
+          <a:prstGeom prst="rect">
+            <a:avLst/>
+          </a:prstGeom>
+          <a:noFill/>
+        </p:spPr>
+        <p:txBody>
+          <a:bodyPr wrap="square" lIns="0" tIns="0" rIns="0" bIns="0" rtlCol="0">
+            <a:noAutofit/>
+          </a:bodyPr>
+          <a:lstStyle/>
+          <a:p>
+            <a:pPr algn="ctr"/>
+            <a:r>
+              <a:rPr lang="en-US" sz="1100" dirty="0">
+                <a:solidFill>
+                  <a:srgbClr val="7030A0"/>
+                </a:solidFill>
+              </a:rPr>
+              <a:t>1</a:t>
+            </a:r>
+            <a:endParaRPr lang="en-SG" sz="1100" dirty="0">
+              <a:solidFill>
+                <a:srgbClr val="7030A0"/>
+              </a:solidFill>
+            </a:endParaRPr>
+          </a:p>
+        </p:txBody>
+      </p:sp>
+      <p:sp>
+        <p:nvSpPr>
+          <p:cNvPr id="117" name="TextBox 116">
+            <a:extLst>
+              <a:ext uri="{FF2B5EF4-FFF2-40B4-BE49-F238E27FC236}">
+                <a16:creationId xmlns:a16="http://schemas.microsoft.com/office/drawing/2014/main" id="{9CDA6DBD-C292-4AEA-8DCD-4CD23102A19D}"/>
+              </a:ext>
+            </a:extLst>
+          </p:cNvPr>
+          <p:cNvSpPr txBox="1"/>
+          <p:nvPr/>
+        </p:nvSpPr>
+        <p:spPr>
+          <a:xfrm>
+            <a:off x="8229329" y="2333359"/>
+            <a:ext cx="189257" cy="178683"/>
+          </a:xfrm>
+          <a:prstGeom prst="rect">
+            <a:avLst/>
+          </a:prstGeom>
+          <a:noFill/>
+        </p:spPr>
+        <p:txBody>
+          <a:bodyPr wrap="square" lIns="0" tIns="0" rIns="0" bIns="0" rtlCol="0">
+            <a:noAutofit/>
+          </a:bodyPr>
+          <a:lstStyle/>
+          <a:p>
+            <a:pPr algn="ctr"/>
+            <a:r>
+              <a:rPr lang="en-US" sz="1100" dirty="0">
+                <a:solidFill>
+                  <a:srgbClr val="7030A0"/>
+                </a:solidFill>
+              </a:rPr>
+              <a:t>1</a:t>
+            </a:r>
+            <a:endParaRPr lang="en-SG" sz="1100" dirty="0">
+              <a:solidFill>
+                <a:srgbClr val="7030A0"/>
+              </a:solidFill>
+            </a:endParaRPr>
+          </a:p>
+        </p:txBody>
+      </p:sp>
+      <p:sp>
+        <p:nvSpPr>
+          <p:cNvPr id="161" name="TextBox 160">
+            <a:extLst>
+              <a:ext uri="{FF2B5EF4-FFF2-40B4-BE49-F238E27FC236}">
+                <a16:creationId xmlns:a16="http://schemas.microsoft.com/office/drawing/2014/main" id="{F786C569-7D1B-437D-9A62-41109A795EFF}"/>
+              </a:ext>
+            </a:extLst>
+          </p:cNvPr>
+          <p:cNvSpPr txBox="1"/>
+          <p:nvPr/>
+        </p:nvSpPr>
+        <p:spPr>
+          <a:xfrm>
+            <a:off x="4096040" y="5380652"/>
+            <a:ext cx="189257" cy="178683"/>
+          </a:xfrm>
+          <a:prstGeom prst="rect">
+            <a:avLst/>
+          </a:prstGeom>
+          <a:noFill/>
+        </p:spPr>
+        <p:txBody>
+          <a:bodyPr wrap="square" lIns="0" tIns="0" rIns="0" bIns="0" rtlCol="0">
+            <a:noAutofit/>
+          </a:bodyPr>
+          <a:lstStyle/>
+          <a:p>
+            <a:pPr algn="ctr"/>
+            <a:r>
+              <a:rPr lang="en-US" sz="1100" dirty="0">
+                <a:solidFill>
+                  <a:srgbClr val="7030A0"/>
+                </a:solidFill>
+              </a:rPr>
+              <a:t>1</a:t>
+            </a:r>
+            <a:endParaRPr lang="en-SG" sz="1100" dirty="0">
+              <a:solidFill>
+                <a:srgbClr val="7030A0"/>
+              </a:solidFill>
+            </a:endParaRPr>
+          </a:p>
+        </p:txBody>
+      </p:sp>
+      <p:cxnSp>
+        <p:nvCxnSpPr>
+          <p:cNvPr id="162" name="Elbow Connector 80">
+            <a:extLst>
+              <a:ext uri="{FF2B5EF4-FFF2-40B4-BE49-F238E27FC236}">
+                <a16:creationId xmlns:a16="http://schemas.microsoft.com/office/drawing/2014/main" id="{F8CE27CD-D4C1-4757-A35C-242527B790F9}"/>
+              </a:ext>
+            </a:extLst>
+          </p:cNvPr>
+          <p:cNvCxnSpPr>
+            <a:cxnSpLocks/>
+            <a:stCxn id="52" idx="0"/>
+            <a:endCxn id="127" idx="2"/>
+          </p:cNvCxnSpPr>
+          <p:nvPr/>
+        </p:nvCxnSpPr>
+        <p:spPr>
+          <a:xfrm rot="5400000" flipH="1" flipV="1">
+            <a:off x="6806635" y="2755948"/>
+            <a:ext cx="828000" cy="1044000"/>
+          </a:xfrm>
+          <a:prstGeom prst="bentConnector3">
+            <a:avLst>
+              <a:gd name="adj1" fmla="val 50000"/>
+            </a:avLst>
+          </a:prstGeom>
+          <a:ln w="19050">
+            <a:solidFill>
+              <a:srgbClr val="7030A0"/>
+            </a:solidFill>
+            <a:headEnd type="none" w="med" len="med"/>
+            <a:tailEnd type="arrow" w="med" len="med"/>
+          </a:ln>
+          <a:effectLst/>
+        </p:spPr>
+        <p:style>
+          <a:lnRef idx="1">
+            <a:schemeClr val="accent2"/>
+          </a:lnRef>
+          <a:fillRef idx="2">
+            <a:schemeClr val="accent2"/>
+          </a:fillRef>
+          <a:effectRef idx="1">
+            <a:schemeClr val="accent2"/>
+          </a:effectRef>
+          <a:fontRef idx="minor">
+            <a:schemeClr val="dk1"/>
+          </a:fontRef>
+        </p:style>
+      </p:cxnSp>
+      <p:sp>
+        <p:nvSpPr>
+          <p:cNvPr id="166" name="TextBox 165">
+            <a:extLst>
+              <a:ext uri="{FF2B5EF4-FFF2-40B4-BE49-F238E27FC236}">
+                <a16:creationId xmlns:a16="http://schemas.microsoft.com/office/drawing/2014/main" id="{7B027C2E-23CB-4672-8371-1AB01E39CFE6}"/>
+              </a:ext>
+            </a:extLst>
+          </p:cNvPr>
+          <p:cNvSpPr txBox="1"/>
+          <p:nvPr/>
+        </p:nvSpPr>
+        <p:spPr>
+          <a:xfrm>
+            <a:off x="7480360" y="2879686"/>
+            <a:ext cx="189257" cy="178683"/>
+          </a:xfrm>
+          <a:prstGeom prst="rect">
+            <a:avLst/>
+          </a:prstGeom>
+          <a:noFill/>
+        </p:spPr>
+        <p:txBody>
+          <a:bodyPr wrap="square" lIns="0" tIns="0" rIns="0" bIns="0" rtlCol="0">
+            <a:noAutofit/>
+          </a:bodyPr>
+          <a:lstStyle/>
+          <a:p>
+            <a:pPr algn="ctr"/>
+            <a:r>
+              <a:rPr lang="en-US" sz="1100" dirty="0">
+                <a:solidFill>
+                  <a:srgbClr val="7030A0"/>
+                </a:solidFill>
+              </a:rPr>
+              <a:t>1</a:t>
+            </a:r>
+            <a:endParaRPr lang="en-SG" sz="1100" dirty="0">
+              <a:solidFill>
+                <a:srgbClr val="7030A0"/>
+              </a:solidFill>
+            </a:endParaRPr>
+          </a:p>
+        </p:txBody>
+      </p:sp>
+      <p:cxnSp>
+        <p:nvCxnSpPr>
+          <p:cNvPr id="230" name="Elbow Connector 106">
+            <a:extLst>
+              <a:ext uri="{FF2B5EF4-FFF2-40B4-BE49-F238E27FC236}">
+                <a16:creationId xmlns:a16="http://schemas.microsoft.com/office/drawing/2014/main" id="{788B586B-C709-4982-898B-F0B218848376}"/>
+              </a:ext>
+            </a:extLst>
+          </p:cNvPr>
+          <p:cNvCxnSpPr>
+            <a:cxnSpLocks/>
+          </p:cNvCxnSpPr>
+          <p:nvPr/>
+        </p:nvCxnSpPr>
+        <p:spPr>
+          <a:xfrm rot="16200000" flipH="1">
+            <a:off x="1878962" y="2730946"/>
+            <a:ext cx="2582315" cy="2670104"/>
+          </a:xfrm>
+          <a:prstGeom prst="bentConnector3">
+            <a:avLst>
+              <a:gd name="adj1" fmla="val 116879"/>
+            </a:avLst>
+          </a:prstGeom>
+          <a:ln w="19050">
+            <a:solidFill>
+              <a:srgbClr val="7030A0"/>
+            </a:solidFill>
+            <a:prstDash val="solid"/>
+            <a:headEnd type="none" w="med" len="med"/>
+            <a:tailEnd type="arrow" w="med" len="med"/>
+          </a:ln>
+          <a:effectLst/>
+        </p:spPr>
+        <p:style>
+          <a:lnRef idx="1">
+            <a:schemeClr val="accent2"/>
+          </a:lnRef>
+          <a:fillRef idx="2">
+            <a:schemeClr val="accent2"/>
+          </a:fillRef>
+          <a:effectRef idx="1">
+            <a:schemeClr val="accent2"/>
+          </a:effectRef>
+          <a:fontRef idx="minor">
+            <a:schemeClr val="dk1"/>
+          </a:fontRef>
+        </p:style>
+      </p:cxnSp>
+      <p:sp>
+        <p:nvSpPr>
+          <p:cNvPr id="246" name="TextBox 245">
+            <a:extLst>
+              <a:ext uri="{FF2B5EF4-FFF2-40B4-BE49-F238E27FC236}">
+                <a16:creationId xmlns:a16="http://schemas.microsoft.com/office/drawing/2014/main" id="{45C9AFF0-45E9-489C-B7DC-144578269D1C}"/>
+              </a:ext>
+            </a:extLst>
+          </p:cNvPr>
+          <p:cNvSpPr txBox="1"/>
+          <p:nvPr/>
+        </p:nvSpPr>
+        <p:spPr>
+          <a:xfrm>
+            <a:off x="3669729" y="5606369"/>
+            <a:ext cx="881018" cy="215444"/>
+          </a:xfrm>
+          <a:prstGeom prst="rect">
+            <a:avLst/>
+          </a:prstGeom>
+          <a:noFill/>
+        </p:spPr>
+        <p:txBody>
+          <a:bodyPr wrap="square" rtlCol="0">
+            <a:spAutoFit/>
+          </a:bodyPr>
+          <a:lstStyle/>
+          <a:p>
+            <a:pPr algn="r"/>
+            <a:r>
+              <a:rPr lang="en-US" sz="800" dirty="0">
+                <a:solidFill>
+                  <a:srgbClr val="7030A0"/>
+                </a:solidFill>
+              </a:rPr>
+              <a:t>filtered list</a:t>
+            </a:r>
+            <a:endParaRPr lang="en-SG" sz="800" dirty="0">
+              <a:solidFill>
+                <a:srgbClr val="7030A0"/>
+              </a:solidFill>
+            </a:endParaRPr>
+          </a:p>
+        </p:txBody>
+      </p:sp>
+      <p:sp>
+        <p:nvSpPr>
+          <p:cNvPr id="247" name="TextBox 246">
+            <a:extLst>
+              <a:ext uri="{FF2B5EF4-FFF2-40B4-BE49-F238E27FC236}">
+                <a16:creationId xmlns:a16="http://schemas.microsoft.com/office/drawing/2014/main" id="{6F3771FE-FA28-4117-82DA-ACFA68ACC3AC}"/>
+              </a:ext>
+            </a:extLst>
+          </p:cNvPr>
+          <p:cNvSpPr txBox="1"/>
+          <p:nvPr/>
+        </p:nvSpPr>
+        <p:spPr>
+          <a:xfrm>
+            <a:off x="4366483" y="5458564"/>
+            <a:ext cx="189257" cy="178683"/>
+          </a:xfrm>
+          <a:prstGeom prst="rect">
+            <a:avLst/>
+          </a:prstGeom>
+          <a:noFill/>
+        </p:spPr>
+        <p:txBody>
+          <a:bodyPr wrap="square" lIns="0" tIns="0" rIns="0" bIns="0" rtlCol="0">
+            <a:noAutofit/>
+          </a:bodyPr>
+          <a:lstStyle/>
+          <a:p>
+            <a:pPr algn="ctr"/>
+            <a:r>
+              <a:rPr lang="en-US" sz="1100" dirty="0">
+                <a:solidFill>
+                  <a:srgbClr val="7030A0"/>
+                </a:solidFill>
+              </a:rPr>
+              <a:t>1</a:t>
+            </a:r>
+            <a:endParaRPr lang="en-SG" sz="1100" dirty="0">
+              <a:solidFill>
+                <a:srgbClr val="7030A0"/>
+              </a:solidFill>
+            </a:endParaRPr>
+          </a:p>
+        </p:txBody>
+      </p:sp>
+      <p:cxnSp>
+        <p:nvCxnSpPr>
+          <p:cNvPr id="104" name="Elbow Connector 29">
+            <a:extLst>
+              <a:ext uri="{FF2B5EF4-FFF2-40B4-BE49-F238E27FC236}">
+                <a16:creationId xmlns:a16="http://schemas.microsoft.com/office/drawing/2014/main" id="{7CACF2C5-DE9C-488B-8408-2A550F1F9F53}"/>
+              </a:ext>
+            </a:extLst>
+          </p:cNvPr>
+          <p:cNvCxnSpPr>
+            <a:cxnSpLocks/>
+            <a:stCxn id="9" idx="1"/>
+            <a:endCxn id="52" idx="0"/>
+          </p:cNvCxnSpPr>
+          <p:nvPr/>
+        </p:nvCxnSpPr>
+        <p:spPr>
+          <a:xfrm rot="16200000" flipH="1">
+            <a:off x="3593970" y="984138"/>
+            <a:ext cx="946197" cy="4464000"/>
+          </a:xfrm>
+          <a:prstGeom prst="bentConnector3">
+            <a:avLst>
+              <a:gd name="adj1" fmla="val 18431"/>
+            </a:avLst>
+          </a:prstGeom>
+          <a:ln w="19050">
+            <a:solidFill>
+              <a:srgbClr val="7030A0"/>
+            </a:solidFill>
+            <a:headEnd type="none" w="med" len="med"/>
+            <a:tailEnd type="arrow" w="med" len="med"/>
+          </a:ln>
+          <a:effectLst/>
+        </p:spPr>
+        <p:style>
+          <a:lnRef idx="1">
+            <a:schemeClr val="accent2"/>
+          </a:lnRef>
+          <a:fillRef idx="2">
+            <a:schemeClr val="accent2"/>
+          </a:fillRef>
+          <a:effectRef idx="1">
+            <a:schemeClr val="accent2"/>
+          </a:effectRef>
+          <a:fontRef idx="minor">
+            <a:schemeClr val="dk1"/>
+          </a:fontRef>
+        </p:style>
+      </p:cxnSp>
+      <p:cxnSp>
+        <p:nvCxnSpPr>
+          <p:cNvPr id="130" name="Elbow Connector 80">
+            <a:extLst>
+              <a:ext uri="{FF2B5EF4-FFF2-40B4-BE49-F238E27FC236}">
+                <a16:creationId xmlns:a16="http://schemas.microsoft.com/office/drawing/2014/main" id="{379212F7-047C-454C-8FCB-7BB071F7FB96}"/>
+              </a:ext>
+            </a:extLst>
+          </p:cNvPr>
+          <p:cNvCxnSpPr>
+            <a:cxnSpLocks/>
+          </p:cNvCxnSpPr>
+          <p:nvPr/>
+        </p:nvCxnSpPr>
+        <p:spPr>
+          <a:xfrm rot="16200000" flipH="1" flipV="1">
+            <a:off x="4358222" y="3646817"/>
+            <a:ext cx="1654507" cy="1752759"/>
+          </a:xfrm>
+          <a:prstGeom prst="bentConnector5">
+            <a:avLst>
+              <a:gd name="adj1" fmla="val -13817"/>
+              <a:gd name="adj2" fmla="val 137277"/>
+              <a:gd name="adj3" fmla="val 113817"/>
+            </a:avLst>
+          </a:prstGeom>
+          <a:ln w="19050">
+            <a:solidFill>
+              <a:srgbClr val="7030A0"/>
+            </a:solidFill>
+            <a:headEnd type="none" w="med" len="med"/>
+            <a:tailEnd type="arrow" w="med" len="med"/>
+          </a:ln>
+          <a:effectLst/>
+        </p:spPr>
+        <p:style>
+          <a:lnRef idx="1">
+            <a:schemeClr val="accent2"/>
+          </a:lnRef>
+          <a:fillRef idx="2">
+            <a:schemeClr val="accent2"/>
+          </a:fillRef>
+          <a:effectRef idx="1">
+            <a:schemeClr val="accent2"/>
+          </a:effectRef>
+          <a:fontRef idx="minor">
+            <a:schemeClr val="dk1"/>
+          </a:fontRef>
+        </p:style>
+      </p:cxnSp>
+      <p:cxnSp>
+        <p:nvCxnSpPr>
+          <p:cNvPr id="131" name="Elbow Connector 106">
+            <a:extLst>
+              <a:ext uri="{FF2B5EF4-FFF2-40B4-BE49-F238E27FC236}">
+                <a16:creationId xmlns:a16="http://schemas.microsoft.com/office/drawing/2014/main" id="{2A154D5E-9CFB-42C7-B6D8-B49957836D4A}"/>
+              </a:ext>
+            </a:extLst>
+          </p:cNvPr>
+          <p:cNvCxnSpPr>
+            <a:cxnSpLocks/>
+            <a:stCxn id="9" idx="1"/>
+            <a:endCxn id="96" idx="2"/>
+          </p:cNvCxnSpPr>
+          <p:nvPr/>
+        </p:nvCxnSpPr>
+        <p:spPr>
+          <a:xfrm rot="16200000" flipH="1">
+            <a:off x="2918782" y="1659326"/>
+            <a:ext cx="2080573" cy="4248000"/>
+          </a:xfrm>
+          <a:prstGeom prst="bentConnector3">
+            <a:avLst>
+              <a:gd name="adj1" fmla="val 146440"/>
+            </a:avLst>
+          </a:prstGeom>
+          <a:ln w="19050">
+            <a:solidFill>
+              <a:srgbClr val="7030A0"/>
+            </a:solidFill>
+            <a:prstDash val="solid"/>
+            <a:headEnd type="none" w="med" len="med"/>
+            <a:tailEnd type="arrow" w="med" len="med"/>
+          </a:ln>
+          <a:effectLst/>
+        </p:spPr>
+        <p:style>
+          <a:lnRef idx="1">
+            <a:schemeClr val="accent2"/>
+          </a:lnRef>
+          <a:fillRef idx="2">
+            <a:schemeClr val="accent2"/>
+          </a:fillRef>
+          <a:effectRef idx="1">
+            <a:schemeClr val="accent2"/>
+          </a:effectRef>
+          <a:fontRef idx="minor">
+            <a:schemeClr val="dk1"/>
+          </a:fontRef>
+        </p:style>
+      </p:cxnSp>
+      <p:sp>
+        <p:nvSpPr>
+          <p:cNvPr id="132" name="TextBox 131">
+            <a:extLst>
+              <a:ext uri="{FF2B5EF4-FFF2-40B4-BE49-F238E27FC236}">
+                <a16:creationId xmlns:a16="http://schemas.microsoft.com/office/drawing/2014/main" id="{EF945B77-769E-4FBD-8377-A262538AD736}"/>
+              </a:ext>
+            </a:extLst>
+          </p:cNvPr>
+          <p:cNvSpPr txBox="1"/>
+          <p:nvPr/>
+        </p:nvSpPr>
+        <p:spPr>
+          <a:xfrm rot="16200000">
+            <a:off x="5543664" y="5301310"/>
+            <a:ext cx="881018" cy="215444"/>
+          </a:xfrm>
+          <a:prstGeom prst="rect">
+            <a:avLst/>
+          </a:prstGeom>
+          <a:noFill/>
+        </p:spPr>
+        <p:txBody>
+          <a:bodyPr wrap="square" rtlCol="0">
+            <a:spAutoFit/>
+          </a:bodyPr>
+          <a:lstStyle/>
+          <a:p>
+            <a:pPr algn="r"/>
+            <a:r>
+              <a:rPr lang="en-US" sz="800" dirty="0">
+                <a:solidFill>
+                  <a:srgbClr val="7030A0"/>
+                </a:solidFill>
+              </a:rPr>
+              <a:t>filtered list</a:t>
+            </a:r>
+            <a:endParaRPr lang="en-SG" sz="800" dirty="0">
+              <a:solidFill>
+                <a:srgbClr val="7030A0"/>
+              </a:solidFill>
+            </a:endParaRPr>
+          </a:p>
+        </p:txBody>
+      </p:sp>
+      <p:sp>
+        <p:nvSpPr>
+          <p:cNvPr id="133" name="TextBox 132">
+            <a:extLst>
+              <a:ext uri="{FF2B5EF4-FFF2-40B4-BE49-F238E27FC236}">
+                <a16:creationId xmlns:a16="http://schemas.microsoft.com/office/drawing/2014/main" id="{2F6BB0E2-763B-4477-9C71-C0986EBB9A07}"/>
+              </a:ext>
+            </a:extLst>
+          </p:cNvPr>
+          <p:cNvSpPr txBox="1"/>
+          <p:nvPr/>
+        </p:nvSpPr>
+        <p:spPr>
+          <a:xfrm>
+            <a:off x="5870803" y="4876101"/>
+            <a:ext cx="189257" cy="178683"/>
+          </a:xfrm>
+          <a:prstGeom prst="rect">
+            <a:avLst/>
+          </a:prstGeom>
+          <a:noFill/>
+        </p:spPr>
+        <p:txBody>
+          <a:bodyPr wrap="square" lIns="0" tIns="0" rIns="0" bIns="0" rtlCol="0">
+            <a:noAutofit/>
+          </a:bodyPr>
+          <a:lstStyle/>
+          <a:p>
+            <a:pPr algn="ctr"/>
+            <a:r>
+              <a:rPr lang="en-US" sz="1100" dirty="0">
+                <a:solidFill>
+                  <a:srgbClr val="7030A0"/>
+                </a:solidFill>
+              </a:rPr>
+              <a:t>1</a:t>
+            </a:r>
+            <a:endParaRPr lang="en-SG" sz="1100" dirty="0">
+              <a:solidFill>
+                <a:srgbClr val="7030A0"/>
+              </a:solidFill>
+            </a:endParaRPr>
+          </a:p>
+        </p:txBody>
+      </p:sp>
+      <p:cxnSp>
+        <p:nvCxnSpPr>
+          <p:cNvPr id="134" name="Straight Arrow Connector 133">
+            <a:extLst>
+              <a:ext uri="{FF2B5EF4-FFF2-40B4-BE49-F238E27FC236}">
+                <a16:creationId xmlns:a16="http://schemas.microsoft.com/office/drawing/2014/main" id="{B6E528C4-8AC2-4B80-85DE-5F0E63236B46}"/>
+              </a:ext>
+            </a:extLst>
+          </p:cNvPr>
+          <p:cNvCxnSpPr>
+            <a:cxnSpLocks/>
+            <a:stCxn id="49" idx="3"/>
+            <a:endCxn id="62" idx="1"/>
+          </p:cNvCxnSpPr>
+          <p:nvPr/>
+        </p:nvCxnSpPr>
+        <p:spPr>
+          <a:xfrm>
+            <a:off x="5327245" y="2170715"/>
+            <a:ext cx="644100" cy="4480"/>
+          </a:xfrm>
+          <a:prstGeom prst="straightConnector1">
+            <a:avLst/>
+          </a:prstGeom>
+          <a:ln w="19050">
+            <a:solidFill>
+              <a:srgbClr val="7030A0"/>
+            </a:solidFill>
+            <a:headEnd type="none" w="med" len="med"/>
+            <a:tailEnd type="arrow" w="med" len="med"/>
+          </a:ln>
+          <a:effectLst/>
+        </p:spPr>
+        <p:style>
+          <a:lnRef idx="1">
+            <a:schemeClr val="accent2"/>
+          </a:lnRef>
+          <a:fillRef idx="2">
+            <a:schemeClr val="accent2"/>
+          </a:fillRef>
+          <a:effectRef idx="1">
+            <a:schemeClr val="accent2"/>
+          </a:effectRef>
+          <a:fontRef idx="minor">
+            <a:schemeClr val="dk1"/>
+          </a:fontRef>
+        </p:style>
+      </p:cxnSp>
+      <p:sp>
+        <p:nvSpPr>
+          <p:cNvPr id="136" name="TextBox 135">
+            <a:extLst>
+              <a:ext uri="{FF2B5EF4-FFF2-40B4-BE49-F238E27FC236}">
+                <a16:creationId xmlns:a16="http://schemas.microsoft.com/office/drawing/2014/main" id="{5C9356DA-DBD0-4A55-A0C7-2B16684B14E3}"/>
+              </a:ext>
+            </a:extLst>
+          </p:cNvPr>
+          <p:cNvSpPr txBox="1"/>
+          <p:nvPr/>
+        </p:nvSpPr>
+        <p:spPr>
+          <a:xfrm>
+            <a:off x="6312440" y="3424509"/>
+            <a:ext cx="189257" cy="178683"/>
+          </a:xfrm>
+          <a:prstGeom prst="rect">
+            <a:avLst/>
+          </a:prstGeom>
+          <a:noFill/>
+        </p:spPr>
+        <p:txBody>
+          <a:bodyPr wrap="square" lIns="0" tIns="0" rIns="0" bIns="0" rtlCol="0">
+            <a:noAutofit/>
+          </a:bodyPr>
+          <a:lstStyle/>
+          <a:p>
+            <a:pPr algn="ctr"/>
+            <a:r>
+              <a:rPr lang="en-US" sz="1100" dirty="0">
+                <a:solidFill>
+                  <a:srgbClr val="7030A0"/>
+                </a:solidFill>
+              </a:rPr>
+              <a:t>1</a:t>
+            </a:r>
+            <a:endParaRPr lang="en-SG" sz="1100" dirty="0">
+              <a:solidFill>
+                <a:srgbClr val="7030A0"/>
+              </a:solidFill>
+            </a:endParaRPr>
+          </a:p>
+        </p:txBody>
+      </p:sp>
+      <p:sp>
+        <p:nvSpPr>
+          <p:cNvPr id="138" name="TextBox 137">
+            <a:extLst>
+              <a:ext uri="{FF2B5EF4-FFF2-40B4-BE49-F238E27FC236}">
+                <a16:creationId xmlns:a16="http://schemas.microsoft.com/office/drawing/2014/main" id="{44C78419-560D-461B-8A23-68AC9792F759}"/>
+              </a:ext>
+            </a:extLst>
+          </p:cNvPr>
+          <p:cNvSpPr txBox="1"/>
+          <p:nvPr/>
+        </p:nvSpPr>
+        <p:spPr>
+          <a:xfrm rot="5400000">
+            <a:off x="5966559" y="2967117"/>
+            <a:ext cx="881018" cy="215444"/>
+          </a:xfrm>
+          <a:prstGeom prst="rect">
+            <a:avLst/>
+          </a:prstGeom>
+          <a:noFill/>
+        </p:spPr>
+        <p:txBody>
+          <a:bodyPr wrap="square" rtlCol="0">
+            <a:spAutoFit/>
+          </a:bodyPr>
+          <a:lstStyle/>
+          <a:p>
+            <a:pPr algn="r"/>
+            <a:r>
+              <a:rPr lang="en-US" sz="800" dirty="0">
+                <a:solidFill>
+                  <a:srgbClr val="7030A0"/>
+                </a:solidFill>
+              </a:rPr>
+              <a:t>filtered list</a:t>
+            </a:r>
+            <a:endParaRPr lang="en-SG" sz="800" dirty="0">
+              <a:solidFill>
+                <a:srgbClr val="7030A0"/>
+              </a:solidFill>
+            </a:endParaRPr>
+          </a:p>
+        </p:txBody>
+      </p:sp>
+      <p:cxnSp>
+        <p:nvCxnSpPr>
+          <p:cNvPr id="140" name="Straight Arrow Connector 139">
+            <a:extLst>
+              <a:ext uri="{FF2B5EF4-FFF2-40B4-BE49-F238E27FC236}">
+                <a16:creationId xmlns:a16="http://schemas.microsoft.com/office/drawing/2014/main" id="{63B50359-1C39-4FDA-AB18-4E65D86CD5D4}"/>
+              </a:ext>
+            </a:extLst>
+          </p:cNvPr>
+          <p:cNvCxnSpPr>
+            <a:cxnSpLocks/>
+            <a:endCxn id="52" idx="1"/>
+          </p:cNvCxnSpPr>
+          <p:nvPr/>
+        </p:nvCxnSpPr>
+        <p:spPr>
+          <a:xfrm>
+            <a:off x="5531365" y="3853928"/>
+            <a:ext cx="457255" cy="8690"/>
+          </a:xfrm>
+          <a:prstGeom prst="straightConnector1">
+            <a:avLst/>
+          </a:prstGeom>
+          <a:ln w="19050">
+            <a:solidFill>
+              <a:srgbClr val="7030A0"/>
+            </a:solidFill>
+            <a:headEnd type="none" w="med" len="med"/>
+            <a:tailEnd type="arrow" w="med" len="med"/>
+          </a:ln>
+          <a:effectLst/>
+        </p:spPr>
+        <p:style>
+          <a:lnRef idx="1">
+            <a:schemeClr val="accent2"/>
+          </a:lnRef>
+          <a:fillRef idx="2">
+            <a:schemeClr val="accent2"/>
+          </a:fillRef>
+          <a:effectRef idx="1">
+            <a:schemeClr val="accent2"/>
+          </a:effectRef>
+          <a:fontRef idx="minor">
+            <a:schemeClr val="dk1"/>
+          </a:fontRef>
+        </p:style>
+      </p:cxnSp>
+      <p:cxnSp>
+        <p:nvCxnSpPr>
+          <p:cNvPr id="142" name="Straight Arrow Connector 141">
+            <a:extLst>
+              <a:ext uri="{FF2B5EF4-FFF2-40B4-BE49-F238E27FC236}">
+                <a16:creationId xmlns:a16="http://schemas.microsoft.com/office/drawing/2014/main" id="{D5815914-DB87-44B4-82B8-E7D8137E369F}"/>
+              </a:ext>
+            </a:extLst>
+          </p:cNvPr>
+          <p:cNvCxnSpPr>
+            <a:cxnSpLocks/>
+            <a:stCxn id="108" idx="3"/>
+            <a:endCxn id="96" idx="1"/>
+          </p:cNvCxnSpPr>
+          <p:nvPr/>
+        </p:nvCxnSpPr>
+        <p:spPr>
+          <a:xfrm>
+            <a:off x="5485276" y="4643594"/>
+            <a:ext cx="468754" cy="6640"/>
+          </a:xfrm>
+          <a:prstGeom prst="straightConnector1">
+            <a:avLst/>
+          </a:prstGeom>
+          <a:ln w="19050">
+            <a:solidFill>
+              <a:srgbClr val="7030A0"/>
+            </a:solidFill>
+            <a:headEnd type="none" w="med" len="med"/>
+            <a:tailEnd type="arrow" w="med" len="med"/>
+          </a:ln>
+          <a:effectLst/>
+        </p:spPr>
+        <p:style>
+          <a:lnRef idx="1">
+            <a:schemeClr val="accent2"/>
+          </a:lnRef>
+          <a:fillRef idx="2">
+            <a:schemeClr val="accent2"/>
+          </a:fillRef>
+          <a:effectRef idx="1">
+            <a:schemeClr val="accent2"/>
+          </a:effectRef>
+          <a:fontRef idx="minor">
+            <a:schemeClr val="dk1"/>
+          </a:fontRef>
+        </p:style>
+      </p:cxnSp>
+      <p:sp>
+        <p:nvSpPr>
+          <p:cNvPr id="145" name="TextBox 144">
+            <a:extLst>
+              <a:ext uri="{FF2B5EF4-FFF2-40B4-BE49-F238E27FC236}">
+                <a16:creationId xmlns:a16="http://schemas.microsoft.com/office/drawing/2014/main" id="{0FB2FEC6-2B41-4895-92AC-919A397564DF}"/>
+              </a:ext>
+            </a:extLst>
+          </p:cNvPr>
+          <p:cNvSpPr txBox="1"/>
+          <p:nvPr/>
+        </p:nvSpPr>
+        <p:spPr>
+          <a:xfrm>
+            <a:off x="5712218" y="3730433"/>
+            <a:ext cx="189257" cy="178683"/>
+          </a:xfrm>
+          <a:prstGeom prst="rect">
+            <a:avLst/>
+          </a:prstGeom>
+          <a:noFill/>
+        </p:spPr>
+        <p:txBody>
+          <a:bodyPr wrap="square" lIns="0" tIns="0" rIns="0" bIns="0" rtlCol="0">
+            <a:noAutofit/>
+          </a:bodyPr>
+          <a:lstStyle/>
+          <a:p>
+            <a:pPr algn="ctr"/>
+            <a:r>
+              <a:rPr lang="en-US" sz="1100" dirty="0">
+                <a:solidFill>
+                  <a:srgbClr val="7030A0"/>
+                </a:solidFill>
+              </a:rPr>
+              <a:t>*</a:t>
+            </a:r>
+            <a:endParaRPr lang="en-SG" sz="1100" dirty="0">
+              <a:solidFill>
+                <a:srgbClr val="7030A0"/>
+              </a:solidFill>
+            </a:endParaRPr>
+          </a:p>
+        </p:txBody>
+      </p:sp>
+      <p:sp>
+        <p:nvSpPr>
+          <p:cNvPr id="146" name="TextBox 145">
+            <a:extLst>
+              <a:ext uri="{FF2B5EF4-FFF2-40B4-BE49-F238E27FC236}">
+                <a16:creationId xmlns:a16="http://schemas.microsoft.com/office/drawing/2014/main" id="{50E35697-A677-447A-852F-2FF3884DF831}"/>
+              </a:ext>
+            </a:extLst>
+          </p:cNvPr>
+          <p:cNvSpPr txBox="1"/>
+          <p:nvPr/>
+        </p:nvSpPr>
+        <p:spPr>
+          <a:xfrm>
+            <a:off x="5751196" y="4478353"/>
+            <a:ext cx="189257" cy="178683"/>
+          </a:xfrm>
+          <a:prstGeom prst="rect">
+            <a:avLst/>
+          </a:prstGeom>
+          <a:noFill/>
+        </p:spPr>
+        <p:txBody>
+          <a:bodyPr wrap="square" lIns="0" tIns="0" rIns="0" bIns="0" rtlCol="0">
+            <a:noAutofit/>
+          </a:bodyPr>
+          <a:lstStyle/>
+          <a:p>
+            <a:pPr algn="ctr"/>
+            <a:r>
+              <a:rPr lang="en-US" sz="1100" dirty="0">
+                <a:solidFill>
+                  <a:srgbClr val="7030A0"/>
+                </a:solidFill>
+              </a:rPr>
+              <a:t>*</a:t>
+            </a:r>
+            <a:endParaRPr lang="en-SG" sz="1100" dirty="0">
+              <a:solidFill>
+                <a:srgbClr val="7030A0"/>
+              </a:solidFill>
+            </a:endParaRPr>
+          </a:p>
+        </p:txBody>
+      </p:sp>
+      <p:sp>
+        <p:nvSpPr>
+          <p:cNvPr id="148" name="Rectangle 8">
+            <a:extLst>
+              <a:ext uri="{FF2B5EF4-FFF2-40B4-BE49-F238E27FC236}">
+                <a16:creationId xmlns:a16="http://schemas.microsoft.com/office/drawing/2014/main" id="{8F2E0C45-85B6-4380-B3AC-B728C07D1DC0}"/>
+              </a:ext>
+            </a:extLst>
+          </p:cNvPr>
           <p:cNvSpPr/>
           <p:nvPr/>
         </p:nvSpPr>
         <p:spPr>
-          <a:xfrm rot="10800000" flipV="1">
-            <a:off x="3290981" y="2162997"/>
-            <a:ext cx="270504" cy="175523"/>
-          </a:xfrm>
-          <a:prstGeom prst="triangle">
+          <a:xfrm>
+            <a:off x="7456813" y="3785718"/>
+            <a:ext cx="844340" cy="159286"/>
+          </a:xfrm>
+          <a:prstGeom prst="rect">
             <a:avLst/>
           </a:prstGeom>
           <a:ln w="19050">
@@ -5161,9 +8083,17 @@
           <a:lstStyle/>
           <a:p>
             <a:pPr algn="ctr"/>
-            <a:endParaRPr lang="en-SG" sz="1050" b="1">
+            <a:r>
+              <a:rPr lang="en-US" sz="1050" dirty="0">
+                <a:solidFill>
+                  <a:srgbClr val="7030A0"/>
+                </a:solidFill>
+              </a:rPr>
+              <a:t>Duration</a:t>
+            </a:r>
+            <a:endParaRPr lang="en-SG" sz="1050" dirty="0">
               <a:solidFill>
-                <a:srgbClr val="92D050"/>
+                <a:srgbClr val="7030A0"/>
               </a:solidFill>
             </a:endParaRPr>
           </a:p>
@@ -5171,14 +8101,20 @@
       </p:sp>
       <p:sp>
         <p:nvSpPr>
-          <p:cNvPr id="100" name="Rectangle 8"/>
+          <p:cNvPr id="153" name="Rectangle 8">
+            <a:extLst>
+              <a:ext uri="{FF2B5EF4-FFF2-40B4-BE49-F238E27FC236}">
+                <a16:creationId xmlns:a16="http://schemas.microsoft.com/office/drawing/2014/main" id="{407D7FB1-9AFF-4D54-9496-D6F6F614AA3F}"/>
+              </a:ext>
+            </a:extLst>
+          </p:cNvPr>
           <p:cNvSpPr/>
           <p:nvPr/>
         </p:nvSpPr>
         <p:spPr>
           <a:xfrm>
-            <a:off x="2660303" y="1806470"/>
-            <a:ext cx="1539926" cy="346760"/>
+            <a:off x="7456813" y="3555700"/>
+            <a:ext cx="844340" cy="169500"/>
           </a:xfrm>
           <a:prstGeom prst="rect">
             <a:avLst/>
@@ -5210,27 +8146,12 @@
           <a:p>
             <a:pPr algn="ctr"/>
             <a:r>
-              <a:rPr lang="en-US" sz="1050" dirty="0" smtClean="0">
+              <a:rPr lang="en-US" sz="1050" dirty="0">
                 <a:solidFill>
                   <a:srgbClr val="7030A0"/>
                 </a:solidFill>
               </a:rPr>
-              <a:t>&lt;&lt;interface&gt;&gt;</a:t>
-            </a:r>
-            <a:br>
-              <a:rPr lang="en-US" sz="1050" dirty="0" smtClean="0">
-                <a:solidFill>
-                  <a:srgbClr val="7030A0"/>
-                </a:solidFill>
-              </a:rPr>
-            </a:br>
-            <a:r>
-              <a:rPr lang="en-US" sz="1050" dirty="0" err="1" smtClean="0">
-                <a:solidFill>
-                  <a:srgbClr val="7030A0"/>
-                </a:solidFill>
-              </a:rPr>
-              <a:t>ReadOnlyAddressBook</a:t>
+              <a:t>Description</a:t>
             </a:r>
             <a:endParaRPr lang="en-SG" sz="1050" dirty="0">
               <a:solidFill>
@@ -5240,146 +8161,34 @@
           </a:p>
         </p:txBody>
       </p:sp>
-      <p:sp>
-        <p:nvSpPr>
-          <p:cNvPr id="114" name="TextBox 113"/>
-          <p:cNvSpPr txBox="1"/>
-          <p:nvPr/>
-        </p:nvSpPr>
-        <p:spPr>
-          <a:xfrm rot="16200000">
-            <a:off x="6527512" y="3586305"/>
-            <a:ext cx="881018" cy="261610"/>
-          </a:xfrm>
-          <a:prstGeom prst="rect">
-            <a:avLst/>
-          </a:prstGeom>
-          <a:noFill/>
-        </p:spPr>
-        <p:txBody>
-          <a:bodyPr wrap="square" rtlCol="0">
-            <a:spAutoFit/>
-          </a:bodyPr>
-          <a:lstStyle/>
-          <a:p>
-            <a:pPr algn="r"/>
-            <a:r>
-              <a:rPr lang="en-US" sz="1100" dirty="0" smtClean="0">
-                <a:solidFill>
-                  <a:srgbClr val="7030A0"/>
-                </a:solidFill>
-              </a:rPr>
-              <a:t>filtered list</a:t>
-            </a:r>
-            <a:endParaRPr lang="en-SG" sz="1100" dirty="0">
-              <a:solidFill>
-                <a:srgbClr val="7030A0"/>
-              </a:solidFill>
-            </a:endParaRPr>
-          </a:p>
-        </p:txBody>
-      </p:sp>
-      <p:sp>
-        <p:nvSpPr>
-          <p:cNvPr id="122" name="Rectangle 8"/>
-          <p:cNvSpPr/>
-          <p:nvPr/>
-        </p:nvSpPr>
-        <p:spPr>
-          <a:xfrm>
-            <a:off x="2057401" y="4239491"/>
-            <a:ext cx="1066800" cy="346760"/>
-          </a:xfrm>
-          <a:prstGeom prst="rect">
+      <p:cxnSp>
+        <p:nvCxnSpPr>
+          <p:cNvPr id="158" name="Elbow Connector 78">
+            <a:extLst>
+              <a:ext uri="{FF2B5EF4-FFF2-40B4-BE49-F238E27FC236}">
+                <a16:creationId xmlns:a16="http://schemas.microsoft.com/office/drawing/2014/main" id="{2D8AEDE0-1448-4AA3-9CCC-445ED4B2693B}"/>
+              </a:ext>
+            </a:extLst>
+          </p:cNvPr>
+          <p:cNvCxnSpPr>
+            <a:cxnSpLocks/>
+            <a:stCxn id="72" idx="3"/>
+            <a:endCxn id="148" idx="1"/>
+          </p:cNvCxnSpPr>
+          <p:nvPr/>
+        </p:nvCxnSpPr>
+        <p:spPr>
+          <a:xfrm flipV="1">
+            <a:off x="7166945" y="3865361"/>
+            <a:ext cx="289868" cy="25068"/>
+          </a:xfrm>
+          <a:prstGeom prst="bentConnector3">
             <a:avLst/>
           </a:prstGeom>
           <a:ln w="19050">
             <a:solidFill>
               <a:srgbClr val="7030A0"/>
             </a:solidFill>
-          </a:ln>
-          <a:effectLst/>
-        </p:spPr>
-        <p:style>
-          <a:lnRef idx="1">
-            <a:schemeClr val="accent4"/>
-          </a:lnRef>
-          <a:fillRef idx="2">
-            <a:schemeClr val="accent4"/>
-          </a:fillRef>
-          <a:effectRef idx="1">
-            <a:schemeClr val="accent4"/>
-          </a:effectRef>
-          <a:fontRef idx="minor">
-            <a:schemeClr val="dk1"/>
-          </a:fontRef>
-        </p:style>
-        <p:txBody>
-          <a:bodyPr rtlCol="0" anchor="ctr"/>
-          <a:lstStyle/>
-          <a:p>
-            <a:pPr algn="ctr"/>
-            <a:r>
-              <a:rPr lang="en-US" sz="1050" dirty="0" smtClean="0">
-                <a:solidFill>
-                  <a:srgbClr val="7030A0"/>
-                </a:solidFill>
-              </a:rPr>
-              <a:t>&lt;&lt;interface&gt;&gt;</a:t>
-            </a:r>
-            <a:r>
-              <a:rPr lang="en-US" sz="1050">
-                <a:solidFill>
-                  <a:srgbClr val="7030A0"/>
-                </a:solidFill>
-              </a:rPr>
-              <a:t/>
-            </a:r>
-            <a:br>
-              <a:rPr lang="en-US" sz="1050">
-                <a:solidFill>
-                  <a:srgbClr val="7030A0"/>
-                </a:solidFill>
-              </a:rPr>
-            </a:br>
-            <a:r>
-              <a:rPr lang="en-US" sz="1050" dirty="0" err="1" smtClean="0">
-                <a:solidFill>
-                  <a:srgbClr val="7030A0"/>
-                </a:solidFill>
-              </a:rPr>
-              <a:t>ObservableList</a:t>
-            </a:r>
-            <a:endParaRPr lang="en-SG" sz="1050" dirty="0">
-              <a:solidFill>
-                <a:srgbClr val="7030A0"/>
-              </a:solidFill>
-            </a:endParaRPr>
-          </a:p>
-        </p:txBody>
-      </p:sp>
-      <p:cxnSp>
-        <p:nvCxnSpPr>
-          <p:cNvPr id="124" name="Elbow Connector 122"/>
-          <p:cNvCxnSpPr>
-            <a:stCxn id="119" idx="1"/>
-            <a:endCxn id="122" idx="1"/>
-          </p:cNvCxnSpPr>
-          <p:nvPr/>
-        </p:nvCxnSpPr>
-        <p:spPr>
-          <a:xfrm rot="16200000" flipH="1">
-            <a:off x="1364475" y="3719944"/>
-            <a:ext cx="831471" cy="554381"/>
-          </a:xfrm>
-          <a:prstGeom prst="bentConnector2">
-            <a:avLst/>
-          </a:prstGeom>
-          <a:ln w="19050">
-            <a:solidFill>
-              <a:srgbClr val="7030A0"/>
-            </a:solidFill>
-            <a:prstDash val="sysDot"/>
             <a:headEnd type="none" w="med" len="med"/>
             <a:tailEnd type="arrow" w="med" len="med"/>
           </a:ln>
@@ -5402,19 +8211,26 @@
       </p:cxnSp>
       <p:cxnSp>
         <p:nvCxnSpPr>
-          <p:cNvPr id="50" name="Elbow Connector 49"/>
+          <p:cNvPr id="163" name="Elbow Connector 78">
+            <a:extLst>
+              <a:ext uri="{FF2B5EF4-FFF2-40B4-BE49-F238E27FC236}">
+                <a16:creationId xmlns:a16="http://schemas.microsoft.com/office/drawing/2014/main" id="{4709C7CF-2F35-4667-BC99-4E81BF3D00CE}"/>
+              </a:ext>
+            </a:extLst>
+          </p:cNvPr>
           <p:cNvCxnSpPr>
-            <a:stCxn id="62" idx="0"/>
-            <a:endCxn id="57" idx="3"/>
+            <a:cxnSpLocks/>
+            <a:stCxn id="72" idx="3"/>
+            <a:endCxn id="153" idx="1"/>
           </p:cNvCxnSpPr>
           <p:nvPr/>
         </p:nvCxnSpPr>
         <p:spPr>
-          <a:xfrm rot="16200000" flipV="1">
-            <a:off x="5948976" y="2139271"/>
-            <a:ext cx="404117" cy="1033473"/>
-          </a:xfrm>
-          <a:prstGeom prst="bentConnector2">
+          <a:xfrm flipV="1">
+            <a:off x="7166945" y="3640450"/>
+            <a:ext cx="289868" cy="249979"/>
+          </a:xfrm>
+          <a:prstGeom prst="bentConnector3">
             <a:avLst/>
           </a:prstGeom>
           <a:ln w="19050">
@@ -5441,15 +8257,70 @@
           </a:fontRef>
         </p:style>
       </p:cxnSp>
-      <p:sp>
-        <p:nvSpPr>
-          <p:cNvPr id="11" name="TextBox 10"/>
+      <p:cxnSp>
+        <p:nvCxnSpPr>
+          <p:cNvPr id="165" name="Elbow Connector 49">
+            <a:extLst>
+              <a:ext uri="{FF2B5EF4-FFF2-40B4-BE49-F238E27FC236}">
+                <a16:creationId xmlns:a16="http://schemas.microsoft.com/office/drawing/2014/main" id="{2459C62F-CF74-4C21-94E7-FC860E205DD2}"/>
+              </a:ext>
+            </a:extLst>
+          </p:cNvPr>
+          <p:cNvCxnSpPr>
+            <a:cxnSpLocks/>
+            <a:stCxn id="96" idx="0"/>
+          </p:cNvCxnSpPr>
+          <p:nvPr/>
+        </p:nvCxnSpPr>
+        <p:spPr>
+          <a:xfrm rot="16200000" flipV="1">
+            <a:off x="4648764" y="2730268"/>
+            <a:ext cx="2698970" cy="794201"/>
+          </a:xfrm>
+          <a:prstGeom prst="bentConnector3">
+            <a:avLst>
+              <a:gd name="adj1" fmla="val 6860"/>
+            </a:avLst>
+          </a:prstGeom>
+          <a:ln w="19050">
+            <a:solidFill>
+              <a:srgbClr val="7030A0"/>
+            </a:solidFill>
+            <a:headEnd type="none" w="med" len="med"/>
+            <a:tailEnd type="arrow" w="med" len="med"/>
+          </a:ln>
+          <a:effectLst/>
+        </p:spPr>
+        <p:style>
+          <a:lnRef idx="1">
+            <a:schemeClr val="accent2"/>
+          </a:lnRef>
+          <a:fillRef idx="2">
+            <a:schemeClr val="accent2"/>
+          </a:fillRef>
+          <a:effectRef idx="1">
+            <a:schemeClr val="accent2"/>
+          </a:effectRef>
+          <a:fontRef idx="minor">
+            <a:schemeClr val="dk1"/>
+          </a:fontRef>
+        </p:style>
+      </p:cxnSp>
+      <p:sp>
+        <p:nvSpPr>
+          <p:cNvPr id="186" name="TextBox 185">
+            <a:extLst>
+              <a:ext uri="{FF2B5EF4-FFF2-40B4-BE49-F238E27FC236}">
+                <a16:creationId xmlns:a16="http://schemas.microsoft.com/office/drawing/2014/main" id="{3A8315A9-424E-42A8-A07B-EDE4193BB1C5}"/>
+              </a:ext>
+            </a:extLst>
+          </p:cNvPr>
           <p:cNvSpPr txBox="1"/>
           <p:nvPr/>
         </p:nvSpPr>
         <p:spPr>
           <a:xfrm>
-            <a:off x="4324972" y="2191228"/>
+            <a:off x="5384228" y="1817354"/>
             <a:ext cx="189257" cy="178683"/>
           </a:xfrm>
           <a:prstGeom prst="rect">
@@ -5465,280 +8336,7 @@
           <a:p>
             <a:pPr algn="ctr"/>
             <a:r>
-              <a:rPr lang="en-US" sz="1100" dirty="0" smtClean="0">
-                <a:solidFill>
-                  <a:srgbClr val="7030A0"/>
-                </a:solidFill>
-              </a:rPr>
-              <a:t>1</a:t>
-            </a:r>
-            <a:endParaRPr lang="en-SG" sz="1100" dirty="0">
-              <a:solidFill>
-                <a:srgbClr val="7030A0"/>
-              </a:solidFill>
-            </a:endParaRPr>
-          </a:p>
-        </p:txBody>
-      </p:sp>
-      <p:sp>
-        <p:nvSpPr>
-          <p:cNvPr id="54" name="TextBox 53"/>
-          <p:cNvSpPr txBox="1"/>
-          <p:nvPr/>
-        </p:nvSpPr>
-        <p:spPr>
-          <a:xfrm>
-            <a:off x="4324972" y="3058864"/>
-            <a:ext cx="189257" cy="178683"/>
-          </a:xfrm>
-          <a:prstGeom prst="rect">
-            <a:avLst/>
-          </a:prstGeom>
-          <a:noFill/>
-        </p:spPr>
-        <p:txBody>
-          <a:bodyPr wrap="square" lIns="0" tIns="0" rIns="0" bIns="0" rtlCol="0">
-            <a:noAutofit/>
-          </a:bodyPr>
-          <a:lstStyle/>
-          <a:p>
-            <a:pPr algn="ctr"/>
-            <a:r>
-              <a:rPr lang="en-US" sz="1100" dirty="0" smtClean="0">
-                <a:solidFill>
-                  <a:srgbClr val="7030A0"/>
-                </a:solidFill>
-              </a:rPr>
-              <a:t>1</a:t>
-            </a:r>
-            <a:endParaRPr lang="en-SG" sz="1100" dirty="0">
-              <a:solidFill>
-                <a:srgbClr val="7030A0"/>
-              </a:solidFill>
-            </a:endParaRPr>
-          </a:p>
-        </p:txBody>
-      </p:sp>
-      <p:sp>
-        <p:nvSpPr>
-          <p:cNvPr id="56" name="TextBox 55"/>
-          <p:cNvSpPr txBox="1"/>
-          <p:nvPr/>
-        </p:nvSpPr>
-        <p:spPr>
-          <a:xfrm>
-            <a:off x="5689761" y="2495413"/>
-            <a:ext cx="189257" cy="178683"/>
-          </a:xfrm>
-          <a:prstGeom prst="rect">
-            <a:avLst/>
-          </a:prstGeom>
-          <a:noFill/>
-        </p:spPr>
-        <p:txBody>
-          <a:bodyPr wrap="square" lIns="0" tIns="0" rIns="0" bIns="0" rtlCol="0">
-            <a:noAutofit/>
-          </a:bodyPr>
-          <a:lstStyle/>
-          <a:p>
-            <a:pPr algn="ctr"/>
-            <a:r>
-              <a:rPr lang="en-US" sz="1100" dirty="0" smtClean="0">
-                <a:solidFill>
-                  <a:srgbClr val="7030A0"/>
-                </a:solidFill>
-              </a:rPr>
-              <a:t>1</a:t>
-            </a:r>
-            <a:endParaRPr lang="en-SG" sz="1100" dirty="0">
-              <a:solidFill>
-                <a:srgbClr val="7030A0"/>
-              </a:solidFill>
-            </a:endParaRPr>
-          </a:p>
-        </p:txBody>
-      </p:sp>
-      <p:sp>
-        <p:nvSpPr>
-          <p:cNvPr id="60" name="TextBox 59"/>
-          <p:cNvSpPr txBox="1"/>
-          <p:nvPr/>
-        </p:nvSpPr>
-        <p:spPr>
-          <a:xfrm>
-            <a:off x="5163172" y="1778919"/>
-            <a:ext cx="189257" cy="178683"/>
-          </a:xfrm>
-          <a:prstGeom prst="rect">
-            <a:avLst/>
-          </a:prstGeom>
-          <a:noFill/>
-        </p:spPr>
-        <p:txBody>
-          <a:bodyPr wrap="square" lIns="0" tIns="0" rIns="0" bIns="0" rtlCol="0">
-            <a:noAutofit/>
-          </a:bodyPr>
-          <a:lstStyle/>
-          <a:p>
-            <a:pPr algn="ctr"/>
-            <a:r>
-              <a:rPr lang="en-US" sz="1100" dirty="0" smtClean="0">
-                <a:solidFill>
-                  <a:srgbClr val="7030A0"/>
-                </a:solidFill>
-              </a:rPr>
-              <a:t>*</a:t>
-            </a:r>
-            <a:endParaRPr lang="en-SG" sz="1100" dirty="0">
-              <a:solidFill>
-                <a:srgbClr val="7030A0"/>
-              </a:solidFill>
-            </a:endParaRPr>
-          </a:p>
-        </p:txBody>
-      </p:sp>
-      <p:sp>
-        <p:nvSpPr>
-          <p:cNvPr id="61" name="TextBox 60"/>
-          <p:cNvSpPr txBox="1"/>
-          <p:nvPr/>
-        </p:nvSpPr>
-        <p:spPr>
-          <a:xfrm>
-            <a:off x="6135256" y="3097917"/>
-            <a:ext cx="189257" cy="178683"/>
-          </a:xfrm>
-          <a:prstGeom prst="rect">
-            <a:avLst/>
-          </a:prstGeom>
-          <a:noFill/>
-        </p:spPr>
-        <p:txBody>
-          <a:bodyPr wrap="square" lIns="0" tIns="0" rIns="0" bIns="0" rtlCol="0">
-            <a:noAutofit/>
-          </a:bodyPr>
-          <a:lstStyle/>
-          <a:p>
-            <a:pPr algn="ctr"/>
-            <a:r>
-              <a:rPr lang="en-US" sz="1100" dirty="0" smtClean="0">
-                <a:solidFill>
-                  <a:srgbClr val="7030A0"/>
-                </a:solidFill>
-              </a:rPr>
-              <a:t>*</a:t>
-            </a:r>
-            <a:endParaRPr lang="en-SG" sz="1100" dirty="0">
-              <a:solidFill>
-                <a:srgbClr val="7030A0"/>
-              </a:solidFill>
-            </a:endParaRPr>
-          </a:p>
-        </p:txBody>
-      </p:sp>
-      <p:sp>
-        <p:nvSpPr>
-          <p:cNvPr id="65" name="TextBox 64"/>
-          <p:cNvSpPr txBox="1"/>
-          <p:nvPr/>
-        </p:nvSpPr>
-        <p:spPr>
-          <a:xfrm>
-            <a:off x="2687923" y="2564238"/>
-            <a:ext cx="189257" cy="178683"/>
-          </a:xfrm>
-          <a:prstGeom prst="rect">
-            <a:avLst/>
-          </a:prstGeom>
-          <a:noFill/>
-        </p:spPr>
-        <p:txBody>
-          <a:bodyPr wrap="square" lIns="0" tIns="0" rIns="0" bIns="0" rtlCol="0">
-            <a:noAutofit/>
-          </a:bodyPr>
-          <a:lstStyle/>
-          <a:p>
-            <a:pPr algn="ctr"/>
-            <a:r>
-              <a:rPr lang="en-US" sz="1100" dirty="0" smtClean="0">
-                <a:solidFill>
-                  <a:srgbClr val="7030A0"/>
-                </a:solidFill>
-              </a:rPr>
-              <a:t>1</a:t>
-            </a:r>
-            <a:endParaRPr lang="en-SG" sz="1100" dirty="0">
-              <a:solidFill>
-                <a:srgbClr val="7030A0"/>
-              </a:solidFill>
-            </a:endParaRPr>
-          </a:p>
-        </p:txBody>
-      </p:sp>
-      <p:sp>
-        <p:nvSpPr>
-          <p:cNvPr id="66" name="TextBox 65"/>
-          <p:cNvSpPr txBox="1"/>
-          <p:nvPr/>
-        </p:nvSpPr>
-        <p:spPr>
-          <a:xfrm>
-            <a:off x="2656370" y="3386050"/>
-            <a:ext cx="189257" cy="178683"/>
-          </a:xfrm>
-          <a:prstGeom prst="rect">
-            <a:avLst/>
-          </a:prstGeom>
-          <a:noFill/>
-        </p:spPr>
-        <p:txBody>
-          <a:bodyPr wrap="square" lIns="0" tIns="0" rIns="0" bIns="0" rtlCol="0">
-            <a:noAutofit/>
-          </a:bodyPr>
-          <a:lstStyle/>
-          <a:p>
-            <a:pPr algn="ctr"/>
-            <a:r>
-              <a:rPr lang="en-US" sz="1100" dirty="0" smtClean="0">
-                <a:solidFill>
-                  <a:srgbClr val="7030A0"/>
-                </a:solidFill>
-              </a:rPr>
-              <a:t>1</a:t>
-            </a:r>
-            <a:endParaRPr lang="en-SG" sz="1100" dirty="0">
-              <a:solidFill>
-                <a:srgbClr val="7030A0"/>
-              </a:solidFill>
-            </a:endParaRPr>
-          </a:p>
-        </p:txBody>
-      </p:sp>
-      <p:sp>
-        <p:nvSpPr>
-          <p:cNvPr id="70" name="TextBox 69"/>
-          <p:cNvSpPr txBox="1"/>
-          <p:nvPr/>
-        </p:nvSpPr>
-        <p:spPr>
-          <a:xfrm>
-            <a:off x="6667770" y="3210194"/>
-            <a:ext cx="189257" cy="178683"/>
-          </a:xfrm>
-          <a:prstGeom prst="rect">
-            <a:avLst/>
-          </a:prstGeom>
-          <a:noFill/>
-        </p:spPr>
-        <p:txBody>
-          <a:bodyPr wrap="square" lIns="0" tIns="0" rIns="0" bIns="0" rtlCol="0">
-            <a:noAutofit/>
-          </a:bodyPr>
-          <a:lstStyle/>
-          <a:p>
-            <a:pPr algn="ctr"/>
-            <a:r>
-              <a:rPr lang="en-US" sz="1100" dirty="0" smtClean="0">
+              <a:rPr lang="en-US" sz="1100" dirty="0">
                 <a:solidFill>
                   <a:srgbClr val="7030A0"/>
                 </a:solidFill>
@@ -5763,13 +8361,6 @@
   <p:clrMapOvr>
     <a:masterClrMapping/>
   </p:clrMapOvr>
-  <p:timing>
-    <p:tnLst>
-      <p:par>
-        <p:cTn id="1" dur="indefinite" restart="never" nodeType="tmRoot"/>
-      </p:par>
-    </p:tnLst>
-  </p:timing>
 </p:sld>
 </file>
 
@@ -6053,7 +8644,37 @@
       </a:bgFillStyleLst>
     </a:fmtScheme>
   </a:themeElements>
-  <a:objectDefaults/>
+  <a:objectDefaults>
+    <a:lnDef>
+      <a:spPr>
+        <a:ln w="19050">
+          <a:solidFill>
+            <a:srgbClr val="7030A0"/>
+          </a:solidFill>
+          <a:prstDash val="solid"/>
+          <a:headEnd type="none" w="med" len="med"/>
+          <a:tailEnd type="arrow" w="med" len="med"/>
+        </a:ln>
+        <a:effectLst/>
+      </a:spPr>
+      <a:bodyPr/>
+      <a:lstStyle/>
+      <a:style>
+        <a:lnRef idx="1">
+          <a:schemeClr val="accent2"/>
+        </a:lnRef>
+        <a:fillRef idx="2">
+          <a:schemeClr val="accent2"/>
+        </a:fillRef>
+        <a:effectRef idx="1">
+          <a:schemeClr val="accent2"/>
+        </a:effectRef>
+        <a:fontRef idx="minor">
+          <a:schemeClr val="dk1"/>
+        </a:fontRef>
+      </a:style>
+    </a:lnDef>
+  </a:objectDefaults>
   <a:extraClrSchemeLst/>
 </a:theme>
 </file>

--- a/docs/diagrams/ModelComponentClassDiagram.pptx
+++ b/docs/diagrams/ModelComponentClassDiagram.pptx
@@ -208,7 +208,7 @@
           <a:p>
             <a:fld id="{F5CC4B3F-88C1-4FFA-B1B6-F41C21DC6924}" type="datetimeFigureOut">
               <a:rPr lang="en-US" smtClean="0"/>
-              <a:t>4/7/2018</a:t>
+              <a:t>4/8/2018</a:t>
             </a:fld>
             <a:endParaRPr lang="en-US"/>
           </a:p>
@@ -654,7 +654,7 @@
           <a:p>
             <a:fld id="{78C97017-6FC3-485B-9764-EAC9E56C1D49}" type="datetimeFigureOut">
               <a:rPr lang="en-US" smtClean="0"/>
-              <a:t>4/7/2018</a:t>
+              <a:t>4/8/2018</a:t>
             </a:fld>
             <a:endParaRPr lang="en-US"/>
           </a:p>
@@ -822,7 +822,7 @@
           <a:p>
             <a:fld id="{78C97017-6FC3-485B-9764-EAC9E56C1D49}" type="datetimeFigureOut">
               <a:rPr lang="en-US" smtClean="0"/>
-              <a:t>4/7/2018</a:t>
+              <a:t>4/8/2018</a:t>
             </a:fld>
             <a:endParaRPr lang="en-US"/>
           </a:p>
@@ -1000,7 +1000,7 @@
           <a:p>
             <a:fld id="{78C97017-6FC3-485B-9764-EAC9E56C1D49}" type="datetimeFigureOut">
               <a:rPr lang="en-US" smtClean="0"/>
-              <a:t>4/7/2018</a:t>
+              <a:t>4/8/2018</a:t>
             </a:fld>
             <a:endParaRPr lang="en-US"/>
           </a:p>
@@ -1168,7 +1168,7 @@
           <a:p>
             <a:fld id="{78C97017-6FC3-485B-9764-EAC9E56C1D49}" type="datetimeFigureOut">
               <a:rPr lang="en-US" smtClean="0"/>
-              <a:t>4/7/2018</a:t>
+              <a:t>4/8/2018</a:t>
             </a:fld>
             <a:endParaRPr lang="en-US"/>
           </a:p>
@@ -1413,7 +1413,7 @@
           <a:p>
             <a:fld id="{78C97017-6FC3-485B-9764-EAC9E56C1D49}" type="datetimeFigureOut">
               <a:rPr lang="en-US" smtClean="0"/>
-              <a:t>4/7/2018</a:t>
+              <a:t>4/8/2018</a:t>
             </a:fld>
             <a:endParaRPr lang="en-US"/>
           </a:p>
@@ -1698,7 +1698,7 @@
           <a:p>
             <a:fld id="{78C97017-6FC3-485B-9764-EAC9E56C1D49}" type="datetimeFigureOut">
               <a:rPr lang="en-US" smtClean="0"/>
-              <a:t>4/7/2018</a:t>
+              <a:t>4/8/2018</a:t>
             </a:fld>
             <a:endParaRPr lang="en-US"/>
           </a:p>
@@ -2117,7 +2117,7 @@
           <a:p>
             <a:fld id="{78C97017-6FC3-485B-9764-EAC9E56C1D49}" type="datetimeFigureOut">
               <a:rPr lang="en-US" smtClean="0"/>
-              <a:t>4/7/2018</a:t>
+              <a:t>4/8/2018</a:t>
             </a:fld>
             <a:endParaRPr lang="en-US"/>
           </a:p>
@@ -2234,7 +2234,7 @@
           <a:p>
             <a:fld id="{78C97017-6FC3-485B-9764-EAC9E56C1D49}" type="datetimeFigureOut">
               <a:rPr lang="en-US" smtClean="0"/>
-              <a:t>4/7/2018</a:t>
+              <a:t>4/8/2018</a:t>
             </a:fld>
             <a:endParaRPr lang="en-US"/>
           </a:p>
@@ -2329,7 +2329,7 @@
           <a:p>
             <a:fld id="{78C97017-6FC3-485B-9764-EAC9E56C1D49}" type="datetimeFigureOut">
               <a:rPr lang="en-US" smtClean="0"/>
-              <a:t>4/7/2018</a:t>
+              <a:t>4/8/2018</a:t>
             </a:fld>
             <a:endParaRPr lang="en-US"/>
           </a:p>
@@ -2604,7 +2604,7 @@
           <a:p>
             <a:fld id="{78C97017-6FC3-485B-9764-EAC9E56C1D49}" type="datetimeFigureOut">
               <a:rPr lang="en-US" smtClean="0"/>
-              <a:t>4/7/2018</a:t>
+              <a:t>4/8/2018</a:t>
             </a:fld>
             <a:endParaRPr lang="en-US"/>
           </a:p>
@@ -2856,7 +2856,7 @@
           <a:p>
             <a:fld id="{78C97017-6FC3-485B-9764-EAC9E56C1D49}" type="datetimeFigureOut">
               <a:rPr lang="en-US" smtClean="0"/>
-              <a:t>4/7/2018</a:t>
+              <a:t>4/8/2018</a:t>
             </a:fld>
             <a:endParaRPr lang="en-US"/>
           </a:p>
@@ -3067,7 +3067,7 @@
           <a:p>
             <a:fld id="{78C97017-6FC3-485B-9764-EAC9E56C1D49}" type="datetimeFigureOut">
               <a:rPr lang="en-US" smtClean="0"/>
-              <a:t>4/7/2018</a:t>
+              <a:t>4/8/2018</a:t>
             </a:fld>
             <a:endParaRPr lang="en-US"/>
           </a:p>
@@ -3450,8 +3450,8 @@
         </p:nvSpPr>
         <p:spPr>
           <a:xfrm>
-            <a:off x="363779" y="497940"/>
-            <a:ext cx="8416442" cy="5493536"/>
+            <a:off x="363778" y="228601"/>
+            <a:ext cx="10685221" cy="5882004"/>
           </a:xfrm>
           <a:prstGeom prst="roundRect">
             <a:avLst>
@@ -6791,7 +6791,7 @@
                   <a:srgbClr val="7030A0"/>
                 </a:solidFill>
               </a:rPr>
-              <a:t>1</a:t>
+              <a:t>2</a:t>
             </a:r>
             <a:endParaRPr lang="en-SG" sz="1100" dirty="0">
               <a:solidFill>
@@ -6815,7 +6815,7 @@
         </p:nvSpPr>
         <p:spPr>
           <a:xfrm>
-            <a:off x="4198610" y="4996985"/>
+            <a:off x="8814306" y="3592059"/>
             <a:ext cx="990600" cy="346760"/>
           </a:xfrm>
           <a:prstGeom prst="rect">
@@ -6874,19 +6874,17 @@
           </p:cNvPr>
           <p:cNvCxnSpPr>
             <a:cxnSpLocks/>
-            <a:stCxn id="91" idx="2"/>
-            <a:endCxn id="96" idx="2"/>
           </p:cNvCxnSpPr>
           <p:nvPr/>
         </p:nvCxnSpPr>
         <p:spPr>
-          <a:xfrm rot="5400000" flipH="1" flipV="1">
-            <a:off x="5284563" y="4232960"/>
-            <a:ext cx="520131" cy="1701439"/>
+          <a:xfrm rot="5400000">
+            <a:off x="7286017" y="3060404"/>
+            <a:ext cx="884795" cy="2628000"/>
           </a:xfrm>
           <a:prstGeom prst="bentConnector3">
             <a:avLst>
-              <a:gd name="adj1" fmla="val -43950"/>
+              <a:gd name="adj1" fmla="val 186121"/>
             </a:avLst>
           </a:prstGeom>
           <a:ln w="19050">
@@ -6924,21 +6922,18 @@
           </p:cNvPr>
           <p:cNvCxnSpPr>
             <a:cxnSpLocks/>
-            <a:stCxn id="91" idx="2"/>
+            <a:stCxn id="91" idx="0"/>
             <a:endCxn id="123" idx="3"/>
           </p:cNvCxnSpPr>
           <p:nvPr/>
         </p:nvCxnSpPr>
         <p:spPr>
-          <a:xfrm rot="5400000" flipH="1" flipV="1">
-            <a:off x="4933819" y="2043770"/>
-            <a:ext cx="3060065" cy="3539885"/>
-          </a:xfrm>
-          <a:prstGeom prst="bentConnector4">
-            <a:avLst>
-              <a:gd name="adj1" fmla="val -7470"/>
-              <a:gd name="adj2" fmla="val 106458"/>
-            </a:avLst>
+          <a:xfrm rot="16200000" flipV="1">
+            <a:off x="8117512" y="2399964"/>
+            <a:ext cx="1308379" cy="1075811"/>
+          </a:xfrm>
+          <a:prstGeom prst="bentConnector2">
+            <a:avLst/>
           </a:prstGeom>
           <a:ln w="19050">
             <a:solidFill>
@@ -6975,19 +6970,19 @@
           </p:cNvPr>
           <p:cNvCxnSpPr>
             <a:cxnSpLocks/>
-            <a:stCxn id="51" idx="3"/>
-            <a:endCxn id="91" idx="1"/>
+            <a:endCxn id="91" idx="3"/>
           </p:cNvCxnSpPr>
           <p:nvPr/>
         </p:nvCxnSpPr>
         <p:spPr>
-          <a:xfrm>
-            <a:off x="3824638" y="1914837"/>
-            <a:ext cx="373972" cy="3255528"/>
-          </a:xfrm>
-          <a:prstGeom prst="bentConnector3">
+          <a:xfrm rot="16200000" flipH="1">
+            <a:off x="7544827" y="1505359"/>
+            <a:ext cx="3204429" cy="1315730"/>
+          </a:xfrm>
+          <a:prstGeom prst="bentConnector4">
             <a:avLst>
-              <a:gd name="adj1" fmla="val 50000"/>
+              <a:gd name="adj1" fmla="val 211"/>
+              <a:gd name="adj2" fmla="val 117374"/>
             </a:avLst>
           </a:prstGeom>
           <a:ln w="19050">
@@ -7073,7 +7068,7 @@
         </p:nvSpPr>
         <p:spPr>
           <a:xfrm>
-            <a:off x="4015610" y="4957125"/>
+            <a:off x="9838991" y="3872708"/>
             <a:ext cx="189257" cy="178683"/>
           </a:xfrm>
           <a:prstGeom prst="rect">
@@ -7118,7 +7113,7 @@
         </p:nvSpPr>
         <p:spPr>
           <a:xfrm>
-            <a:off x="6186263" y="4857560"/>
+            <a:off x="6465250" y="4876101"/>
             <a:ext cx="189257" cy="178683"/>
           </a:xfrm>
           <a:prstGeom prst="rect">
@@ -7208,7 +7203,7 @@
         </p:nvSpPr>
         <p:spPr>
           <a:xfrm>
-            <a:off x="4096040" y="5380652"/>
+            <a:off x="8804118" y="3239788"/>
             <a:ext cx="189257" cy="178683"/>
           </a:xfrm>
           <a:prstGeom prst="rect">
@@ -7345,17 +7340,19 @@
           </p:cNvPr>
           <p:cNvCxnSpPr>
             <a:cxnSpLocks/>
+            <a:endCxn id="91" idx="2"/>
           </p:cNvCxnSpPr>
           <p:nvPr/>
         </p:nvCxnSpPr>
         <p:spPr>
-          <a:xfrm rot="16200000" flipH="1">
-            <a:off x="1878962" y="2730946"/>
-            <a:ext cx="2582315" cy="2670104"/>
-          </a:xfrm>
-          <a:prstGeom prst="bentConnector3">
+          <a:xfrm>
+            <a:off x="1835068" y="2774840"/>
+            <a:ext cx="7474538" cy="1163979"/>
+          </a:xfrm>
+          <a:prstGeom prst="bentConnector4">
             <a:avLst>
-              <a:gd name="adj1" fmla="val 116879"/>
+              <a:gd name="adj1" fmla="val 97"/>
+              <a:gd name="adj2" fmla="val 259080"/>
             </a:avLst>
           </a:prstGeom>
           <a:ln w="19050">
@@ -7396,8 +7393,8 @@
           <p:nvPr/>
         </p:nvSpPr>
         <p:spPr>
-          <a:xfrm>
-            <a:off x="3669729" y="5606369"/>
+          <a:xfrm rot="16200000">
+            <a:off x="9001707" y="4558278"/>
             <a:ext cx="881018" cy="215444"/>
           </a:xfrm>
           <a:prstGeom prst="rect">
@@ -7442,7 +7439,7 @@
         </p:nvSpPr>
         <p:spPr>
           <a:xfrm>
-            <a:off x="4366483" y="5458564"/>
+            <a:off x="9358633" y="4097847"/>
             <a:ext cx="189257" cy="178683"/>
           </a:xfrm>
           <a:prstGeom prst="rect">
@@ -7538,15 +7535,13 @@
           <p:nvPr/>
         </p:nvCxnSpPr>
         <p:spPr>
-          <a:xfrm rot="16200000" flipH="1" flipV="1">
-            <a:off x="4358222" y="3646817"/>
-            <a:ext cx="1654507" cy="1752759"/>
-          </a:xfrm>
-          <a:prstGeom prst="bentConnector5">
+          <a:xfrm rot="5400000" flipH="1" flipV="1">
+            <a:off x="7884729" y="2555702"/>
+            <a:ext cx="72000" cy="2160000"/>
+          </a:xfrm>
+          <a:prstGeom prst="bentConnector3">
             <a:avLst>
-              <a:gd name="adj1" fmla="val -13817"/>
-              <a:gd name="adj2" fmla="val 137277"/>
-              <a:gd name="adj3" fmla="val 113817"/>
+              <a:gd name="adj1" fmla="val 335236"/>
             </a:avLst>
           </a:prstGeom>
           <a:ln w="19050">
@@ -8259,27 +8254,27 @@
       </p:cxnSp>
       <p:cxnSp>
         <p:nvCxnSpPr>
-          <p:cNvPr id="165" name="Elbow Connector 49">
+          <p:cNvPr id="121" name="Elbow Connector 29">
             <a:extLst>
               <a:ext uri="{FF2B5EF4-FFF2-40B4-BE49-F238E27FC236}">
-                <a16:creationId xmlns:a16="http://schemas.microsoft.com/office/drawing/2014/main" id="{2459C62F-CF74-4C21-94E7-FC860E205DD2}"/>
+                <a16:creationId xmlns:a16="http://schemas.microsoft.com/office/drawing/2014/main" id="{F0C00618-EA62-49FA-A6D8-8327EFD3B4E9}"/>
               </a:ext>
             </a:extLst>
           </p:cNvPr>
           <p:cNvCxnSpPr>
             <a:cxnSpLocks/>
-            <a:stCxn id="96" idx="0"/>
+            <a:stCxn id="51" idx="3"/>
           </p:cNvCxnSpPr>
           <p:nvPr/>
         </p:nvCxnSpPr>
         <p:spPr>
-          <a:xfrm rot="16200000" flipV="1">
-            <a:off x="4648764" y="2730268"/>
-            <a:ext cx="2698970" cy="794201"/>
+          <a:xfrm flipV="1">
+            <a:off x="3824638" y="561010"/>
+            <a:ext cx="4689639" cy="1353827"/>
           </a:xfrm>
           <a:prstGeom prst="bentConnector3">
             <a:avLst>
-              <a:gd name="adj1" fmla="val 6860"/>
+              <a:gd name="adj1" fmla="val 4017"/>
             </a:avLst>
           </a:prstGeom>
           <a:ln w="19050">
@@ -8287,7 +8282,7 @@
               <a:srgbClr val="7030A0"/>
             </a:solidFill>
             <a:headEnd type="none" w="med" len="med"/>
-            <a:tailEnd type="arrow" w="med" len="med"/>
+            <a:tailEnd type="none" w="med" len="med"/>
           </a:ln>
           <a:effectLst/>
         </p:spPr>
@@ -8306,51 +8301,6 @@
           </a:fontRef>
         </p:style>
       </p:cxnSp>
-      <p:sp>
-        <p:nvSpPr>
-          <p:cNvPr id="186" name="TextBox 185">
-            <a:extLst>
-              <a:ext uri="{FF2B5EF4-FFF2-40B4-BE49-F238E27FC236}">
-                <a16:creationId xmlns:a16="http://schemas.microsoft.com/office/drawing/2014/main" id="{3A8315A9-424E-42A8-A07B-EDE4193BB1C5}"/>
-              </a:ext>
-            </a:extLst>
-          </p:cNvPr>
-          <p:cNvSpPr txBox="1"/>
-          <p:nvPr/>
-        </p:nvSpPr>
-        <p:spPr>
-          <a:xfrm>
-            <a:off x="5384228" y="1817354"/>
-            <a:ext cx="189257" cy="178683"/>
-          </a:xfrm>
-          <a:prstGeom prst="rect">
-            <a:avLst/>
-          </a:prstGeom>
-          <a:noFill/>
-        </p:spPr>
-        <p:txBody>
-          <a:bodyPr wrap="square" lIns="0" tIns="0" rIns="0" bIns="0" rtlCol="0">
-            <a:noAutofit/>
-          </a:bodyPr>
-          <a:lstStyle/>
-          <a:p>
-            <a:pPr algn="ctr"/>
-            <a:r>
-              <a:rPr lang="en-US" sz="1100" dirty="0">
-                <a:solidFill>
-                  <a:srgbClr val="7030A0"/>
-                </a:solidFill>
-              </a:rPr>
-              <a:t>1</a:t>
-            </a:r>
-            <a:endParaRPr lang="en-SG" sz="1100" dirty="0">
-              <a:solidFill>
-                <a:srgbClr val="7030A0"/>
-              </a:solidFill>
-            </a:endParaRPr>
-          </a:p>
-        </p:txBody>
-      </p:sp>
     </p:spTree>
     <p:extLst>
       <p:ext uri="{BB962C8B-B14F-4D97-AF65-F5344CB8AC3E}">
